--- a/zookeeper.v2.pptx
+++ b/zookeeper.v2.pptx
@@ -5,7 +5,7 @@
     <p:sldMasterId id="2147483648" r:id="rId1"/>
   </p:sldMasterIdLst>
   <p:notesMasterIdLst>
-    <p:notesMasterId r:id="rId108"/>
+    <p:notesMasterId r:id="rId107"/>
   </p:notesMasterIdLst>
   <p:sldIdLst>
     <p:sldId id="256" r:id="rId2"/>
@@ -24,8 +24,8 @@
     <p:sldId id="275" r:id="rId15"/>
     <p:sldId id="278" r:id="rId16"/>
     <p:sldId id="277" r:id="rId17"/>
-    <p:sldId id="280" r:id="rId18"/>
-    <p:sldId id="281" r:id="rId19"/>
+    <p:sldId id="281" r:id="rId18"/>
+    <p:sldId id="280" r:id="rId19"/>
     <p:sldId id="282" r:id="rId20"/>
     <p:sldId id="273" r:id="rId21"/>
     <p:sldId id="272" r:id="rId22"/>
@@ -79,41 +79,40 @@
     <p:sldId id="329" r:id="rId70"/>
     <p:sldId id="330" r:id="rId71"/>
     <p:sldId id="334" r:id="rId72"/>
-    <p:sldId id="333" r:id="rId73"/>
-    <p:sldId id="337" r:id="rId74"/>
-    <p:sldId id="336" r:id="rId75"/>
-    <p:sldId id="335" r:id="rId76"/>
-    <p:sldId id="332" r:id="rId77"/>
-    <p:sldId id="331" r:id="rId78"/>
-    <p:sldId id="328" r:id="rId79"/>
-    <p:sldId id="327" r:id="rId80"/>
-    <p:sldId id="340" r:id="rId81"/>
-    <p:sldId id="339" r:id="rId82"/>
-    <p:sldId id="338" r:id="rId83"/>
-    <p:sldId id="345" r:id="rId84"/>
-    <p:sldId id="344" r:id="rId85"/>
-    <p:sldId id="343" r:id="rId86"/>
-    <p:sldId id="347" r:id="rId87"/>
-    <p:sldId id="346" r:id="rId88"/>
-    <p:sldId id="350" r:id="rId89"/>
-    <p:sldId id="349" r:id="rId90"/>
-    <p:sldId id="348" r:id="rId91"/>
-    <p:sldId id="351" r:id="rId92"/>
-    <p:sldId id="342" r:id="rId93"/>
-    <p:sldId id="353" r:id="rId94"/>
-    <p:sldId id="352" r:id="rId95"/>
-    <p:sldId id="341" r:id="rId96"/>
-    <p:sldId id="355" r:id="rId97"/>
-    <p:sldId id="354" r:id="rId98"/>
-    <p:sldId id="356" r:id="rId99"/>
-    <p:sldId id="357" r:id="rId100"/>
-    <p:sldId id="358" r:id="rId101"/>
-    <p:sldId id="360" r:id="rId102"/>
-    <p:sldId id="362" r:id="rId103"/>
-    <p:sldId id="361" r:id="rId104"/>
-    <p:sldId id="363" r:id="rId105"/>
-    <p:sldId id="365" r:id="rId106"/>
-    <p:sldId id="364" r:id="rId107"/>
+    <p:sldId id="337" r:id="rId73"/>
+    <p:sldId id="336" r:id="rId74"/>
+    <p:sldId id="335" r:id="rId75"/>
+    <p:sldId id="332" r:id="rId76"/>
+    <p:sldId id="331" r:id="rId77"/>
+    <p:sldId id="328" r:id="rId78"/>
+    <p:sldId id="327" r:id="rId79"/>
+    <p:sldId id="340" r:id="rId80"/>
+    <p:sldId id="339" r:id="rId81"/>
+    <p:sldId id="338" r:id="rId82"/>
+    <p:sldId id="345" r:id="rId83"/>
+    <p:sldId id="344" r:id="rId84"/>
+    <p:sldId id="343" r:id="rId85"/>
+    <p:sldId id="347" r:id="rId86"/>
+    <p:sldId id="346" r:id="rId87"/>
+    <p:sldId id="350" r:id="rId88"/>
+    <p:sldId id="349" r:id="rId89"/>
+    <p:sldId id="348" r:id="rId90"/>
+    <p:sldId id="351" r:id="rId91"/>
+    <p:sldId id="342" r:id="rId92"/>
+    <p:sldId id="353" r:id="rId93"/>
+    <p:sldId id="352" r:id="rId94"/>
+    <p:sldId id="341" r:id="rId95"/>
+    <p:sldId id="355" r:id="rId96"/>
+    <p:sldId id="354" r:id="rId97"/>
+    <p:sldId id="356" r:id="rId98"/>
+    <p:sldId id="357" r:id="rId99"/>
+    <p:sldId id="358" r:id="rId100"/>
+    <p:sldId id="360" r:id="rId101"/>
+    <p:sldId id="362" r:id="rId102"/>
+    <p:sldId id="361" r:id="rId103"/>
+    <p:sldId id="363" r:id="rId104"/>
+    <p:sldId id="365" r:id="rId105"/>
+    <p:sldId id="364" r:id="rId106"/>
   </p:sldIdLst>
   <p:sldSz cx="12192000" cy="6858000"/>
   <p:notesSz cx="6858000" cy="9144000"/>
@@ -4150,7 +4149,7 @@
           <p:cNvPr id="2" name="标题 1">
             <a:extLst>
               <a:ext uri="{FF2B5EF4-FFF2-40B4-BE49-F238E27FC236}">
-                <a16:creationId xmlns:a16="http://schemas.microsoft.com/office/drawing/2014/main" id="{1184245D-8494-4709-9DB4-47B387F00DE4}"/>
+                <a16:creationId xmlns:a16="http://schemas.microsoft.com/office/drawing/2014/main" id="{503F91EB-921B-420C-BFF8-1406B1E80C0C}"/>
               </a:ext>
             </a:extLst>
           </p:cNvPr>
@@ -4172,100 +4171,58 @@
             </a:r>
             <a:r>
               <a:rPr lang="zh-CN" altLang="en-US" dirty="0"/>
-              <a:t>原子广播（数据一致原理）</a:t>
-            </a:r>
-          </a:p>
-        </p:txBody>
-      </p:sp>
-      <p:sp>
-        <p:nvSpPr>
-          <p:cNvPr id="3" name="内容占位符 2">
-            <a:extLst>
-              <a:ext uri="{FF2B5EF4-FFF2-40B4-BE49-F238E27FC236}">
-                <a16:creationId xmlns:a16="http://schemas.microsoft.com/office/drawing/2014/main" id="{27726219-C478-456D-85F0-CD8E9FE1B4F9}"/>
-              </a:ext>
-            </a:extLst>
-          </p:cNvPr>
-          <p:cNvSpPr>
-            <a:spLocks noGrp="1"/>
-          </p:cNvSpPr>
+              <a:t>原子广播</a:t>
+            </a:r>
+            <a:r>
+              <a:rPr lang="en-US" altLang="zh-CN" dirty="0"/>
+              <a:t>-</a:t>
+            </a:r>
+            <a:r>
+              <a:rPr lang="zh-CN" altLang="en-US" dirty="0"/>
+              <a:t>工作步骤</a:t>
+            </a:r>
+          </a:p>
+        </p:txBody>
+      </p:sp>
+      <p:pic>
+        <p:nvPicPr>
+          <p:cNvPr id="5" name="内容占位符 4">
+            <a:extLst>
+              <a:ext uri="{FF2B5EF4-FFF2-40B4-BE49-F238E27FC236}">
+                <a16:creationId xmlns:a16="http://schemas.microsoft.com/office/drawing/2014/main" id="{D911C320-5C74-4269-9E8D-0DCF8B8A4481}"/>
+              </a:ext>
+            </a:extLst>
+          </p:cNvPr>
+          <p:cNvPicPr>
+            <a:picLocks noGrp="1" noChangeAspect="1"/>
+          </p:cNvPicPr>
           <p:nvPr>
             <p:ph idx="1"/>
           </p:nvPr>
-        </p:nvSpPr>
-        <p:spPr/>
-        <p:txBody>
-          <a:bodyPr/>
-          <a:lstStyle/>
-          <a:p>
-            <a:pPr marL="0" indent="0">
-              <a:buNone/>
-            </a:pPr>
-            <a:r>
-              <a:rPr lang="en-US" altLang="zh-CN" dirty="0"/>
-              <a:t>	</a:t>
-            </a:r>
-            <a:r>
-              <a:rPr lang="en-US" altLang="zh-CN" dirty="0" err="1"/>
-              <a:t>paxos</a:t>
-            </a:r>
-            <a:r>
-              <a:rPr lang="zh-CN" altLang="en-US" dirty="0"/>
-              <a:t>理论到实际是个艰难的过程。比如怎样在分布式环境下维持一个全局唯一递增的序列，如果是靠数据库的自增主键，那么整个系统的稳定和性能的瓶颈全都集中于这个单点。</a:t>
-            </a:r>
-            <a:r>
-              <a:rPr lang="en-US" altLang="zh-CN" dirty="0" err="1"/>
-              <a:t>paxos</a:t>
-            </a:r>
-            <a:r>
-              <a:rPr lang="zh-CN" altLang="en-US" dirty="0"/>
-              <a:t>算法也没有限制</a:t>
-            </a:r>
-            <a:r>
-              <a:rPr lang="en-US" altLang="zh-CN" dirty="0"/>
-              <a:t>Proposer</a:t>
-            </a:r>
-            <a:r>
-              <a:rPr lang="zh-CN" altLang="en-US" dirty="0"/>
-              <a:t>的个数，</a:t>
-            </a:r>
-            <a:r>
-              <a:rPr lang="en-US" altLang="zh-CN" dirty="0"/>
-              <a:t>Proposer</a:t>
-            </a:r>
-            <a:r>
-              <a:rPr lang="zh-CN" altLang="en-US" dirty="0"/>
-              <a:t>个数越多，那么达成一致所造成的碰撞将越多，甚至产生活锁，如果限制</a:t>
-            </a:r>
-            <a:r>
-              <a:rPr lang="en-US" altLang="zh-CN" dirty="0"/>
-              <a:t>Proposer</a:t>
-            </a:r>
-            <a:r>
-              <a:rPr lang="zh-CN" altLang="en-US" dirty="0"/>
-              <a:t>的个数为一个，那么就要考虑唯一的</a:t>
-            </a:r>
-            <a:r>
-              <a:rPr lang="en-US" altLang="zh-CN" dirty="0"/>
-              <a:t>Proposer</a:t>
-            </a:r>
-            <a:r>
-              <a:rPr lang="zh-CN" altLang="en-US" dirty="0"/>
-              <a:t>崩溃要怎么处理。</a:t>
-            </a:r>
-          </a:p>
-          <a:p>
-            <a:pPr marL="0" indent="0">
-              <a:buNone/>
-            </a:pPr>
-            <a:endParaRPr lang="zh-CN" altLang="en-US" dirty="0"/>
-          </a:p>
-        </p:txBody>
-      </p:sp>
+        </p:nvPicPr>
+        <p:blipFill>
+          <a:blip r:embed="rId2">
+            <a:extLst>
+              <a:ext uri="{28A0092B-C50C-407E-A947-70E740481C1C}">
+                <a14:useLocalDpi xmlns:a14="http://schemas.microsoft.com/office/drawing/2010/main" val="0"/>
+              </a:ext>
+            </a:extLst>
+          </a:blip>
+          <a:stretch>
+            <a:fillRect/>
+          </a:stretch>
+        </p:blipFill>
+        <p:spPr>
+          <a:xfrm>
+            <a:off x="3152364" y="2200817"/>
+            <a:ext cx="5887272" cy="3600953"/>
+          </a:xfrm>
+        </p:spPr>
+      </p:pic>
     </p:spTree>
     <p:extLst>
       <p:ext uri="{BB962C8B-B14F-4D97-AF65-F5344CB8AC3E}">
-        <p14:creationId xmlns:p14="http://schemas.microsoft.com/office/powerpoint/2010/main" val="1727803331"/>
+        <p14:creationId xmlns:p14="http://schemas.microsoft.com/office/powerpoint/2010/main" val="4044034522"/>
       </p:ext>
     </p:extLst>
   </p:cSld>
@@ -4304,7 +4261,7 @@
           <p:cNvPr id="2" name="标题 1">
             <a:extLst>
               <a:ext uri="{FF2B5EF4-FFF2-40B4-BE49-F238E27FC236}">
-                <a16:creationId xmlns:a16="http://schemas.microsoft.com/office/drawing/2014/main" id="{503F91EB-921B-420C-BFF8-1406B1E80C0C}"/>
+                <a16:creationId xmlns:a16="http://schemas.microsoft.com/office/drawing/2014/main" id="{51712F79-7C9B-4194-9DFF-44E2D6D84C4E}"/>
               </a:ext>
             </a:extLst>
           </p:cNvPr>
@@ -4339,45 +4296,239 @@
           </a:p>
         </p:txBody>
       </p:sp>
-      <p:pic>
-        <p:nvPicPr>
-          <p:cNvPr id="5" name="内容占位符 4">
-            <a:extLst>
-              <a:ext uri="{FF2B5EF4-FFF2-40B4-BE49-F238E27FC236}">
-                <a16:creationId xmlns:a16="http://schemas.microsoft.com/office/drawing/2014/main" id="{D911C320-5C74-4269-9E8D-0DCF8B8A4481}"/>
-              </a:ext>
-            </a:extLst>
-          </p:cNvPr>
-          <p:cNvPicPr>
-            <a:picLocks noGrp="1" noChangeAspect="1"/>
-          </p:cNvPicPr>
+      <p:sp>
+        <p:nvSpPr>
+          <p:cNvPr id="3" name="内容占位符 2">
+            <a:extLst>
+              <a:ext uri="{FF2B5EF4-FFF2-40B4-BE49-F238E27FC236}">
+                <a16:creationId xmlns:a16="http://schemas.microsoft.com/office/drawing/2014/main" id="{2091C3D1-1559-4010-BE4D-A86A99920331}"/>
+              </a:ext>
+            </a:extLst>
+          </p:cNvPr>
+          <p:cNvSpPr>
+            <a:spLocks noGrp="1"/>
+          </p:cNvSpPr>
           <p:nvPr>
             <p:ph idx="1"/>
           </p:nvPr>
-        </p:nvPicPr>
-        <p:blipFill>
-          <a:blip r:embed="rId2">
-            <a:extLst>
-              <a:ext uri="{28A0092B-C50C-407E-A947-70E740481C1C}">
-                <a14:useLocalDpi xmlns:a14="http://schemas.microsoft.com/office/drawing/2010/main" val="0"/>
-              </a:ext>
-            </a:extLst>
-          </a:blip>
-          <a:stretch>
-            <a:fillRect/>
-          </a:stretch>
-        </p:blipFill>
-        <p:spPr>
-          <a:xfrm>
-            <a:off x="3152364" y="2200817"/>
-            <a:ext cx="5887272" cy="3600953"/>
-          </a:xfrm>
-        </p:spPr>
-      </p:pic>
+        </p:nvSpPr>
+        <p:spPr/>
+        <p:txBody>
+          <a:bodyPr/>
+          <a:lstStyle/>
+          <a:p>
+            <a:r>
+              <a:rPr lang="en-US" altLang="zh-CN" dirty="0"/>
+              <a:t>1. leader</a:t>
+            </a:r>
+            <a:r>
+              <a:rPr lang="zh-CN" altLang="en-US" dirty="0"/>
+              <a:t>从客户端收到一个写请求</a:t>
+            </a:r>
+          </a:p>
+          <a:p>
+            <a:r>
+              <a:rPr lang="en-US" altLang="zh-CN" dirty="0"/>
+              <a:t>2.</a:t>
+            </a:r>
+            <a:r>
+              <a:rPr lang="zh-CN" altLang="en-US" dirty="0"/>
+              <a:t> </a:t>
+            </a:r>
+            <a:r>
+              <a:rPr lang="en-US" altLang="zh-CN" dirty="0"/>
+              <a:t>leader</a:t>
+            </a:r>
+            <a:r>
+              <a:rPr lang="zh-CN" altLang="en-US" dirty="0"/>
+              <a:t>生成一个新的事务并为这个事务生成一个唯一的</a:t>
+            </a:r>
+            <a:r>
+              <a:rPr lang="en-US" altLang="zh-CN" dirty="0"/>
+              <a:t>ZXID</a:t>
+            </a:r>
+            <a:r>
+              <a:rPr lang="zh-CN" altLang="en-US" dirty="0"/>
+              <a:t>，</a:t>
+            </a:r>
+          </a:p>
+          <a:p>
+            <a:r>
+              <a:rPr lang="en-US" altLang="zh-CN" dirty="0"/>
+              <a:t>3. leader</a:t>
+            </a:r>
+            <a:r>
+              <a:rPr lang="zh-CN" altLang="en-US" dirty="0"/>
+              <a:t>将这个事务发送给所有的</a:t>
+            </a:r>
+            <a:r>
+              <a:rPr lang="en-US" altLang="zh-CN" dirty="0"/>
+              <a:t>follows</a:t>
+            </a:r>
+            <a:r>
+              <a:rPr lang="zh-CN" altLang="en-US" dirty="0"/>
+              <a:t>节点</a:t>
+            </a:r>
+          </a:p>
+          <a:p>
+            <a:r>
+              <a:rPr lang="en-US" altLang="zh-CN" dirty="0"/>
+              <a:t>4.</a:t>
+            </a:r>
+            <a:r>
+              <a:rPr lang="zh-CN" altLang="en-US" dirty="0"/>
+              <a:t> </a:t>
+            </a:r>
+            <a:r>
+              <a:rPr lang="en-US" altLang="zh-CN" dirty="0"/>
+              <a:t>follower</a:t>
+            </a:r>
+            <a:r>
+              <a:rPr lang="zh-CN" altLang="en-US" dirty="0"/>
+              <a:t>节点将收到的事务请求加入到历史队列</a:t>
+            </a:r>
+            <a:r>
+              <a:rPr lang="en-US" altLang="zh-CN" dirty="0"/>
+              <a:t>(history queue)</a:t>
+            </a:r>
+            <a:r>
+              <a:rPr lang="zh-CN" altLang="en-US" dirty="0"/>
+              <a:t>中</a:t>
+            </a:r>
+            <a:r>
+              <a:rPr lang="en-US" altLang="zh-CN" dirty="0"/>
+              <a:t>,</a:t>
+            </a:r>
+            <a:r>
+              <a:rPr lang="zh-CN" altLang="en-US" dirty="0"/>
+              <a:t>并发送</a:t>
+            </a:r>
+            <a:r>
+              <a:rPr lang="en-US" altLang="zh-CN" dirty="0"/>
+              <a:t>ack</a:t>
+            </a:r>
+            <a:r>
+              <a:rPr lang="zh-CN" altLang="en-US" dirty="0"/>
+              <a:t>给</a:t>
+            </a:r>
+            <a:r>
+              <a:rPr lang="en-US" altLang="zh-CN" dirty="0"/>
+              <a:t>ack</a:t>
+            </a:r>
+            <a:r>
+              <a:rPr lang="zh-CN" altLang="en-US" dirty="0"/>
+              <a:t>给</a:t>
+            </a:r>
+            <a:r>
+              <a:rPr lang="en-US" altLang="zh-CN" dirty="0"/>
+              <a:t>leader</a:t>
+            </a:r>
+          </a:p>
+          <a:p>
+            <a:r>
+              <a:rPr lang="en-US" altLang="zh-CN" dirty="0"/>
+              <a:t>5. </a:t>
+            </a:r>
+            <a:r>
+              <a:rPr lang="zh-CN" altLang="en-US" dirty="0"/>
+              <a:t>当</a:t>
+            </a:r>
+            <a:r>
+              <a:rPr lang="en-US" altLang="zh-CN" dirty="0"/>
+              <a:t>leader</a:t>
+            </a:r>
+            <a:r>
+              <a:rPr lang="zh-CN" altLang="en-US" dirty="0"/>
+              <a:t>收到大多数</a:t>
+            </a:r>
+            <a:r>
+              <a:rPr lang="en-US" altLang="zh-CN" dirty="0"/>
+              <a:t>follower</a:t>
+            </a:r>
+            <a:r>
+              <a:rPr lang="zh-CN" altLang="en-US" dirty="0"/>
+              <a:t>（超过法定数量）的</a:t>
+            </a:r>
+            <a:r>
+              <a:rPr lang="en-US" altLang="zh-CN" dirty="0"/>
+              <a:t>ack</a:t>
+            </a:r>
+            <a:r>
+              <a:rPr lang="zh-CN" altLang="en-US" dirty="0"/>
+              <a:t>消息，</a:t>
+            </a:r>
+            <a:r>
+              <a:rPr lang="en-US" altLang="zh-CN" dirty="0"/>
+              <a:t>leader</a:t>
+            </a:r>
+            <a:r>
+              <a:rPr lang="zh-CN" altLang="en-US" dirty="0"/>
+              <a:t>会发送</a:t>
+            </a:r>
+            <a:r>
+              <a:rPr lang="en-US" altLang="zh-CN" dirty="0"/>
+              <a:t>commit</a:t>
+            </a:r>
+            <a:r>
+              <a:rPr lang="zh-CN" altLang="en-US" dirty="0"/>
+              <a:t>请求</a:t>
+            </a:r>
+          </a:p>
+          <a:p>
+            <a:r>
+              <a:rPr lang="en-US" altLang="zh-CN" dirty="0"/>
+              <a:t>6.</a:t>
+            </a:r>
+            <a:r>
+              <a:rPr lang="zh-CN" altLang="en-US" dirty="0"/>
+              <a:t> 当</a:t>
+            </a:r>
+            <a:r>
+              <a:rPr lang="en-US" altLang="zh-CN" dirty="0"/>
+              <a:t>follower</a:t>
+            </a:r>
+            <a:r>
+              <a:rPr lang="zh-CN" altLang="en-US" dirty="0"/>
+              <a:t>收到</a:t>
+            </a:r>
+            <a:r>
+              <a:rPr lang="en-US" altLang="zh-CN" dirty="0"/>
+              <a:t>commit</a:t>
+            </a:r>
+            <a:r>
+              <a:rPr lang="zh-CN" altLang="en-US" dirty="0"/>
+              <a:t>请求时，会判断该事务的</a:t>
+            </a:r>
+            <a:r>
+              <a:rPr lang="en-US" altLang="zh-CN" dirty="0"/>
+              <a:t>ZXID</a:t>
+            </a:r>
+            <a:r>
+              <a:rPr lang="zh-CN" altLang="en-US" dirty="0"/>
+              <a:t>是不是比历史队列中的任何事务的</a:t>
+            </a:r>
+            <a:r>
+              <a:rPr lang="en-US" altLang="zh-CN" dirty="0"/>
+              <a:t>ZXID</a:t>
+            </a:r>
+            <a:r>
+              <a:rPr lang="zh-CN" altLang="en-US" dirty="0"/>
+              <a:t>都小，如果是则提交，如果不是则等待比它更小的事务的</a:t>
+            </a:r>
+            <a:r>
+              <a:rPr lang="en-US" altLang="zh-CN" dirty="0"/>
+              <a:t>commit.</a:t>
+            </a:r>
+          </a:p>
+          <a:p>
+            <a:endParaRPr lang="zh-CN" altLang="en-US" dirty="0"/>
+          </a:p>
+        </p:txBody>
+      </p:sp>
     </p:spTree>
     <p:extLst>
       <p:ext uri="{BB962C8B-B14F-4D97-AF65-F5344CB8AC3E}">
-        <p14:creationId xmlns:p14="http://schemas.microsoft.com/office/powerpoint/2010/main" val="4044034522"/>
+        <p14:creationId xmlns:p14="http://schemas.microsoft.com/office/powerpoint/2010/main" val="181325413"/>
       </p:ext>
     </p:extLst>
   </p:cSld>
@@ -4416,7 +4567,7 @@
           <p:cNvPr id="2" name="标题 1">
             <a:extLst>
               <a:ext uri="{FF2B5EF4-FFF2-40B4-BE49-F238E27FC236}">
-                <a16:creationId xmlns:a16="http://schemas.microsoft.com/office/drawing/2014/main" id="{51712F79-7C9B-4194-9DFF-44E2D6D84C4E}"/>
+                <a16:creationId xmlns:a16="http://schemas.microsoft.com/office/drawing/2014/main" id="{A5DF1090-146D-40CB-9C41-BD43EF38DB62}"/>
               </a:ext>
             </a:extLst>
           </p:cNvPr>
@@ -4451,239 +4602,45 @@
           </a:p>
         </p:txBody>
       </p:sp>
-      <p:sp>
-        <p:nvSpPr>
-          <p:cNvPr id="3" name="内容占位符 2">
-            <a:extLst>
-              <a:ext uri="{FF2B5EF4-FFF2-40B4-BE49-F238E27FC236}">
-                <a16:creationId xmlns:a16="http://schemas.microsoft.com/office/drawing/2014/main" id="{2091C3D1-1559-4010-BE4D-A86A99920331}"/>
-              </a:ext>
-            </a:extLst>
-          </p:cNvPr>
-          <p:cNvSpPr>
-            <a:spLocks noGrp="1"/>
-          </p:cNvSpPr>
+      <p:pic>
+        <p:nvPicPr>
+          <p:cNvPr id="5" name="内容占位符 4">
+            <a:extLst>
+              <a:ext uri="{FF2B5EF4-FFF2-40B4-BE49-F238E27FC236}">
+                <a16:creationId xmlns:a16="http://schemas.microsoft.com/office/drawing/2014/main" id="{3C869539-B615-43BE-A288-6AB726CC008E}"/>
+              </a:ext>
+            </a:extLst>
+          </p:cNvPr>
+          <p:cNvPicPr>
+            <a:picLocks noGrp="1" noChangeAspect="1"/>
+          </p:cNvPicPr>
           <p:nvPr>
             <p:ph idx="1"/>
           </p:nvPr>
-        </p:nvSpPr>
-        <p:spPr/>
-        <p:txBody>
-          <a:bodyPr/>
-          <a:lstStyle/>
-          <a:p>
-            <a:r>
-              <a:rPr lang="en-US" altLang="zh-CN" dirty="0"/>
-              <a:t>1. leader</a:t>
-            </a:r>
-            <a:r>
-              <a:rPr lang="zh-CN" altLang="en-US" dirty="0"/>
-              <a:t>从客户端收到一个写请求</a:t>
-            </a:r>
-          </a:p>
-          <a:p>
-            <a:r>
-              <a:rPr lang="en-US" altLang="zh-CN" dirty="0"/>
-              <a:t>2.</a:t>
-            </a:r>
-            <a:r>
-              <a:rPr lang="zh-CN" altLang="en-US" dirty="0"/>
-              <a:t> </a:t>
-            </a:r>
-            <a:r>
-              <a:rPr lang="en-US" altLang="zh-CN" dirty="0"/>
-              <a:t>leader</a:t>
-            </a:r>
-            <a:r>
-              <a:rPr lang="zh-CN" altLang="en-US" dirty="0"/>
-              <a:t>生成一个新的事务并为这个事务生成一个唯一的</a:t>
-            </a:r>
-            <a:r>
-              <a:rPr lang="en-US" altLang="zh-CN" dirty="0"/>
-              <a:t>ZXID</a:t>
-            </a:r>
-            <a:r>
-              <a:rPr lang="zh-CN" altLang="en-US" dirty="0"/>
-              <a:t>，</a:t>
-            </a:r>
-          </a:p>
-          <a:p>
-            <a:r>
-              <a:rPr lang="en-US" altLang="zh-CN" dirty="0"/>
-              <a:t>3. leader</a:t>
-            </a:r>
-            <a:r>
-              <a:rPr lang="zh-CN" altLang="en-US" dirty="0"/>
-              <a:t>将这个事务发送给所有的</a:t>
-            </a:r>
-            <a:r>
-              <a:rPr lang="en-US" altLang="zh-CN" dirty="0"/>
-              <a:t>follows</a:t>
-            </a:r>
-            <a:r>
-              <a:rPr lang="zh-CN" altLang="en-US" dirty="0"/>
-              <a:t>节点</a:t>
-            </a:r>
-          </a:p>
-          <a:p>
-            <a:r>
-              <a:rPr lang="en-US" altLang="zh-CN" dirty="0"/>
-              <a:t>4.</a:t>
-            </a:r>
-            <a:r>
-              <a:rPr lang="zh-CN" altLang="en-US" dirty="0"/>
-              <a:t> </a:t>
-            </a:r>
-            <a:r>
-              <a:rPr lang="en-US" altLang="zh-CN" dirty="0"/>
-              <a:t>follower</a:t>
-            </a:r>
-            <a:r>
-              <a:rPr lang="zh-CN" altLang="en-US" dirty="0"/>
-              <a:t>节点将收到的事务请求加入到历史队列</a:t>
-            </a:r>
-            <a:r>
-              <a:rPr lang="en-US" altLang="zh-CN" dirty="0"/>
-              <a:t>(history queue)</a:t>
-            </a:r>
-            <a:r>
-              <a:rPr lang="zh-CN" altLang="en-US" dirty="0"/>
-              <a:t>中</a:t>
-            </a:r>
-            <a:r>
-              <a:rPr lang="en-US" altLang="zh-CN" dirty="0"/>
-              <a:t>,</a:t>
-            </a:r>
-            <a:r>
-              <a:rPr lang="zh-CN" altLang="en-US" dirty="0"/>
-              <a:t>并发送</a:t>
-            </a:r>
-            <a:r>
-              <a:rPr lang="en-US" altLang="zh-CN" dirty="0"/>
-              <a:t>ack</a:t>
-            </a:r>
-            <a:r>
-              <a:rPr lang="zh-CN" altLang="en-US" dirty="0"/>
-              <a:t>给</a:t>
-            </a:r>
-            <a:r>
-              <a:rPr lang="en-US" altLang="zh-CN" dirty="0"/>
-              <a:t>ack</a:t>
-            </a:r>
-            <a:r>
-              <a:rPr lang="zh-CN" altLang="en-US" dirty="0"/>
-              <a:t>给</a:t>
-            </a:r>
-            <a:r>
-              <a:rPr lang="en-US" altLang="zh-CN" dirty="0"/>
-              <a:t>leader</a:t>
-            </a:r>
-          </a:p>
-          <a:p>
-            <a:r>
-              <a:rPr lang="en-US" altLang="zh-CN" dirty="0"/>
-              <a:t>5. </a:t>
-            </a:r>
-            <a:r>
-              <a:rPr lang="zh-CN" altLang="en-US" dirty="0"/>
-              <a:t>当</a:t>
-            </a:r>
-            <a:r>
-              <a:rPr lang="en-US" altLang="zh-CN" dirty="0"/>
-              <a:t>leader</a:t>
-            </a:r>
-            <a:r>
-              <a:rPr lang="zh-CN" altLang="en-US" dirty="0"/>
-              <a:t>收到大多数</a:t>
-            </a:r>
-            <a:r>
-              <a:rPr lang="en-US" altLang="zh-CN" dirty="0"/>
-              <a:t>follower</a:t>
-            </a:r>
-            <a:r>
-              <a:rPr lang="zh-CN" altLang="en-US" dirty="0"/>
-              <a:t>（超过法定数量）的</a:t>
-            </a:r>
-            <a:r>
-              <a:rPr lang="en-US" altLang="zh-CN" dirty="0"/>
-              <a:t>ack</a:t>
-            </a:r>
-            <a:r>
-              <a:rPr lang="zh-CN" altLang="en-US" dirty="0"/>
-              <a:t>消息，</a:t>
-            </a:r>
-            <a:r>
-              <a:rPr lang="en-US" altLang="zh-CN" dirty="0"/>
-              <a:t>leader</a:t>
-            </a:r>
-            <a:r>
-              <a:rPr lang="zh-CN" altLang="en-US" dirty="0"/>
-              <a:t>会发送</a:t>
-            </a:r>
-            <a:r>
-              <a:rPr lang="en-US" altLang="zh-CN" dirty="0"/>
-              <a:t>commit</a:t>
-            </a:r>
-            <a:r>
-              <a:rPr lang="zh-CN" altLang="en-US" dirty="0"/>
-              <a:t>请求</a:t>
-            </a:r>
-          </a:p>
-          <a:p>
-            <a:r>
-              <a:rPr lang="en-US" altLang="zh-CN" dirty="0"/>
-              <a:t>6.</a:t>
-            </a:r>
-            <a:r>
-              <a:rPr lang="zh-CN" altLang="en-US" dirty="0"/>
-              <a:t> 当</a:t>
-            </a:r>
-            <a:r>
-              <a:rPr lang="en-US" altLang="zh-CN" dirty="0"/>
-              <a:t>follower</a:t>
-            </a:r>
-            <a:r>
-              <a:rPr lang="zh-CN" altLang="en-US" dirty="0"/>
-              <a:t>收到</a:t>
-            </a:r>
-            <a:r>
-              <a:rPr lang="en-US" altLang="zh-CN" dirty="0"/>
-              <a:t>commit</a:t>
-            </a:r>
-            <a:r>
-              <a:rPr lang="zh-CN" altLang="en-US" dirty="0"/>
-              <a:t>请求时，会判断该事务的</a:t>
-            </a:r>
-            <a:r>
-              <a:rPr lang="en-US" altLang="zh-CN" dirty="0"/>
-              <a:t>ZXID</a:t>
-            </a:r>
-            <a:r>
-              <a:rPr lang="zh-CN" altLang="en-US" dirty="0"/>
-              <a:t>是不是比历史队列中的任何事务的</a:t>
-            </a:r>
-            <a:r>
-              <a:rPr lang="en-US" altLang="zh-CN" dirty="0"/>
-              <a:t>ZXID</a:t>
-            </a:r>
-            <a:r>
-              <a:rPr lang="zh-CN" altLang="en-US" dirty="0"/>
-              <a:t>都小，如果是则提交，如果不是则等待比它更小的事务的</a:t>
-            </a:r>
-            <a:r>
-              <a:rPr lang="en-US" altLang="zh-CN" dirty="0"/>
-              <a:t>commit.</a:t>
-            </a:r>
-          </a:p>
-          <a:p>
-            <a:endParaRPr lang="zh-CN" altLang="en-US" dirty="0"/>
-          </a:p>
-        </p:txBody>
-      </p:sp>
+        </p:nvPicPr>
+        <p:blipFill>
+          <a:blip r:embed="rId2">
+            <a:extLst>
+              <a:ext uri="{28A0092B-C50C-407E-A947-70E740481C1C}">
+                <a14:useLocalDpi xmlns:a14="http://schemas.microsoft.com/office/drawing/2010/main" val="0"/>
+              </a:ext>
+            </a:extLst>
+          </a:blip>
+          <a:stretch>
+            <a:fillRect/>
+          </a:stretch>
+        </p:blipFill>
+        <p:spPr>
+          <a:xfrm>
+            <a:off x="3028522" y="2096028"/>
+            <a:ext cx="6134956" cy="3810532"/>
+          </a:xfrm>
+        </p:spPr>
+      </p:pic>
     </p:spTree>
     <p:extLst>
       <p:ext uri="{BB962C8B-B14F-4D97-AF65-F5344CB8AC3E}">
-        <p14:creationId xmlns:p14="http://schemas.microsoft.com/office/powerpoint/2010/main" val="181325413"/>
+        <p14:creationId xmlns:p14="http://schemas.microsoft.com/office/powerpoint/2010/main" val="4065650159"/>
       </p:ext>
     </p:extLst>
   </p:cSld>
@@ -4722,7 +4679,7 @@
           <p:cNvPr id="2" name="标题 1">
             <a:extLst>
               <a:ext uri="{FF2B5EF4-FFF2-40B4-BE49-F238E27FC236}">
-                <a16:creationId xmlns:a16="http://schemas.microsoft.com/office/drawing/2014/main" id="{A5DF1090-146D-40CB-9C41-BD43EF38DB62}"/>
+                <a16:creationId xmlns:a16="http://schemas.microsoft.com/office/drawing/2014/main" id="{DB580D7E-A56E-4058-8484-D97F4F2991B4}"/>
               </a:ext>
             </a:extLst>
           </p:cNvPr>
@@ -4739,63 +4696,118 @@
           <a:lstStyle/>
           <a:p>
             <a:r>
-              <a:rPr lang="en-US" altLang="zh-CN" dirty="0"/>
-              <a:t>ZAB</a:t>
-            </a:r>
-            <a:r>
-              <a:rPr lang="zh-CN" altLang="en-US" dirty="0"/>
-              <a:t>原子广播</a:t>
-            </a:r>
-            <a:r>
-              <a:rPr lang="en-US" altLang="zh-CN" dirty="0"/>
-              <a:t>-</a:t>
-            </a:r>
-            <a:r>
-              <a:rPr lang="zh-CN" altLang="en-US" dirty="0"/>
-              <a:t>工作步骤</a:t>
-            </a:r>
-          </a:p>
-        </p:txBody>
-      </p:sp>
-      <p:pic>
-        <p:nvPicPr>
-          <p:cNvPr id="5" name="内容占位符 4">
-            <a:extLst>
-              <a:ext uri="{FF2B5EF4-FFF2-40B4-BE49-F238E27FC236}">
-                <a16:creationId xmlns:a16="http://schemas.microsoft.com/office/drawing/2014/main" id="{3C869539-B615-43BE-A288-6AB726CC008E}"/>
-              </a:ext>
-            </a:extLst>
-          </p:cNvPr>
-          <p:cNvPicPr>
-            <a:picLocks noGrp="1" noChangeAspect="1"/>
-          </p:cNvPicPr>
+              <a:rPr lang="zh-CN" altLang="en-US" dirty="0" smtClean="0"/>
+              <a:t>扩展</a:t>
+            </a:r>
+            <a:endParaRPr lang="zh-CN" altLang="en-US" dirty="0"/>
+          </a:p>
+        </p:txBody>
+      </p:sp>
+      <p:sp>
+        <p:nvSpPr>
+          <p:cNvPr id="3" name="内容占位符 2">
+            <a:extLst>
+              <a:ext uri="{FF2B5EF4-FFF2-40B4-BE49-F238E27FC236}">
+                <a16:creationId xmlns:a16="http://schemas.microsoft.com/office/drawing/2014/main" id="{22477A30-65DD-49F1-9D03-3692BB587A67}"/>
+              </a:ext>
+            </a:extLst>
+          </p:cNvPr>
+          <p:cNvSpPr>
+            <a:spLocks noGrp="1"/>
+          </p:cNvSpPr>
           <p:nvPr>
             <p:ph idx="1"/>
           </p:nvPr>
-        </p:nvPicPr>
-        <p:blipFill>
-          <a:blip r:embed="rId2">
-            <a:extLst>
-              <a:ext uri="{28A0092B-C50C-407E-A947-70E740481C1C}">
-                <a14:useLocalDpi xmlns:a14="http://schemas.microsoft.com/office/drawing/2010/main" val="0"/>
-              </a:ext>
-            </a:extLst>
-          </a:blip>
-          <a:stretch>
-            <a:fillRect/>
-          </a:stretch>
-        </p:blipFill>
-        <p:spPr>
-          <a:xfrm>
-            <a:off x="3028522" y="2096028"/>
-            <a:ext cx="6134956" cy="3810532"/>
-          </a:xfrm>
-        </p:spPr>
-      </p:pic>
+        </p:nvSpPr>
+        <p:spPr/>
+        <p:txBody>
+          <a:bodyPr/>
+          <a:lstStyle/>
+          <a:p>
+            <a:r>
+              <a:rPr lang="en-US" altLang="zh-CN" dirty="0"/>
+              <a:t>Client-java</a:t>
+            </a:r>
+          </a:p>
+          <a:p>
+            <a:r>
+              <a:rPr lang="en-US" altLang="zh-CN" dirty="0"/>
+              <a:t>Curator</a:t>
+            </a:r>
+          </a:p>
+          <a:p>
+            <a:pPr lvl="1"/>
+            <a:r>
+              <a:rPr lang="en-US" altLang="zh-CN" dirty="0"/>
+              <a:t>Curator</a:t>
+            </a:r>
+            <a:r>
+              <a:rPr lang="zh-CN" altLang="en-US" dirty="0"/>
+              <a:t>是</a:t>
+            </a:r>
+            <a:r>
+              <a:rPr lang="en-US" altLang="zh-CN" dirty="0"/>
+              <a:t>Netflix</a:t>
+            </a:r>
+            <a:r>
+              <a:rPr lang="zh-CN" altLang="en-US" dirty="0"/>
+              <a:t>公司开源的一套</a:t>
+            </a:r>
+            <a:r>
+              <a:rPr lang="en-US" altLang="zh-CN" dirty="0"/>
+              <a:t>Zookeeper</a:t>
+            </a:r>
+            <a:r>
+              <a:rPr lang="zh-CN" altLang="en-US" dirty="0"/>
+              <a:t>客户端框架。了解过</a:t>
+            </a:r>
+            <a:r>
+              <a:rPr lang="en-US" altLang="zh-CN" dirty="0"/>
+              <a:t>Zookeeper</a:t>
+            </a:r>
+            <a:r>
+              <a:rPr lang="zh-CN" altLang="en-US" dirty="0"/>
+              <a:t>原生</a:t>
+            </a:r>
+            <a:r>
+              <a:rPr lang="en-US" altLang="zh-CN" dirty="0"/>
+              <a:t>API</a:t>
+            </a:r>
+            <a:r>
+              <a:rPr lang="zh-CN" altLang="en-US" dirty="0"/>
+              <a:t>都会清楚其复杂度。</a:t>
+            </a:r>
+            <a:r>
+              <a:rPr lang="en-US" altLang="zh-CN" dirty="0"/>
+              <a:t>Curator</a:t>
+            </a:r>
+            <a:r>
+              <a:rPr lang="zh-CN" altLang="en-US" dirty="0"/>
+              <a:t>帮助我们在其基础上进行封装、实现一些开发细节，包括接连重连、反复注册</a:t>
+            </a:r>
+            <a:r>
+              <a:rPr lang="en-US" altLang="zh-CN" dirty="0"/>
+              <a:t>Watcher</a:t>
+            </a:r>
+            <a:r>
+              <a:rPr lang="zh-CN" altLang="en-US" dirty="0"/>
+              <a:t>和</a:t>
+            </a:r>
+            <a:r>
+              <a:rPr lang="en-US" altLang="zh-CN" dirty="0" err="1"/>
+              <a:t>NodeExistsException</a:t>
+            </a:r>
+            <a:r>
+              <a:rPr lang="zh-CN" altLang="en-US" dirty="0"/>
+              <a:t>等。</a:t>
+            </a:r>
+          </a:p>
+        </p:txBody>
+      </p:sp>
     </p:spTree>
     <p:extLst>
       <p:ext uri="{BB962C8B-B14F-4D97-AF65-F5344CB8AC3E}">
-        <p14:creationId xmlns:p14="http://schemas.microsoft.com/office/powerpoint/2010/main" val="4065650159"/>
+        <p14:creationId xmlns:p14="http://schemas.microsoft.com/office/powerpoint/2010/main" val="3244984619"/>
       </p:ext>
     </p:extLst>
   </p:cSld>
@@ -4851,173 +4863,6 @@
           <a:lstStyle/>
           <a:p>
             <a:r>
-              <a:rPr lang="zh-CN" altLang="en-US" dirty="0" smtClean="0"/>
-              <a:t>扩展</a:t>
-            </a:r>
-            <a:endParaRPr lang="zh-CN" altLang="en-US" dirty="0"/>
-          </a:p>
-        </p:txBody>
-      </p:sp>
-      <p:sp>
-        <p:nvSpPr>
-          <p:cNvPr id="3" name="内容占位符 2">
-            <a:extLst>
-              <a:ext uri="{FF2B5EF4-FFF2-40B4-BE49-F238E27FC236}">
-                <a16:creationId xmlns:a16="http://schemas.microsoft.com/office/drawing/2014/main" id="{22477A30-65DD-49F1-9D03-3692BB587A67}"/>
-              </a:ext>
-            </a:extLst>
-          </p:cNvPr>
-          <p:cNvSpPr>
-            <a:spLocks noGrp="1"/>
-          </p:cNvSpPr>
-          <p:nvPr>
-            <p:ph idx="1"/>
-          </p:nvPr>
-        </p:nvSpPr>
-        <p:spPr/>
-        <p:txBody>
-          <a:bodyPr/>
-          <a:lstStyle/>
-          <a:p>
-            <a:r>
-              <a:rPr lang="en-US" altLang="zh-CN" dirty="0"/>
-              <a:t>Client-java</a:t>
-            </a:r>
-          </a:p>
-          <a:p>
-            <a:r>
-              <a:rPr lang="en-US" altLang="zh-CN" dirty="0"/>
-              <a:t>Curator</a:t>
-            </a:r>
-          </a:p>
-          <a:p>
-            <a:pPr lvl="1"/>
-            <a:r>
-              <a:rPr lang="en-US" altLang="zh-CN" dirty="0"/>
-              <a:t>Curator</a:t>
-            </a:r>
-            <a:r>
-              <a:rPr lang="zh-CN" altLang="en-US" dirty="0"/>
-              <a:t>是</a:t>
-            </a:r>
-            <a:r>
-              <a:rPr lang="en-US" altLang="zh-CN" dirty="0"/>
-              <a:t>Netflix</a:t>
-            </a:r>
-            <a:r>
-              <a:rPr lang="zh-CN" altLang="en-US" dirty="0"/>
-              <a:t>公司开源的一套</a:t>
-            </a:r>
-            <a:r>
-              <a:rPr lang="en-US" altLang="zh-CN" dirty="0"/>
-              <a:t>Zookeeper</a:t>
-            </a:r>
-            <a:r>
-              <a:rPr lang="zh-CN" altLang="en-US" dirty="0"/>
-              <a:t>客户端框架。了解过</a:t>
-            </a:r>
-            <a:r>
-              <a:rPr lang="en-US" altLang="zh-CN" dirty="0"/>
-              <a:t>Zookeeper</a:t>
-            </a:r>
-            <a:r>
-              <a:rPr lang="zh-CN" altLang="en-US" dirty="0"/>
-              <a:t>原生</a:t>
-            </a:r>
-            <a:r>
-              <a:rPr lang="en-US" altLang="zh-CN" dirty="0"/>
-              <a:t>API</a:t>
-            </a:r>
-            <a:r>
-              <a:rPr lang="zh-CN" altLang="en-US" dirty="0"/>
-              <a:t>都会清楚其复杂度。</a:t>
-            </a:r>
-            <a:r>
-              <a:rPr lang="en-US" altLang="zh-CN" dirty="0"/>
-              <a:t>Curator</a:t>
-            </a:r>
-            <a:r>
-              <a:rPr lang="zh-CN" altLang="en-US" dirty="0"/>
-              <a:t>帮助我们在其基础上进行封装、实现一些开发细节，包括接连重连、反复注册</a:t>
-            </a:r>
-            <a:r>
-              <a:rPr lang="en-US" altLang="zh-CN" dirty="0"/>
-              <a:t>Watcher</a:t>
-            </a:r>
-            <a:r>
-              <a:rPr lang="zh-CN" altLang="en-US" dirty="0"/>
-              <a:t>和</a:t>
-            </a:r>
-            <a:r>
-              <a:rPr lang="en-US" altLang="zh-CN" dirty="0" err="1"/>
-              <a:t>NodeExistsException</a:t>
-            </a:r>
-            <a:r>
-              <a:rPr lang="zh-CN" altLang="en-US" dirty="0"/>
-              <a:t>等。</a:t>
-            </a:r>
-          </a:p>
-        </p:txBody>
-      </p:sp>
-    </p:spTree>
-    <p:extLst>
-      <p:ext uri="{BB962C8B-B14F-4D97-AF65-F5344CB8AC3E}">
-        <p14:creationId xmlns:p14="http://schemas.microsoft.com/office/powerpoint/2010/main" val="3244984619"/>
-      </p:ext>
-    </p:extLst>
-  </p:cSld>
-  <p:clrMapOvr>
-    <a:masterClrMapping/>
-  </p:clrMapOvr>
-  <p:timing>
-    <p:tnLst>
-      <p:par>
-        <p:cTn id="1" dur="indefinite" restart="never" nodeType="tmRoot"/>
-      </p:par>
-    </p:tnLst>
-  </p:timing>
-</p:sld>
-</file>
-
-<file path=ppt/slides/slide105.xml><?xml version="1.0" encoding="utf-8"?>
-<p:sld xmlns:a="http://schemas.openxmlformats.org/drawingml/2006/main" xmlns:r="http://schemas.openxmlformats.org/officeDocument/2006/relationships" xmlns:p="http://schemas.openxmlformats.org/presentationml/2006/main">
-  <p:cSld>
-    <p:spTree>
-      <p:nvGrpSpPr>
-        <p:cNvPr id="1" name=""/>
-        <p:cNvGrpSpPr/>
-        <p:nvPr/>
-      </p:nvGrpSpPr>
-      <p:grpSpPr>
-        <a:xfrm>
-          <a:off x="0" y="0"/>
-          <a:ext cx="0" cy="0"/>
-          <a:chOff x="0" y="0"/>
-          <a:chExt cx="0" cy="0"/>
-        </a:xfrm>
-      </p:grpSpPr>
-      <p:sp>
-        <p:nvSpPr>
-          <p:cNvPr id="2" name="标题 1">
-            <a:extLst>
-              <a:ext uri="{FF2B5EF4-FFF2-40B4-BE49-F238E27FC236}">
-                <a16:creationId xmlns:a16="http://schemas.microsoft.com/office/drawing/2014/main" id="{DB580D7E-A56E-4058-8484-D97F4F2991B4}"/>
-              </a:ext>
-            </a:extLst>
-          </p:cNvPr>
-          <p:cNvSpPr>
-            <a:spLocks noGrp="1"/>
-          </p:cNvSpPr>
-          <p:nvPr>
-            <p:ph type="title"/>
-          </p:nvPr>
-        </p:nvSpPr>
-        <p:spPr/>
-        <p:txBody>
-          <a:bodyPr/>
-          <a:lstStyle/>
-          <a:p>
-            <a:r>
               <a:rPr lang="zh-CN" altLang="en-US" dirty="0"/>
               <a:t>整体回顾</a:t>
             </a:r>
@@ -5079,7 +4924,7 @@
 </p:sld>
 </file>
 
-<file path=ppt/slides/slide106.xml><?xml version="1.0" encoding="utf-8"?>
+<file path=ppt/slides/slide105.xml><?xml version="1.0" encoding="utf-8"?>
 <p:sld xmlns:a="http://schemas.openxmlformats.org/drawingml/2006/main" xmlns:r="http://schemas.openxmlformats.org/officeDocument/2006/relationships" xmlns:p="http://schemas.openxmlformats.org/presentationml/2006/main">
   <p:cSld>
     <p:spTree>
@@ -6093,7 +5938,7 @@
           <p:cNvPr id="2" name="标题 1">
             <a:extLst>
               <a:ext uri="{FF2B5EF4-FFF2-40B4-BE49-F238E27FC236}">
-                <a16:creationId xmlns:a16="http://schemas.microsoft.com/office/drawing/2014/main" id="{57963749-BEB7-4371-B9AE-AA4ECE700AD3}"/>
+                <a16:creationId xmlns:a16="http://schemas.microsoft.com/office/drawing/2014/main" id="{6BAEB0BF-A2A3-4BFF-BE07-C23EBCE0EE38}"/>
               </a:ext>
             </a:extLst>
           </p:cNvPr>
@@ -6110,12 +5955,8 @@
           <a:lstStyle/>
           <a:p>
             <a:r>
-              <a:rPr lang="zh-CN" altLang="en-US" dirty="0"/>
-              <a:t>数据模型</a:t>
-            </a:r>
-            <a:r>
-              <a:rPr lang="en-US" altLang="zh-CN" dirty="0" err="1"/>
-              <a:t>znode</a:t>
+              <a:rPr lang="en-US" altLang="zh-CN" dirty="0" smtClean="0"/>
+              <a:t>client</a:t>
             </a:r>
             <a:endParaRPr lang="zh-CN" altLang="en-US" dirty="0"/>
           </a:p>
@@ -6126,7 +5967,7 @@
           <p:cNvPr id="5" name="内容占位符 4">
             <a:extLst>
               <a:ext uri="{FF2B5EF4-FFF2-40B4-BE49-F238E27FC236}">
-                <a16:creationId xmlns:a16="http://schemas.microsoft.com/office/drawing/2014/main" id="{595DC633-2027-4905-BB74-F0442DC55853}"/>
+                <a16:creationId xmlns:a16="http://schemas.microsoft.com/office/drawing/2014/main" id="{D4FE4C66-1831-4B06-9FAB-0FF882552EBA}"/>
               </a:ext>
             </a:extLst>
           </p:cNvPr>
@@ -6151,15 +5992,15 @@
         </p:blipFill>
         <p:spPr>
           <a:xfrm>
-            <a:off x="3775714" y="2547257"/>
-            <a:ext cx="4640572" cy="2656255"/>
+            <a:off x="1439973" y="1825625"/>
+            <a:ext cx="9312053" cy="4351338"/>
           </a:xfrm>
         </p:spPr>
       </p:pic>
     </p:spTree>
     <p:extLst>
       <p:ext uri="{BB962C8B-B14F-4D97-AF65-F5344CB8AC3E}">
-        <p14:creationId xmlns:p14="http://schemas.microsoft.com/office/powerpoint/2010/main" val="2495448445"/>
+        <p14:creationId xmlns:p14="http://schemas.microsoft.com/office/powerpoint/2010/main" val="212699162"/>
       </p:ext>
     </p:extLst>
   </p:cSld>
@@ -6198,7 +6039,7 @@
           <p:cNvPr id="2" name="标题 1">
             <a:extLst>
               <a:ext uri="{FF2B5EF4-FFF2-40B4-BE49-F238E27FC236}">
-                <a16:creationId xmlns:a16="http://schemas.microsoft.com/office/drawing/2014/main" id="{6BAEB0BF-A2A3-4BFF-BE07-C23EBCE0EE38}"/>
+                <a16:creationId xmlns:a16="http://schemas.microsoft.com/office/drawing/2014/main" id="{57963749-BEB7-4371-B9AE-AA4ECE700AD3}"/>
               </a:ext>
             </a:extLst>
           </p:cNvPr>
@@ -6215,13 +6056,14 @@
           <a:lstStyle/>
           <a:p>
             <a:r>
-              <a:rPr lang="en-US" altLang="zh-CN" dirty="0"/>
-              <a:t>client</a:t>
-            </a:r>
-            <a:r>
-              <a:rPr lang="zh-CN" altLang="en-US" dirty="0"/>
-              <a:t>读写操作</a:t>
-            </a:r>
+              <a:rPr lang="zh-CN" altLang="en-US" dirty="0"/>
+              <a:t>数据模型</a:t>
+            </a:r>
+            <a:r>
+              <a:rPr lang="en-US" altLang="zh-CN" dirty="0" err="1"/>
+              <a:t>znode</a:t>
+            </a:r>
+            <a:endParaRPr lang="zh-CN" altLang="en-US" dirty="0"/>
           </a:p>
         </p:txBody>
       </p:sp>
@@ -6230,7 +6072,7 @@
           <p:cNvPr id="5" name="内容占位符 4">
             <a:extLst>
               <a:ext uri="{FF2B5EF4-FFF2-40B4-BE49-F238E27FC236}">
-                <a16:creationId xmlns:a16="http://schemas.microsoft.com/office/drawing/2014/main" id="{D4FE4C66-1831-4B06-9FAB-0FF882552EBA}"/>
+                <a16:creationId xmlns:a16="http://schemas.microsoft.com/office/drawing/2014/main" id="{595DC633-2027-4905-BB74-F0442DC55853}"/>
               </a:ext>
             </a:extLst>
           </p:cNvPr>
@@ -6255,15 +6097,15 @@
         </p:blipFill>
         <p:spPr>
           <a:xfrm>
-            <a:off x="1439973" y="1825625"/>
-            <a:ext cx="9312053" cy="4351338"/>
+            <a:off x="3775714" y="2547257"/>
+            <a:ext cx="4640572" cy="2656255"/>
           </a:xfrm>
         </p:spPr>
       </p:pic>
     </p:spTree>
     <p:extLst>
       <p:ext uri="{BB962C8B-B14F-4D97-AF65-F5344CB8AC3E}">
-        <p14:creationId xmlns:p14="http://schemas.microsoft.com/office/powerpoint/2010/main" val="212699162"/>
+        <p14:creationId xmlns:p14="http://schemas.microsoft.com/office/powerpoint/2010/main" val="2495448445"/>
       </p:ext>
     </p:extLst>
   </p:cSld>
@@ -14575,8 +14417,9 @@
           <a:p>
             <a:r>
               <a:rPr lang="zh-CN" altLang="en-US" dirty="0"/>
-              <a:t>理想</a:t>
-            </a:r>
+              <a:t>期望</a:t>
+            </a:r>
+            <a:endParaRPr lang="zh-CN" altLang="en-US" dirty="0"/>
           </a:p>
         </p:txBody>
       </p:sp>
@@ -16763,7 +16606,11 @@
             </a:r>
             <a:r>
               <a:rPr lang="en-US" altLang="zh-CN" dirty="0"/>
-              <a:t>-</a:t>
+              <a:t>- </a:t>
+            </a:r>
+            <a:r>
+              <a:rPr lang="en-US" altLang="zh-CN" dirty="0" err="1"/>
+              <a:t>myid</a:t>
             </a:r>
             <a:endParaRPr lang="zh-CN" altLang="en-US" dirty="0"/>
           </a:p>
@@ -16787,17 +16634,207 @@
         </p:nvSpPr>
         <p:spPr/>
         <p:txBody>
-          <a:bodyPr/>
-          <a:lstStyle/>
-          <a:p>
-            <a:endParaRPr lang="zh-CN" altLang="en-US"/>
+          <a:bodyPr>
+            <a:normAutofit lnSpcReduction="10000"/>
+          </a:bodyPr>
+          <a:lstStyle/>
+          <a:p>
+            <a:pPr marL="0" indent="0">
+              <a:buNone/>
+            </a:pPr>
+            <a:r>
+              <a:rPr lang="en-US" altLang="zh-CN" dirty="0"/>
+              <a:t>	</a:t>
+            </a:r>
+            <a:r>
+              <a:rPr lang="zh-CN" altLang="en-US" dirty="0"/>
+              <a:t>每个</a:t>
+            </a:r>
+            <a:r>
+              <a:rPr lang="en-US" altLang="zh-CN" dirty="0"/>
+              <a:t>Zookeeper</a:t>
+            </a:r>
+            <a:r>
+              <a:rPr lang="zh-CN" altLang="en-US" dirty="0"/>
+              <a:t>服务器，都需要在数据文件夹下创建一个名为</a:t>
+            </a:r>
+            <a:r>
+              <a:rPr lang="en-US" altLang="zh-CN" dirty="0" err="1"/>
+              <a:t>myid</a:t>
+            </a:r>
+            <a:r>
+              <a:rPr lang="zh-CN" altLang="en-US" dirty="0"/>
+              <a:t>的文件，该文件包含整个</a:t>
+            </a:r>
+            <a:r>
+              <a:rPr lang="en-US" altLang="zh-CN" dirty="0"/>
+              <a:t>Zookeeper</a:t>
+            </a:r>
+            <a:r>
+              <a:rPr lang="zh-CN" altLang="en-US" dirty="0"/>
+              <a:t>集群唯一的</a:t>
+            </a:r>
+            <a:r>
+              <a:rPr lang="en-US" altLang="zh-CN" dirty="0"/>
+              <a:t>ID</a:t>
+            </a:r>
+            <a:r>
+              <a:rPr lang="zh-CN" altLang="en-US" dirty="0"/>
+              <a:t>（整数）。例如某</a:t>
+            </a:r>
+            <a:r>
+              <a:rPr lang="en-US" altLang="zh-CN" dirty="0"/>
+              <a:t>Zookeeper</a:t>
+            </a:r>
+            <a:r>
+              <a:rPr lang="zh-CN" altLang="en-US" dirty="0"/>
+              <a:t>集群包含三台服务器，</a:t>
+            </a:r>
+            <a:r>
+              <a:rPr lang="en-US" altLang="zh-CN" dirty="0"/>
+              <a:t>hostname</a:t>
+            </a:r>
+            <a:r>
+              <a:rPr lang="zh-CN" altLang="en-US" dirty="0"/>
+              <a:t>分别为</a:t>
+            </a:r>
+            <a:r>
+              <a:rPr lang="en-US" altLang="zh-CN" dirty="0"/>
+              <a:t>zoo1</a:t>
+            </a:r>
+            <a:r>
+              <a:rPr lang="zh-CN" altLang="en-US" dirty="0"/>
+              <a:t>、</a:t>
+            </a:r>
+            <a:r>
+              <a:rPr lang="en-US" altLang="zh-CN" dirty="0"/>
+              <a:t>zoo2</a:t>
+            </a:r>
+            <a:r>
+              <a:rPr lang="zh-CN" altLang="en-US" dirty="0"/>
+              <a:t>和</a:t>
+            </a:r>
+            <a:r>
+              <a:rPr lang="en-US" altLang="zh-CN" dirty="0"/>
+              <a:t>zoo3</a:t>
+            </a:r>
+            <a:r>
+              <a:rPr lang="zh-CN" altLang="en-US" dirty="0"/>
+              <a:t>，其</a:t>
+            </a:r>
+            <a:r>
+              <a:rPr lang="en-US" altLang="zh-CN" dirty="0" err="1"/>
+              <a:t>myid</a:t>
+            </a:r>
+            <a:r>
+              <a:rPr lang="zh-CN" altLang="en-US" dirty="0"/>
+              <a:t>分别为</a:t>
+            </a:r>
+            <a:r>
+              <a:rPr lang="en-US" altLang="zh-CN" dirty="0"/>
+              <a:t>1</a:t>
+            </a:r>
+            <a:r>
+              <a:rPr lang="zh-CN" altLang="en-US" dirty="0"/>
+              <a:t>、</a:t>
+            </a:r>
+            <a:r>
+              <a:rPr lang="en-US" altLang="zh-CN" dirty="0"/>
+              <a:t>2</a:t>
+            </a:r>
+            <a:r>
+              <a:rPr lang="zh-CN" altLang="en-US" dirty="0"/>
+              <a:t>和</a:t>
+            </a:r>
+            <a:r>
+              <a:rPr lang="en-US" altLang="zh-CN" dirty="0"/>
+              <a:t>3</a:t>
+            </a:r>
+            <a:r>
+              <a:rPr lang="zh-CN" altLang="en-US" dirty="0"/>
+              <a:t>，则在配置文件中其</a:t>
+            </a:r>
+            <a:r>
+              <a:rPr lang="en-US" altLang="zh-CN" dirty="0"/>
+              <a:t>ID</a:t>
+            </a:r>
+            <a:r>
+              <a:rPr lang="zh-CN" altLang="en-US" dirty="0"/>
+              <a:t>与</a:t>
+            </a:r>
+            <a:r>
+              <a:rPr lang="en-US" altLang="zh-CN" dirty="0"/>
+              <a:t>hostname</a:t>
+            </a:r>
+            <a:r>
+              <a:rPr lang="zh-CN" altLang="en-US" dirty="0"/>
+              <a:t>必须一一对应，如下所示。在该配置文件中，</a:t>
+            </a:r>
+            <a:r>
+              <a:rPr lang="en-US" altLang="zh-CN" dirty="0"/>
+              <a:t>server.</a:t>
+            </a:r>
+            <a:r>
+              <a:rPr lang="zh-CN" altLang="en-US" dirty="0"/>
+              <a:t>后面的数据即为</a:t>
+            </a:r>
+            <a:r>
+              <a:rPr lang="en-US" altLang="zh-CN" dirty="0" err="1"/>
+              <a:t>myid</a:t>
+            </a:r>
+            <a:r>
+              <a:rPr lang="en-US" altLang="zh-CN" dirty="0"/>
+              <a:t>.</a:t>
+            </a:r>
+          </a:p>
+          <a:p>
+            <a:pPr marL="0" indent="0">
+              <a:buNone/>
+            </a:pPr>
+            <a:endParaRPr lang="en-US" altLang="zh-CN" dirty="0"/>
+          </a:p>
+          <a:p>
+            <a:r>
+              <a:rPr lang="nl-NL" altLang="zh-CN" dirty="0"/>
+              <a:t>```</a:t>
+            </a:r>
+          </a:p>
+          <a:p>
+            <a:r>
+              <a:rPr lang="nl-NL" altLang="zh-CN" dirty="0"/>
+              <a:t>server.1=zoo1:2888:3888</a:t>
+            </a:r>
+          </a:p>
+          <a:p>
+            <a:r>
+              <a:rPr lang="nl-NL" altLang="zh-CN" dirty="0"/>
+              <a:t>server.2=zoo2:2888:3888</a:t>
+            </a:r>
+          </a:p>
+          <a:p>
+            <a:r>
+              <a:rPr lang="nl-NL" altLang="zh-CN" dirty="0"/>
+              <a:t>server.3=zoo3:2888:3888</a:t>
+            </a:r>
+          </a:p>
+          <a:p>
+            <a:r>
+              <a:rPr lang="nl-NL" altLang="zh-CN" dirty="0"/>
+              <a:t>```</a:t>
+            </a:r>
+          </a:p>
+          <a:p>
+            <a:pPr marL="0" indent="0">
+              <a:buNone/>
+            </a:pPr>
+            <a:endParaRPr lang="zh-CN" altLang="en-US" dirty="0"/>
           </a:p>
         </p:txBody>
       </p:sp>
     </p:spTree>
     <p:extLst>
       <p:ext uri="{BB962C8B-B14F-4D97-AF65-F5344CB8AC3E}">
-        <p14:creationId xmlns:p14="http://schemas.microsoft.com/office/powerpoint/2010/main" val="3180834761"/>
+        <p14:creationId xmlns:p14="http://schemas.microsoft.com/office/powerpoint/2010/main" val="3947550870"/>
       </p:ext>
     </p:extLst>
   </p:cSld>
@@ -16862,7 +16899,11 @@
             </a:r>
             <a:r>
               <a:rPr lang="en-US" altLang="zh-CN" dirty="0" err="1"/>
-              <a:t>myid</a:t>
+              <a:t>zxid</a:t>
+            </a:r>
+            <a:r>
+              <a:rPr lang="en-US" altLang="zh-CN" dirty="0"/>
+              <a:t>	</a:t>
             </a:r>
             <a:endParaRPr lang="zh-CN" altLang="en-US" dirty="0"/>
           </a:p>
@@ -16886,9 +16927,7 @@
         </p:nvSpPr>
         <p:spPr/>
         <p:txBody>
-          <a:bodyPr>
-            <a:normAutofit lnSpcReduction="10000"/>
-          </a:bodyPr>
+          <a:bodyPr/>
           <a:lstStyle/>
           <a:p>
             <a:pPr marL="0" indent="0">
@@ -16900,7 +16939,7 @@
             </a:r>
             <a:r>
               <a:rPr lang="zh-CN" altLang="en-US" dirty="0"/>
-              <a:t>每个</a:t>
+              <a:t>每次对</a:t>
             </a:r>
             <a:r>
               <a:rPr lang="en-US" altLang="zh-CN" dirty="0"/>
@@ -16908,15 +16947,75 @@
             </a:r>
             <a:r>
               <a:rPr lang="zh-CN" altLang="en-US" dirty="0"/>
-              <a:t>服务器，都需要在数据文件夹下创建一个名为</a:t>
+              <a:t>的状态的改变都会产生一个</a:t>
             </a:r>
             <a:r>
               <a:rPr lang="en-US" altLang="zh-CN" dirty="0" err="1"/>
-              <a:t>myid</a:t>
-            </a:r>
-            <a:r>
-              <a:rPr lang="zh-CN" altLang="en-US" dirty="0"/>
-              <a:t>的文件，该文件包含整个</a:t>
+              <a:t>zxid</a:t>
+            </a:r>
+            <a:r>
+              <a:rPr lang="zh-CN" altLang="en-US" dirty="0"/>
+              <a:t>（</a:t>
+            </a:r>
+            <a:r>
+              <a:rPr lang="en-US" altLang="zh-CN" dirty="0" err="1"/>
+              <a:t>ZooKeeper</a:t>
+            </a:r>
+            <a:r>
+              <a:rPr lang="en-US" altLang="zh-CN" dirty="0"/>
+              <a:t> Transaction Id</a:t>
+            </a:r>
+            <a:r>
+              <a:rPr lang="zh-CN" altLang="en-US" dirty="0"/>
+              <a:t>），</a:t>
+            </a:r>
+            <a:r>
+              <a:rPr lang="en-US" altLang="zh-CN" dirty="0" err="1"/>
+              <a:t>zxid</a:t>
+            </a:r>
+            <a:r>
+              <a:rPr lang="zh-CN" altLang="en-US" dirty="0"/>
+              <a:t>是全局有序的，如果</a:t>
+            </a:r>
+            <a:r>
+              <a:rPr lang="en-US" altLang="zh-CN" dirty="0"/>
+              <a:t>zxid1</a:t>
+            </a:r>
+            <a:r>
+              <a:rPr lang="zh-CN" altLang="en-US" dirty="0"/>
+              <a:t>小于</a:t>
+            </a:r>
+            <a:r>
+              <a:rPr lang="en-US" altLang="zh-CN" dirty="0"/>
+              <a:t>zxid2</a:t>
+            </a:r>
+            <a:r>
+              <a:rPr lang="zh-CN" altLang="en-US" dirty="0"/>
+              <a:t>，则</a:t>
+            </a:r>
+            <a:r>
+              <a:rPr lang="en-US" altLang="zh-CN" dirty="0"/>
+              <a:t>zxid1</a:t>
+            </a:r>
+            <a:r>
+              <a:rPr lang="zh-CN" altLang="en-US" dirty="0"/>
+              <a:t>在</a:t>
+            </a:r>
+            <a:r>
+              <a:rPr lang="en-US" altLang="zh-CN" dirty="0"/>
+              <a:t>zxid2</a:t>
+            </a:r>
+            <a:r>
+              <a:rPr lang="zh-CN" altLang="en-US" dirty="0"/>
+              <a:t>之前发生。为了保证顺序性，该</a:t>
+            </a:r>
+            <a:r>
+              <a:rPr lang="en-US" altLang="zh-CN" dirty="0" err="1"/>
+              <a:t>zkid</a:t>
+            </a:r>
+            <a:r>
+              <a:rPr lang="zh-CN" altLang="en-US" dirty="0"/>
+              <a:t>必须单调递增。因此</a:t>
             </a:r>
             <a:r>
               <a:rPr lang="en-US" altLang="zh-CN" dirty="0"/>
@@ -16924,155 +17023,103 @@
             </a:r>
             <a:r>
               <a:rPr lang="zh-CN" altLang="en-US" dirty="0"/>
-              <a:t>集群唯一的</a:t>
-            </a:r>
-            <a:r>
-              <a:rPr lang="en-US" altLang="zh-CN" dirty="0"/>
-              <a:t>ID</a:t>
-            </a:r>
-            <a:r>
-              <a:rPr lang="zh-CN" altLang="en-US" dirty="0"/>
-              <a:t>（整数）。例如某</a:t>
-            </a:r>
-            <a:r>
-              <a:rPr lang="en-US" altLang="zh-CN" dirty="0"/>
-              <a:t>Zookeeper</a:t>
-            </a:r>
-            <a:r>
-              <a:rPr lang="zh-CN" altLang="en-US" dirty="0"/>
-              <a:t>集群包含三台服务器，</a:t>
-            </a:r>
-            <a:r>
-              <a:rPr lang="en-US" altLang="zh-CN" dirty="0"/>
-              <a:t>hostname</a:t>
-            </a:r>
-            <a:r>
-              <a:rPr lang="zh-CN" altLang="en-US" dirty="0"/>
-              <a:t>分别为</a:t>
-            </a:r>
-            <a:r>
-              <a:rPr lang="en-US" altLang="zh-CN" dirty="0"/>
-              <a:t>zoo1</a:t>
-            </a:r>
-            <a:r>
-              <a:rPr lang="zh-CN" altLang="en-US" dirty="0"/>
-              <a:t>、</a:t>
-            </a:r>
-            <a:r>
-              <a:rPr lang="en-US" altLang="zh-CN" dirty="0"/>
-              <a:t>zoo2</a:t>
-            </a:r>
-            <a:r>
-              <a:rPr lang="zh-CN" altLang="en-US" dirty="0"/>
-              <a:t>和</a:t>
-            </a:r>
-            <a:r>
-              <a:rPr lang="en-US" altLang="zh-CN" dirty="0"/>
-              <a:t>zoo3</a:t>
-            </a:r>
-            <a:r>
-              <a:rPr lang="zh-CN" altLang="en-US" dirty="0"/>
-              <a:t>，其</a:t>
+              <a:t>使用一个</a:t>
+            </a:r>
+            <a:r>
+              <a:rPr lang="en-US" altLang="zh-CN" dirty="0"/>
+              <a:t>64</a:t>
+            </a:r>
+            <a:r>
+              <a:rPr lang="zh-CN" altLang="en-US" dirty="0"/>
+              <a:t>位的数来表示，高</a:t>
+            </a:r>
+            <a:r>
+              <a:rPr lang="en-US" altLang="zh-CN" dirty="0"/>
+              <a:t>32</a:t>
+            </a:r>
+            <a:r>
+              <a:rPr lang="zh-CN" altLang="en-US" dirty="0"/>
+              <a:t>位是</a:t>
+            </a:r>
+            <a:r>
+              <a:rPr lang="en-US" altLang="zh-CN" dirty="0"/>
+              <a:t>Leader</a:t>
+            </a:r>
+            <a:r>
+              <a:rPr lang="zh-CN" altLang="en-US" dirty="0"/>
+              <a:t>的</a:t>
+            </a:r>
+            <a:r>
+              <a:rPr lang="en-US" altLang="zh-CN" dirty="0"/>
+              <a:t>epoch</a:t>
+            </a:r>
+            <a:r>
+              <a:rPr lang="zh-CN" altLang="en-US" dirty="0"/>
+              <a:t>，从</a:t>
+            </a:r>
+            <a:r>
+              <a:rPr lang="en-US" altLang="zh-CN" dirty="0"/>
+              <a:t>1</a:t>
+            </a:r>
+            <a:r>
+              <a:rPr lang="zh-CN" altLang="en-US" dirty="0"/>
+              <a:t>开始，每次选出新的</a:t>
+            </a:r>
+            <a:r>
+              <a:rPr lang="en-US" altLang="zh-CN" dirty="0"/>
+              <a:t>Leader</a:t>
+            </a:r>
+            <a:r>
+              <a:rPr lang="zh-CN" altLang="en-US" dirty="0"/>
+              <a:t>，</a:t>
+            </a:r>
+            <a:r>
+              <a:rPr lang="en-US" altLang="zh-CN" dirty="0"/>
+              <a:t>epoch</a:t>
+            </a:r>
+            <a:r>
+              <a:rPr lang="zh-CN" altLang="en-US" dirty="0"/>
+              <a:t>加一。低</a:t>
+            </a:r>
+            <a:r>
+              <a:rPr lang="en-US" altLang="zh-CN" dirty="0"/>
+              <a:t>32</a:t>
+            </a:r>
+            <a:r>
+              <a:rPr lang="zh-CN" altLang="en-US" dirty="0"/>
+              <a:t>位为该</a:t>
+            </a:r>
+            <a:r>
+              <a:rPr lang="en-US" altLang="zh-CN" dirty="0"/>
+              <a:t>epoch</a:t>
+            </a:r>
+            <a:r>
+              <a:rPr lang="zh-CN" altLang="en-US" dirty="0"/>
+              <a:t>内的序号，每次</a:t>
+            </a:r>
+            <a:r>
+              <a:rPr lang="en-US" altLang="zh-CN" dirty="0"/>
+              <a:t>epoch</a:t>
+            </a:r>
+            <a:r>
+              <a:rPr lang="zh-CN" altLang="en-US" dirty="0"/>
+              <a:t>变化，都将低</a:t>
+            </a:r>
+            <a:r>
+              <a:rPr lang="en-US" altLang="zh-CN" dirty="0"/>
+              <a:t>32</a:t>
+            </a:r>
+            <a:r>
+              <a:rPr lang="zh-CN" altLang="en-US" dirty="0"/>
+              <a:t>位的序号重置。这样保证了</a:t>
             </a:r>
             <a:r>
               <a:rPr lang="en-US" altLang="zh-CN" dirty="0" err="1"/>
-              <a:t>myid</a:t>
-            </a:r>
-            <a:r>
-              <a:rPr lang="zh-CN" altLang="en-US" dirty="0"/>
-              <a:t>分别为</a:t>
-            </a:r>
-            <a:r>
-              <a:rPr lang="en-US" altLang="zh-CN" dirty="0"/>
-              <a:t>1</a:t>
-            </a:r>
-            <a:r>
-              <a:rPr lang="zh-CN" altLang="en-US" dirty="0"/>
-              <a:t>、</a:t>
-            </a:r>
-            <a:r>
-              <a:rPr lang="en-US" altLang="zh-CN" dirty="0"/>
-              <a:t>2</a:t>
-            </a:r>
-            <a:r>
-              <a:rPr lang="zh-CN" altLang="en-US" dirty="0"/>
-              <a:t>和</a:t>
-            </a:r>
-            <a:r>
-              <a:rPr lang="en-US" altLang="zh-CN" dirty="0"/>
-              <a:t>3</a:t>
-            </a:r>
-            <a:r>
-              <a:rPr lang="zh-CN" altLang="en-US" dirty="0"/>
-              <a:t>，则在配置文件中其</a:t>
-            </a:r>
-            <a:r>
-              <a:rPr lang="en-US" altLang="zh-CN" dirty="0"/>
-              <a:t>ID</a:t>
-            </a:r>
-            <a:r>
-              <a:rPr lang="zh-CN" altLang="en-US" dirty="0"/>
-              <a:t>与</a:t>
-            </a:r>
-            <a:r>
-              <a:rPr lang="en-US" altLang="zh-CN" dirty="0"/>
-              <a:t>hostname</a:t>
-            </a:r>
-            <a:r>
-              <a:rPr lang="zh-CN" altLang="en-US" dirty="0"/>
-              <a:t>必须一一对应，如下所示。在该配置文件中，</a:t>
-            </a:r>
-            <a:r>
-              <a:rPr lang="en-US" altLang="zh-CN" dirty="0"/>
-              <a:t>server.</a:t>
-            </a:r>
-            <a:r>
-              <a:rPr lang="zh-CN" altLang="en-US" dirty="0"/>
-              <a:t>后面的数据即为</a:t>
-            </a:r>
-            <a:r>
-              <a:rPr lang="en-US" altLang="zh-CN" dirty="0" err="1"/>
-              <a:t>myid</a:t>
-            </a:r>
-            <a:r>
-              <a:rPr lang="en-US" altLang="zh-CN" dirty="0"/>
-              <a:t>.</a:t>
-            </a:r>
-          </a:p>
-          <a:p>
-            <a:pPr marL="0" indent="0">
-              <a:buNone/>
-            </a:pPr>
-            <a:endParaRPr lang="en-US" altLang="zh-CN" dirty="0"/>
-          </a:p>
-          <a:p>
-            <a:r>
-              <a:rPr lang="nl-NL" altLang="zh-CN" dirty="0"/>
-              <a:t>```</a:t>
-            </a:r>
-          </a:p>
-          <a:p>
-            <a:r>
-              <a:rPr lang="nl-NL" altLang="zh-CN" dirty="0"/>
-              <a:t>server.1=zoo1:2888:3888</a:t>
-            </a:r>
-          </a:p>
-          <a:p>
-            <a:r>
-              <a:rPr lang="nl-NL" altLang="zh-CN" dirty="0"/>
-              <a:t>server.2=zoo2:2888:3888</a:t>
-            </a:r>
-          </a:p>
-          <a:p>
-            <a:r>
-              <a:rPr lang="nl-NL" altLang="zh-CN" dirty="0"/>
-              <a:t>server.3=zoo3:2888:3888</a:t>
-            </a:r>
-          </a:p>
-          <a:p>
-            <a:r>
-              <a:rPr lang="nl-NL" altLang="zh-CN" dirty="0"/>
-              <a:t>```</a:t>
+              <a:t>zkid</a:t>
+            </a:r>
+            <a:r>
+              <a:rPr lang="zh-CN" altLang="en-US" dirty="0"/>
+              <a:t>的全局递增性。</a:t>
             </a:r>
           </a:p>
           <a:p>
@@ -17086,7 +17133,7 @@
     </p:spTree>
     <p:extLst>
       <p:ext uri="{BB962C8B-B14F-4D97-AF65-F5344CB8AC3E}">
-        <p14:creationId xmlns:p14="http://schemas.microsoft.com/office/powerpoint/2010/main" val="3947550870"/>
+        <p14:creationId xmlns:p14="http://schemas.microsoft.com/office/powerpoint/2010/main" val="3757976215"/>
       </p:ext>
     </p:extLst>
   </p:cSld>
@@ -17125,7 +17172,7 @@
           <p:cNvPr id="2" name="标题 1">
             <a:extLst>
               <a:ext uri="{FF2B5EF4-FFF2-40B4-BE49-F238E27FC236}">
-                <a16:creationId xmlns:a16="http://schemas.microsoft.com/office/drawing/2014/main" id="{8ECEF439-D759-442F-90C6-887AFE12A7D6}"/>
+                <a16:creationId xmlns:a16="http://schemas.microsoft.com/office/drawing/2014/main" id="{1DD5D78E-3D3B-42B1-A722-A36988F52685}"/>
               </a:ext>
             </a:extLst>
           </p:cNvPr>
@@ -17151,11 +17198,7 @@
             </a:r>
             <a:r>
               <a:rPr lang="en-US" altLang="zh-CN" dirty="0" err="1"/>
-              <a:t>zxid</a:t>
-            </a:r>
-            <a:r>
-              <a:rPr lang="en-US" altLang="zh-CN" dirty="0"/>
-              <a:t>	</a:t>
+              <a:t>logicalclock</a:t>
             </a:r>
             <a:endParaRPr lang="zh-CN" altLang="en-US" dirty="0"/>
           </a:p>
@@ -17166,7 +17209,7 @@
           <p:cNvPr id="3" name="内容占位符 2">
             <a:extLst>
               <a:ext uri="{FF2B5EF4-FFF2-40B4-BE49-F238E27FC236}">
-                <a16:creationId xmlns:a16="http://schemas.microsoft.com/office/drawing/2014/main" id="{05D45E56-2AEC-4DA5-B316-DFD2F3945095}"/>
+                <a16:creationId xmlns:a16="http://schemas.microsoft.com/office/drawing/2014/main" id="{CC0636DB-C865-42D5-B609-42EC367D6AC5}"/>
               </a:ext>
             </a:extLst>
           </p:cNvPr>
@@ -17191,187 +17234,27 @@
             </a:r>
             <a:r>
               <a:rPr lang="zh-CN" altLang="en-US" dirty="0"/>
-              <a:t>每次对</a:t>
-            </a:r>
-            <a:r>
-              <a:rPr lang="en-US" altLang="zh-CN" dirty="0"/>
-              <a:t>Zookeeper</a:t>
-            </a:r>
-            <a:r>
-              <a:rPr lang="zh-CN" altLang="en-US" dirty="0"/>
-              <a:t>的状态的改变都会产生一个</a:t>
+              <a:t>每个服务器会维护一个自增的整数，名</a:t>
+            </a:r>
+            <a:r>
+              <a:rPr lang="zh-CN" altLang="en-US" dirty="0" smtClean="0"/>
+              <a:t>为</a:t>
             </a:r>
             <a:r>
               <a:rPr lang="en-US" altLang="zh-CN" dirty="0" err="1"/>
-              <a:t>zxid</a:t>
-            </a:r>
-            <a:r>
-              <a:rPr lang="zh-CN" altLang="en-US" dirty="0"/>
-              <a:t>（</a:t>
-            </a:r>
-            <a:r>
-              <a:rPr lang="en-US" altLang="zh-CN" dirty="0" err="1"/>
-              <a:t>ZooKeeper</a:t>
-            </a:r>
-            <a:r>
-              <a:rPr lang="en-US" altLang="zh-CN" dirty="0"/>
-              <a:t> Transaction Id</a:t>
-            </a:r>
-            <a:r>
-              <a:rPr lang="zh-CN" altLang="en-US" dirty="0"/>
-              <a:t>），</a:t>
-            </a:r>
-            <a:r>
-              <a:rPr lang="en-US" altLang="zh-CN" dirty="0" err="1"/>
-              <a:t>zxid</a:t>
-            </a:r>
-            <a:r>
-              <a:rPr lang="zh-CN" altLang="en-US" dirty="0"/>
-              <a:t>是全局有序的，如果</a:t>
-            </a:r>
-            <a:r>
-              <a:rPr lang="en-US" altLang="zh-CN" dirty="0"/>
-              <a:t>zxid1</a:t>
-            </a:r>
-            <a:r>
-              <a:rPr lang="zh-CN" altLang="en-US" dirty="0"/>
-              <a:t>小于</a:t>
-            </a:r>
-            <a:r>
-              <a:rPr lang="en-US" altLang="zh-CN" dirty="0"/>
-              <a:t>zxid2</a:t>
-            </a:r>
-            <a:r>
-              <a:rPr lang="zh-CN" altLang="en-US" dirty="0"/>
-              <a:t>，则</a:t>
-            </a:r>
-            <a:r>
-              <a:rPr lang="en-US" altLang="zh-CN" dirty="0"/>
-              <a:t>zxid1</a:t>
-            </a:r>
-            <a:r>
-              <a:rPr lang="zh-CN" altLang="en-US" dirty="0"/>
-              <a:t>在</a:t>
-            </a:r>
-            <a:r>
-              <a:rPr lang="en-US" altLang="zh-CN" dirty="0"/>
-              <a:t>zxid2</a:t>
-            </a:r>
-            <a:r>
-              <a:rPr lang="zh-CN" altLang="en-US" dirty="0"/>
-              <a:t>之前发生。为了保证顺序性，该</a:t>
-            </a:r>
-            <a:r>
-              <a:rPr lang="en-US" altLang="zh-CN" dirty="0" err="1"/>
-              <a:t>zkid</a:t>
-            </a:r>
-            <a:r>
-              <a:rPr lang="zh-CN" altLang="en-US" dirty="0"/>
-              <a:t>必须单调递增。因此</a:t>
-            </a:r>
-            <a:r>
-              <a:rPr lang="en-US" altLang="zh-CN" dirty="0"/>
-              <a:t>Zookeeper</a:t>
-            </a:r>
-            <a:r>
-              <a:rPr lang="zh-CN" altLang="en-US" dirty="0"/>
-              <a:t>使用一个</a:t>
-            </a:r>
-            <a:r>
-              <a:rPr lang="en-US" altLang="zh-CN" dirty="0"/>
-              <a:t>64</a:t>
-            </a:r>
-            <a:r>
-              <a:rPr lang="zh-CN" altLang="en-US" dirty="0"/>
-              <a:t>位的数来表示，高</a:t>
-            </a:r>
-            <a:r>
-              <a:rPr lang="en-US" altLang="zh-CN" dirty="0"/>
-              <a:t>32</a:t>
-            </a:r>
-            <a:r>
-              <a:rPr lang="zh-CN" altLang="en-US" dirty="0"/>
-              <a:t>位是</a:t>
-            </a:r>
-            <a:r>
-              <a:rPr lang="en-US" altLang="zh-CN" dirty="0"/>
-              <a:t>Leader</a:t>
-            </a:r>
-            <a:r>
-              <a:rPr lang="zh-CN" altLang="en-US" dirty="0"/>
-              <a:t>的</a:t>
-            </a:r>
-            <a:r>
-              <a:rPr lang="en-US" altLang="zh-CN" dirty="0"/>
-              <a:t>epoch</a:t>
-            </a:r>
-            <a:r>
-              <a:rPr lang="zh-CN" altLang="en-US" dirty="0"/>
-              <a:t>，从</a:t>
-            </a:r>
-            <a:r>
-              <a:rPr lang="en-US" altLang="zh-CN" dirty="0"/>
-              <a:t>1</a:t>
-            </a:r>
-            <a:r>
-              <a:rPr lang="zh-CN" altLang="en-US" dirty="0"/>
-              <a:t>开始，每次选出新的</a:t>
-            </a:r>
-            <a:r>
-              <a:rPr lang="en-US" altLang="zh-CN" dirty="0"/>
-              <a:t>Leader</a:t>
-            </a:r>
-            <a:r>
-              <a:rPr lang="zh-CN" altLang="en-US" dirty="0"/>
+              <a:t>logicalclock</a:t>
+            </a:r>
+            <a:r>
+              <a:rPr lang="en-US" altLang="zh-CN" dirty="0"/>
+              <a:t> </a:t>
+            </a:r>
+            <a:r>
+              <a:rPr lang="zh-CN" altLang="en-US" dirty="0" smtClean="0"/>
               <a:t>，</a:t>
             </a:r>
             <a:r>
-              <a:rPr lang="en-US" altLang="zh-CN" dirty="0"/>
-              <a:t>epoch</a:t>
-            </a:r>
-            <a:r>
-              <a:rPr lang="zh-CN" altLang="en-US" dirty="0"/>
-              <a:t>加一。低</a:t>
-            </a:r>
-            <a:r>
-              <a:rPr lang="en-US" altLang="zh-CN" dirty="0"/>
-              <a:t>32</a:t>
-            </a:r>
-            <a:r>
-              <a:rPr lang="zh-CN" altLang="en-US" dirty="0"/>
-              <a:t>位为该</a:t>
-            </a:r>
-            <a:r>
-              <a:rPr lang="en-US" altLang="zh-CN" dirty="0"/>
-              <a:t>epoch</a:t>
-            </a:r>
-            <a:r>
-              <a:rPr lang="zh-CN" altLang="en-US" dirty="0"/>
-              <a:t>内的序号，每次</a:t>
-            </a:r>
-            <a:r>
-              <a:rPr lang="en-US" altLang="zh-CN" dirty="0"/>
-              <a:t>epoch</a:t>
-            </a:r>
-            <a:r>
-              <a:rPr lang="zh-CN" altLang="en-US" dirty="0"/>
-              <a:t>变化，都将低</a:t>
-            </a:r>
-            <a:r>
-              <a:rPr lang="en-US" altLang="zh-CN" dirty="0"/>
-              <a:t>32</a:t>
-            </a:r>
-            <a:r>
-              <a:rPr lang="zh-CN" altLang="en-US" dirty="0"/>
-              <a:t>位的序号重置。这样保证了</a:t>
-            </a:r>
-            <a:r>
-              <a:rPr lang="en-US" altLang="zh-CN" dirty="0" err="1"/>
-              <a:t>zkid</a:t>
-            </a:r>
-            <a:r>
-              <a:rPr lang="zh-CN" altLang="en-US" dirty="0"/>
-              <a:t>的全局递增性。</a:t>
+              <a:rPr lang="zh-CN" altLang="en-US" dirty="0"/>
+              <a:t>它表示这是该服务器发起的第多少轮投票。</a:t>
             </a:r>
           </a:p>
           <a:p>
@@ -17385,7 +17268,7 @@
     </p:spTree>
     <p:extLst>
       <p:ext uri="{BB962C8B-B14F-4D97-AF65-F5344CB8AC3E}">
-        <p14:creationId xmlns:p14="http://schemas.microsoft.com/office/powerpoint/2010/main" val="3757976215"/>
+        <p14:creationId xmlns:p14="http://schemas.microsoft.com/office/powerpoint/2010/main" val="679363557"/>
       </p:ext>
     </p:extLst>
   </p:cSld>
@@ -17424,7 +17307,7 @@
           <p:cNvPr id="2" name="标题 1">
             <a:extLst>
               <a:ext uri="{FF2B5EF4-FFF2-40B4-BE49-F238E27FC236}">
-                <a16:creationId xmlns:a16="http://schemas.microsoft.com/office/drawing/2014/main" id="{1DD5D78E-3D3B-42B1-A722-A36988F52685}"/>
+                <a16:creationId xmlns:a16="http://schemas.microsoft.com/office/drawing/2014/main" id="{A07096C7-C30E-46DF-9DDF-C6BBC6CAFB35}"/>
               </a:ext>
             </a:extLst>
           </p:cNvPr>
@@ -17442,17 +17325,8 @@
           <a:p>
             <a:r>
               <a:rPr lang="zh-CN" altLang="en-US" dirty="0"/>
-              <a:t>核心概念</a:t>
-            </a:r>
-            <a:r>
-              <a:rPr lang="en-US" altLang="zh-CN" dirty="0"/>
-              <a:t>- </a:t>
-            </a:r>
-            <a:r>
-              <a:rPr lang="en-US" altLang="zh-CN" dirty="0" err="1"/>
-              <a:t>logicClock</a:t>
-            </a:r>
-            <a:endParaRPr lang="zh-CN" altLang="en-US" dirty="0"/>
+              <a:t>选主步骤</a:t>
+            </a:r>
           </a:p>
         </p:txBody>
       </p:sp>
@@ -17461,7 +17335,7 @@
           <p:cNvPr id="3" name="内容占位符 2">
             <a:extLst>
               <a:ext uri="{FF2B5EF4-FFF2-40B4-BE49-F238E27FC236}">
-                <a16:creationId xmlns:a16="http://schemas.microsoft.com/office/drawing/2014/main" id="{CC0636DB-C865-42D5-B609-42EC367D6AC5}"/>
+                <a16:creationId xmlns:a16="http://schemas.microsoft.com/office/drawing/2014/main" id="{38A55D90-BF2C-4E4B-A49C-34728B8662D5}"/>
               </a:ext>
             </a:extLst>
           </p:cNvPr>
@@ -17477,30 +17351,68 @@
           <a:bodyPr/>
           <a:lstStyle/>
           <a:p>
-            <a:pPr marL="0" indent="0">
-              <a:buNone/>
-            </a:pPr>
-            <a:r>
-              <a:rPr lang="en-US" altLang="zh-CN" dirty="0"/>
-              <a:t>	</a:t>
-            </a:r>
-            <a:r>
-              <a:rPr lang="zh-CN" altLang="en-US" dirty="0"/>
-              <a:t>每个服务器会维护一个自增的整数，名为</a:t>
-            </a:r>
-            <a:r>
-              <a:rPr lang="en-US" altLang="zh-CN" dirty="0" err="1"/>
-              <a:t>logicClock</a:t>
-            </a:r>
-            <a:r>
-              <a:rPr lang="zh-CN" altLang="en-US" dirty="0"/>
-              <a:t>，它表示这是该服务器发起的第多少轮投票。</a:t>
-            </a:r>
-          </a:p>
-          <a:p>
-            <a:pPr marL="0" indent="0">
-              <a:buNone/>
-            </a:pPr>
+            <a:r>
+              <a:rPr lang="zh-CN" altLang="en-US" dirty="0"/>
+              <a:t>状态变更</a:t>
+            </a:r>
+          </a:p>
+          <a:p>
+            <a:r>
+              <a:rPr lang="zh-CN" altLang="en-US" dirty="0"/>
+              <a:t>自增选举轮次</a:t>
+            </a:r>
+          </a:p>
+          <a:p>
+            <a:r>
+              <a:rPr lang="zh-CN" altLang="en-US" dirty="0"/>
+              <a:t>初始化选票</a:t>
+            </a:r>
+          </a:p>
+          <a:p>
+            <a:r>
+              <a:rPr lang="zh-CN" altLang="en-US" dirty="0"/>
+              <a:t>发起投票</a:t>
+            </a:r>
+          </a:p>
+          <a:p>
+            <a:r>
+              <a:rPr lang="zh-CN" altLang="en-US" dirty="0"/>
+              <a:t>接收外部投票</a:t>
+            </a:r>
+          </a:p>
+          <a:p>
+            <a:r>
+              <a:rPr lang="zh-CN" altLang="en-US" dirty="0"/>
+              <a:t>判断选举轮次</a:t>
+            </a:r>
+          </a:p>
+          <a:p>
+            <a:r>
+              <a:rPr lang="zh-CN" altLang="en-US" dirty="0"/>
+              <a:t>处理投票</a:t>
+            </a:r>
+          </a:p>
+          <a:p>
+            <a:r>
+              <a:rPr lang="zh-CN" altLang="en-US" dirty="0"/>
+              <a:t>统计投票</a:t>
+            </a:r>
+          </a:p>
+          <a:p>
+            <a:r>
+              <a:rPr lang="zh-CN" altLang="en-US" dirty="0"/>
+              <a:t>改变</a:t>
+            </a:r>
+            <a:r>
+              <a:rPr lang="en-US" altLang="zh-CN" dirty="0"/>
+              <a:t>server</a:t>
+            </a:r>
+            <a:r>
+              <a:rPr lang="zh-CN" altLang="en-US" dirty="0"/>
+              <a:t>状态</a:t>
+            </a:r>
+          </a:p>
+          <a:p>
             <a:endParaRPr lang="zh-CN" altLang="en-US" dirty="0"/>
           </a:p>
         </p:txBody>
@@ -17508,7 +17420,7 @@
     </p:spTree>
     <p:extLst>
       <p:ext uri="{BB962C8B-B14F-4D97-AF65-F5344CB8AC3E}">
-        <p14:creationId xmlns:p14="http://schemas.microsoft.com/office/powerpoint/2010/main" val="679363557"/>
+        <p14:creationId xmlns:p14="http://schemas.microsoft.com/office/powerpoint/2010/main" val="3423785802"/>
       </p:ext>
     </p:extLst>
   </p:cSld>
@@ -17547,7 +17459,7 @@
           <p:cNvPr id="2" name="标题 1">
             <a:extLst>
               <a:ext uri="{FF2B5EF4-FFF2-40B4-BE49-F238E27FC236}">
-                <a16:creationId xmlns:a16="http://schemas.microsoft.com/office/drawing/2014/main" id="{A07096C7-C30E-46DF-9DDF-C6BBC6CAFB35}"/>
+                <a16:creationId xmlns:a16="http://schemas.microsoft.com/office/drawing/2014/main" id="{14230846-7026-45CC-82A3-E2422D958D94}"/>
               </a:ext>
             </a:extLst>
           </p:cNvPr>
@@ -17575,7 +17487,7 @@
           <p:cNvPr id="3" name="内容占位符 2">
             <a:extLst>
               <a:ext uri="{FF2B5EF4-FFF2-40B4-BE49-F238E27FC236}">
-                <a16:creationId xmlns:a16="http://schemas.microsoft.com/office/drawing/2014/main" id="{38A55D90-BF2C-4E4B-A49C-34728B8662D5}"/>
+                <a16:creationId xmlns:a16="http://schemas.microsoft.com/office/drawing/2014/main" id="{116B8229-371D-488F-A0D1-067C6A498AA5}"/>
               </a:ext>
             </a:extLst>
           </p:cNvPr>
@@ -17588,60 +17500,25 @@
         </p:nvSpPr>
         <p:spPr/>
         <p:txBody>
-          <a:bodyPr/>
-          <a:lstStyle/>
-          <a:p>
-            <a:r>
-              <a:rPr lang="zh-CN" altLang="en-US" dirty="0"/>
-              <a:t>状态变更</a:t>
-            </a:r>
-          </a:p>
-          <a:p>
-            <a:r>
-              <a:rPr lang="zh-CN" altLang="en-US" dirty="0"/>
-              <a:t>自增选举轮次</a:t>
-            </a:r>
-          </a:p>
-          <a:p>
-            <a:r>
-              <a:rPr lang="zh-CN" altLang="en-US" dirty="0"/>
-              <a:t>初始化选票</a:t>
-            </a:r>
-          </a:p>
-          <a:p>
-            <a:r>
-              <a:rPr lang="zh-CN" altLang="en-US" dirty="0"/>
-              <a:t>发起投票</a:t>
-            </a:r>
-          </a:p>
-          <a:p>
-            <a:r>
-              <a:rPr lang="zh-CN" altLang="en-US" dirty="0"/>
-              <a:t>接收外部投票</a:t>
-            </a:r>
-          </a:p>
-          <a:p>
-            <a:r>
-              <a:rPr lang="zh-CN" altLang="en-US" dirty="0"/>
-              <a:t>判断选举轮次</a:t>
-            </a:r>
-          </a:p>
-          <a:p>
-            <a:r>
-              <a:rPr lang="zh-CN" altLang="en-US" dirty="0"/>
-              <a:t>处理投票</a:t>
-            </a:r>
-          </a:p>
-          <a:p>
-            <a:r>
-              <a:rPr lang="zh-CN" altLang="en-US" dirty="0"/>
-              <a:t>统计投票</a:t>
-            </a:r>
-          </a:p>
-          <a:p>
-            <a:r>
-              <a:rPr lang="zh-CN" altLang="en-US" dirty="0"/>
-              <a:t>改变</a:t>
+          <a:bodyPr>
+            <a:normAutofit fontScale="92500" lnSpcReduction="10000"/>
+          </a:bodyPr>
+          <a:lstStyle/>
+          <a:p>
+            <a:r>
+              <a:rPr lang="zh-CN" altLang="en-US" dirty="0"/>
+              <a:t>* 状态变更</a:t>
+            </a:r>
+          </a:p>
+          <a:p>
+            <a:pPr lvl="1"/>
+            <a:r>
+              <a:rPr lang="en-US" altLang="zh-CN" dirty="0"/>
+              <a:t>&gt;</a:t>
+            </a:r>
+            <a:r>
+              <a:rPr lang="zh-CN" altLang="en-US" dirty="0"/>
+              <a:t> 服务器启动的时候每个</a:t>
             </a:r>
             <a:r>
               <a:rPr lang="en-US" altLang="zh-CN" dirty="0"/>
@@ -17649,10 +17526,159 @@
             </a:r>
             <a:r>
               <a:rPr lang="zh-CN" altLang="en-US" dirty="0"/>
-              <a:t>状态</a:t>
-            </a:r>
-          </a:p>
-          <a:p>
+              <a:t>的状态时</a:t>
+            </a:r>
+            <a:r>
+              <a:rPr lang="en-US" altLang="zh-CN" dirty="0"/>
+              <a:t>Looking</a:t>
+            </a:r>
+            <a:r>
+              <a:rPr lang="zh-CN" altLang="en-US" dirty="0"/>
+              <a:t>，如果是</a:t>
+            </a:r>
+            <a:r>
+              <a:rPr lang="en-US" altLang="zh-CN" dirty="0"/>
+              <a:t>leader</a:t>
+            </a:r>
+            <a:r>
+              <a:rPr lang="zh-CN" altLang="en-US" dirty="0"/>
+              <a:t>挂掉后进入选举，那么余下的非</a:t>
+            </a:r>
+            <a:r>
+              <a:rPr lang="en-US" altLang="zh-CN" dirty="0"/>
+              <a:t>Observer</a:t>
+            </a:r>
+            <a:r>
+              <a:rPr lang="zh-CN" altLang="en-US" dirty="0"/>
+              <a:t>的</a:t>
+            </a:r>
+            <a:r>
+              <a:rPr lang="en-US" altLang="zh-CN" dirty="0"/>
+              <a:t>Server</a:t>
+            </a:r>
+            <a:r>
+              <a:rPr lang="zh-CN" altLang="en-US" dirty="0"/>
+              <a:t>就会将自己的服务器状态变更为</a:t>
+            </a:r>
+            <a:r>
+              <a:rPr lang="en-US" altLang="zh-CN" dirty="0"/>
+              <a:t>Looking</a:t>
+            </a:r>
+            <a:r>
+              <a:rPr lang="zh-CN" altLang="en-US" dirty="0"/>
+              <a:t>，然后开始进入</a:t>
+            </a:r>
+            <a:r>
+              <a:rPr lang="en-US" altLang="zh-CN" dirty="0"/>
+              <a:t>Leader</a:t>
+            </a:r>
+            <a:r>
+              <a:rPr lang="zh-CN" altLang="en-US" dirty="0"/>
+              <a:t>的选举状态；</a:t>
+            </a:r>
+          </a:p>
+          <a:p>
+            <a:r>
+              <a:rPr lang="zh-CN" altLang="en-US" dirty="0"/>
+              <a:t>* 自增选举轮次</a:t>
+            </a:r>
+          </a:p>
+          <a:p>
+            <a:pPr lvl="1"/>
+            <a:r>
+              <a:rPr lang="en-US" altLang="zh-CN" dirty="0"/>
+              <a:t>&gt;</a:t>
+            </a:r>
+            <a:r>
+              <a:rPr lang="zh-CN" altLang="en-US" dirty="0"/>
+              <a:t> </a:t>
+            </a:r>
+            <a:r>
+              <a:rPr lang="en-US" altLang="zh-CN" dirty="0"/>
+              <a:t>Zookeeper</a:t>
+            </a:r>
+            <a:r>
+              <a:rPr lang="zh-CN" altLang="en-US" dirty="0"/>
+              <a:t>规定所有有效的投票都必须在同一轮次中。每个服务器在开始新一轮投票时，会先对自己维护的</a:t>
+            </a:r>
+            <a:r>
+              <a:rPr lang="en-US" altLang="zh-CN" dirty="0" err="1"/>
+              <a:t>logicClock</a:t>
+            </a:r>
+            <a:r>
+              <a:rPr lang="zh-CN" altLang="en-US" dirty="0"/>
+              <a:t>进行自增操作。</a:t>
+            </a:r>
+          </a:p>
+          <a:p>
+            <a:r>
+              <a:rPr lang="zh-CN" altLang="en-US" dirty="0"/>
+              <a:t>* 初始化选票</a:t>
+            </a:r>
+          </a:p>
+          <a:p>
+            <a:pPr lvl="1"/>
+            <a:r>
+              <a:rPr lang="en-US" altLang="zh-CN" dirty="0"/>
+              <a:t>&gt;</a:t>
+            </a:r>
+            <a:r>
+              <a:rPr lang="zh-CN" altLang="en-US" dirty="0"/>
+              <a:t> 每个服务器在广播自己的选票前，会将自己的投票箱清空。该投票箱记录了所收到的选票。例：服务器</a:t>
+            </a:r>
+            <a:r>
+              <a:rPr lang="en-US" altLang="zh-CN" dirty="0"/>
+              <a:t>2</a:t>
+            </a:r>
+            <a:r>
+              <a:rPr lang="zh-CN" altLang="en-US" dirty="0"/>
+              <a:t>投票给服务器</a:t>
+            </a:r>
+            <a:r>
+              <a:rPr lang="en-US" altLang="zh-CN" dirty="0"/>
+              <a:t>3</a:t>
+            </a:r>
+            <a:r>
+              <a:rPr lang="zh-CN" altLang="en-US" dirty="0"/>
+              <a:t>，服务器</a:t>
+            </a:r>
+            <a:r>
+              <a:rPr lang="en-US" altLang="zh-CN" dirty="0"/>
+              <a:t>3</a:t>
+            </a:r>
+            <a:r>
+              <a:rPr lang="zh-CN" altLang="en-US" dirty="0"/>
+              <a:t>投票给服务器</a:t>
+            </a:r>
+            <a:r>
+              <a:rPr lang="en-US" altLang="zh-CN" dirty="0"/>
+              <a:t>1</a:t>
+            </a:r>
+            <a:r>
+              <a:rPr lang="zh-CN" altLang="en-US" dirty="0"/>
+              <a:t>，则服务器</a:t>
+            </a:r>
+            <a:r>
+              <a:rPr lang="en-US" altLang="zh-CN" dirty="0"/>
+              <a:t>1</a:t>
+            </a:r>
+            <a:r>
+              <a:rPr lang="zh-CN" altLang="en-US" dirty="0"/>
+              <a:t>的投票箱为</a:t>
+            </a:r>
+            <a:r>
+              <a:rPr lang="en-US" altLang="zh-CN" dirty="0"/>
+              <a:t>(2, 3), (3, 1), (1, 1)</a:t>
+            </a:r>
+            <a:r>
+              <a:rPr lang="zh-CN" altLang="en-US" dirty="0"/>
+              <a:t>。票箱中只会记录每一投票者的最后一票，如投票者更新自己的选票，则其它服务器收到该新选票后会在自己票箱中更新该服务器的选票。</a:t>
+            </a:r>
+          </a:p>
+          <a:p>
+            <a:pPr marL="0" indent="0">
+              <a:buNone/>
+            </a:pPr>
             <a:endParaRPr lang="zh-CN" altLang="en-US" dirty="0"/>
           </a:p>
         </p:txBody>
@@ -17660,7 +17686,7 @@
     </p:spTree>
     <p:extLst>
       <p:ext uri="{BB962C8B-B14F-4D97-AF65-F5344CB8AC3E}">
-        <p14:creationId xmlns:p14="http://schemas.microsoft.com/office/powerpoint/2010/main" val="3423785802"/>
+        <p14:creationId xmlns:p14="http://schemas.microsoft.com/office/powerpoint/2010/main" val="2459047196"/>
       </p:ext>
     </p:extLst>
   </p:cSld>
@@ -17699,7 +17725,7 @@
           <p:cNvPr id="2" name="标题 1">
             <a:extLst>
               <a:ext uri="{FF2B5EF4-FFF2-40B4-BE49-F238E27FC236}">
-                <a16:creationId xmlns:a16="http://schemas.microsoft.com/office/drawing/2014/main" id="{14230846-7026-45CC-82A3-E2422D958D94}"/>
+                <a16:creationId xmlns:a16="http://schemas.microsoft.com/office/drawing/2014/main" id="{4EB5863D-F627-4985-926C-1B9CE8EEAF55}"/>
               </a:ext>
             </a:extLst>
           </p:cNvPr>
@@ -17727,7 +17753,7 @@
           <p:cNvPr id="3" name="内容占位符 2">
             <a:extLst>
               <a:ext uri="{FF2B5EF4-FFF2-40B4-BE49-F238E27FC236}">
-                <a16:creationId xmlns:a16="http://schemas.microsoft.com/office/drawing/2014/main" id="{116B8229-371D-488F-A0D1-067C6A498AA5}"/>
+                <a16:creationId xmlns:a16="http://schemas.microsoft.com/office/drawing/2014/main" id="{A25FA909-F4E6-48B3-A76D-1016DF38DDE3}"/>
               </a:ext>
             </a:extLst>
           </p:cNvPr>
@@ -17740,14 +17766,12 @@
         </p:nvSpPr>
         <p:spPr/>
         <p:txBody>
-          <a:bodyPr>
-            <a:normAutofit fontScale="92500" lnSpcReduction="10000"/>
-          </a:bodyPr>
-          <a:lstStyle/>
-          <a:p>
-            <a:r>
-              <a:rPr lang="zh-CN" altLang="en-US" dirty="0"/>
-              <a:t>* 状态变更</a:t>
+          <a:bodyPr/>
+          <a:lstStyle/>
+          <a:p>
+            <a:r>
+              <a:rPr lang="zh-CN" altLang="en-US" dirty="0"/>
+              <a:t>* 发起投票</a:t>
             </a:r>
           </a:p>
           <a:p>
@@ -17758,7 +17782,7 @@
             </a:r>
             <a:r>
               <a:rPr lang="zh-CN" altLang="en-US" dirty="0"/>
-              <a:t> 服务器启动的时候每个</a:t>
+              <a:t> 每个</a:t>
             </a:r>
             <a:r>
               <a:rPr lang="en-US" altLang="zh-CN" dirty="0"/>
@@ -17766,61 +17790,61 @@
             </a:r>
             <a:r>
               <a:rPr lang="zh-CN" altLang="en-US" dirty="0"/>
-              <a:t>的状态时</a:t>
-            </a:r>
-            <a:r>
-              <a:rPr lang="en-US" altLang="zh-CN" dirty="0"/>
-              <a:t>Looking</a:t>
-            </a:r>
-            <a:r>
-              <a:rPr lang="zh-CN" altLang="en-US" dirty="0"/>
-              <a:t>，如果是</a:t>
-            </a:r>
-            <a:r>
-              <a:rPr lang="en-US" altLang="zh-CN" dirty="0"/>
-              <a:t>leader</a:t>
-            </a:r>
-            <a:r>
-              <a:rPr lang="zh-CN" altLang="en-US" dirty="0"/>
-              <a:t>挂掉后进入选举，那么余下的非</a:t>
-            </a:r>
-            <a:r>
-              <a:rPr lang="en-US" altLang="zh-CN" dirty="0"/>
-              <a:t>Observer</a:t>
+              <a:t>会产生一个（</a:t>
+            </a:r>
+            <a:r>
+              <a:rPr lang="en-US" altLang="zh-CN" dirty="0" err="1"/>
+              <a:t>sid</a:t>
+            </a:r>
+            <a:r>
+              <a:rPr lang="zh-CN" altLang="en-US" dirty="0"/>
+              <a:t>，</a:t>
+            </a:r>
+            <a:r>
+              <a:rPr lang="en-US" altLang="zh-CN" dirty="0" err="1"/>
+              <a:t>zxid</a:t>
+            </a:r>
+            <a:r>
+              <a:rPr lang="zh-CN" altLang="en-US" dirty="0"/>
+              <a:t>）的投票，系统初始化的时候</a:t>
+            </a:r>
+            <a:r>
+              <a:rPr lang="en-US" altLang="zh-CN" dirty="0" err="1"/>
+              <a:t>zxid</a:t>
+            </a:r>
+            <a:r>
+              <a:rPr lang="zh-CN" altLang="en-US" dirty="0"/>
+              <a:t>都是</a:t>
+            </a:r>
+            <a:r>
+              <a:rPr lang="en-US" altLang="zh-CN" dirty="0"/>
+              <a:t>0</a:t>
+            </a:r>
+            <a:r>
+              <a:rPr lang="zh-CN" altLang="en-US" dirty="0"/>
+              <a:t>，如果是运行期间，每个</a:t>
+            </a:r>
+            <a:r>
+              <a:rPr lang="en-US" altLang="zh-CN" dirty="0"/>
+              <a:t>server</a:t>
             </a:r>
             <a:r>
               <a:rPr lang="zh-CN" altLang="en-US" dirty="0"/>
               <a:t>的</a:t>
             </a:r>
             <a:r>
-              <a:rPr lang="en-US" altLang="zh-CN" dirty="0"/>
-              <a:t>Server</a:t>
-            </a:r>
-            <a:r>
-              <a:rPr lang="zh-CN" altLang="en-US" dirty="0"/>
-              <a:t>就会将自己的服务器状态变更为</a:t>
-            </a:r>
-            <a:r>
-              <a:rPr lang="en-US" altLang="zh-CN" dirty="0"/>
-              <a:t>Looking</a:t>
-            </a:r>
-            <a:r>
-              <a:rPr lang="zh-CN" altLang="en-US" dirty="0"/>
-              <a:t>，然后开始进入</a:t>
-            </a:r>
-            <a:r>
-              <a:rPr lang="en-US" altLang="zh-CN" dirty="0"/>
-              <a:t>Leader</a:t>
-            </a:r>
-            <a:r>
-              <a:rPr lang="zh-CN" altLang="en-US" dirty="0"/>
-              <a:t>的选举状态；</a:t>
-            </a:r>
-          </a:p>
-          <a:p>
-            <a:r>
-              <a:rPr lang="zh-CN" altLang="en-US" dirty="0"/>
-              <a:t>* 自增选举轮次</a:t>
+              <a:rPr lang="en-US" altLang="zh-CN" dirty="0" err="1"/>
+              <a:t>zxid</a:t>
+            </a:r>
+            <a:r>
+              <a:rPr lang="zh-CN" altLang="en-US" dirty="0"/>
+              <a:t>可能都不同，这取决于最后一次更新的数据。将投票发送给集群中的所有机器；</a:t>
+            </a:r>
+          </a:p>
+          <a:p>
+            <a:r>
+              <a:rPr lang="zh-CN" altLang="en-US" dirty="0"/>
+              <a:t>* 接收外部投票</a:t>
             </a:r>
           </a:p>
           <a:p>
@@ -17831,94 +17855,10 @@
             </a:r>
             <a:r>
               <a:rPr lang="zh-CN" altLang="en-US" dirty="0"/>
-              <a:t> </a:t>
-            </a:r>
-            <a:r>
-              <a:rPr lang="en-US" altLang="zh-CN" dirty="0"/>
-              <a:t>Zookeeper</a:t>
-            </a:r>
-            <a:r>
-              <a:rPr lang="zh-CN" altLang="en-US" dirty="0"/>
-              <a:t>规定所有有效的投票都必须在同一轮次中。每个服务器在开始新一轮投票时，会先对自己维护的</a:t>
-            </a:r>
-            <a:r>
-              <a:rPr lang="en-US" altLang="zh-CN" dirty="0" err="1"/>
-              <a:t>logicClock</a:t>
-            </a:r>
-            <a:r>
-              <a:rPr lang="zh-CN" altLang="en-US" dirty="0"/>
-              <a:t>进行自增操作。</a:t>
-            </a:r>
-          </a:p>
-          <a:p>
-            <a:r>
-              <a:rPr lang="zh-CN" altLang="en-US" dirty="0"/>
-              <a:t>* 初始化选票</a:t>
-            </a:r>
-          </a:p>
-          <a:p>
-            <a:pPr lvl="1"/>
-            <a:r>
-              <a:rPr lang="en-US" altLang="zh-CN" dirty="0"/>
-              <a:t>&gt;</a:t>
-            </a:r>
-            <a:r>
-              <a:rPr lang="zh-CN" altLang="en-US" dirty="0"/>
-              <a:t> 每个服务器在广播自己的选票前，会将自己的投票箱清空。该投票箱记录了所收到的选票。例：服务器</a:t>
-            </a:r>
-            <a:r>
-              <a:rPr lang="en-US" altLang="zh-CN" dirty="0"/>
-              <a:t>2</a:t>
-            </a:r>
-            <a:r>
-              <a:rPr lang="zh-CN" altLang="en-US" dirty="0"/>
-              <a:t>投票给服务器</a:t>
-            </a:r>
-            <a:r>
-              <a:rPr lang="en-US" altLang="zh-CN" dirty="0"/>
-              <a:t>3</a:t>
-            </a:r>
-            <a:r>
-              <a:rPr lang="zh-CN" altLang="en-US" dirty="0"/>
-              <a:t>，服务器</a:t>
-            </a:r>
-            <a:r>
-              <a:rPr lang="en-US" altLang="zh-CN" dirty="0"/>
-              <a:t>3</a:t>
-            </a:r>
-            <a:r>
-              <a:rPr lang="zh-CN" altLang="en-US" dirty="0"/>
-              <a:t>投票给服务器</a:t>
-            </a:r>
-            <a:r>
-              <a:rPr lang="en-US" altLang="zh-CN" dirty="0"/>
-              <a:t>1</a:t>
-            </a:r>
-            <a:r>
-              <a:rPr lang="zh-CN" altLang="en-US" dirty="0"/>
-              <a:t>，则服务器</a:t>
-            </a:r>
-            <a:r>
-              <a:rPr lang="en-US" altLang="zh-CN" dirty="0"/>
-              <a:t>1</a:t>
-            </a:r>
-            <a:r>
-              <a:rPr lang="zh-CN" altLang="en-US" dirty="0"/>
-              <a:t>的投票箱为</a:t>
-            </a:r>
-            <a:r>
-              <a:rPr lang="en-US" altLang="zh-CN" dirty="0"/>
-              <a:t>(2, 3), (3, 1), (1, 1)</a:t>
-            </a:r>
-            <a:r>
-              <a:rPr lang="zh-CN" altLang="en-US" dirty="0"/>
-              <a:t>。票箱中只会记录每一投票者的最后一票，如投票者更新自己的选票，则其它服务器收到该新选票后会在自己票箱中更新该服务器的选票。</a:t>
-            </a:r>
-          </a:p>
-          <a:p>
-            <a:pPr marL="0" indent="0">
-              <a:buNone/>
-            </a:pPr>
+              <a:t> 服务器会尝试从其它服务器获取投票，并记入自己的投票箱内。如果无法获取任何外部投票，则会确认自己是否与集群中其它服务器保持着有效连接。如果是，则再次发送自己的投票；如果否，则马上与之建立连接。</a:t>
+            </a:r>
+          </a:p>
+          <a:p>
             <a:endParaRPr lang="zh-CN" altLang="en-US" dirty="0"/>
           </a:p>
         </p:txBody>
@@ -17926,7 +17866,7 @@
     </p:spTree>
     <p:extLst>
       <p:ext uri="{BB962C8B-B14F-4D97-AF65-F5344CB8AC3E}">
-        <p14:creationId xmlns:p14="http://schemas.microsoft.com/office/powerpoint/2010/main" val="2459047196"/>
+        <p14:creationId xmlns:p14="http://schemas.microsoft.com/office/powerpoint/2010/main" val="3891494424"/>
       </p:ext>
     </p:extLst>
   </p:cSld>
@@ -17965,7 +17905,7 @@
           <p:cNvPr id="2" name="标题 1">
             <a:extLst>
               <a:ext uri="{FF2B5EF4-FFF2-40B4-BE49-F238E27FC236}">
-                <a16:creationId xmlns:a16="http://schemas.microsoft.com/office/drawing/2014/main" id="{4EB5863D-F627-4985-926C-1B9CE8EEAF55}"/>
+                <a16:creationId xmlns:a16="http://schemas.microsoft.com/office/drawing/2014/main" id="{9C4B65AC-D529-4722-A55F-E8C1DDA5AEF2}"/>
               </a:ext>
             </a:extLst>
           </p:cNvPr>
@@ -17993,7 +17933,7 @@
           <p:cNvPr id="3" name="内容占位符 2">
             <a:extLst>
               <a:ext uri="{FF2B5EF4-FFF2-40B4-BE49-F238E27FC236}">
-                <a16:creationId xmlns:a16="http://schemas.microsoft.com/office/drawing/2014/main" id="{A25FA909-F4E6-48B3-A76D-1016DF38DDE3}"/>
+                <a16:creationId xmlns:a16="http://schemas.microsoft.com/office/drawing/2014/main" id="{966FB371-4E45-411A-9CF9-F2012806B856}"/>
               </a:ext>
             </a:extLst>
           </p:cNvPr>
@@ -18011,7 +17951,7 @@
           <a:p>
             <a:r>
               <a:rPr lang="zh-CN" altLang="en-US" dirty="0"/>
-              <a:t>* 发起投票</a:t>
+              <a:t>* 判断选举轮次</a:t>
             </a:r>
           </a:p>
           <a:p>
@@ -18022,83 +17962,114 @@
             </a:r>
             <a:r>
               <a:rPr lang="zh-CN" altLang="en-US" dirty="0"/>
-              <a:t> 每个</a:t>
-            </a:r>
-            <a:r>
-              <a:rPr lang="en-US" altLang="zh-CN" dirty="0"/>
-              <a:t>server</a:t>
-            </a:r>
-            <a:r>
-              <a:rPr lang="zh-CN" altLang="en-US" dirty="0"/>
-              <a:t>会产生一个（</a:t>
+              <a:t> 收到外部投票后，首先会根据投票信息中所包含的</a:t>
             </a:r>
             <a:r>
               <a:rPr lang="en-US" altLang="zh-CN" dirty="0" err="1"/>
-              <a:t>sid</a:t>
-            </a:r>
-            <a:r>
-              <a:rPr lang="zh-CN" altLang="en-US" dirty="0"/>
-              <a:t>，</a:t>
+              <a:t>logicClock</a:t>
+            </a:r>
+            <a:r>
+              <a:rPr lang="zh-CN" altLang="en-US" dirty="0"/>
+              <a:t>来进行不同处理</a:t>
+            </a:r>
+            <a:r>
+              <a:rPr lang="en-US" altLang="zh-CN" dirty="0"/>
+              <a:t>.</a:t>
+            </a:r>
+          </a:p>
+          <a:p>
+            <a:pPr lvl="2"/>
+            <a:r>
+              <a:rPr lang="en-US" altLang="zh-CN" dirty="0"/>
+              <a:t>* </a:t>
+            </a:r>
+            <a:r>
+              <a:rPr lang="zh-CN" altLang="en-US" dirty="0"/>
+              <a:t>外部投票的</a:t>
             </a:r>
             <a:r>
               <a:rPr lang="en-US" altLang="zh-CN" dirty="0" err="1"/>
-              <a:t>zxid</a:t>
-            </a:r>
-            <a:r>
-              <a:rPr lang="zh-CN" altLang="en-US" dirty="0"/>
-              <a:t>）的投票，系统初始化的时候</a:t>
+              <a:t>logicClock</a:t>
+            </a:r>
+            <a:r>
+              <a:rPr lang="zh-CN" altLang="en-US" dirty="0"/>
+              <a:t>大于自己的</a:t>
             </a:r>
             <a:r>
               <a:rPr lang="en-US" altLang="zh-CN" dirty="0" err="1"/>
-              <a:t>zxid</a:t>
-            </a:r>
-            <a:r>
-              <a:rPr lang="zh-CN" altLang="en-US" dirty="0"/>
-              <a:t>都是</a:t>
-            </a:r>
-            <a:r>
-              <a:rPr lang="en-US" altLang="zh-CN" dirty="0"/>
-              <a:t>0</a:t>
-            </a:r>
-            <a:r>
-              <a:rPr lang="zh-CN" altLang="en-US" dirty="0"/>
-              <a:t>，如果是运行期间，每个</a:t>
-            </a:r>
-            <a:r>
-              <a:rPr lang="en-US" altLang="zh-CN" dirty="0"/>
-              <a:t>server</a:t>
-            </a:r>
-            <a:r>
-              <a:rPr lang="zh-CN" altLang="en-US" dirty="0"/>
-              <a:t>的</a:t>
+              <a:t>logicClock</a:t>
+            </a:r>
+            <a:r>
+              <a:rPr lang="zh-CN" altLang="en-US" dirty="0"/>
+              <a:t>。说明该服务器的选举轮次落后于其它服务器的选举轮次，立即清空自己的投票箱并将自己的</a:t>
             </a:r>
             <a:r>
               <a:rPr lang="en-US" altLang="zh-CN" dirty="0" err="1"/>
-              <a:t>zxid</a:t>
-            </a:r>
-            <a:r>
-              <a:rPr lang="zh-CN" altLang="en-US" dirty="0"/>
-              <a:t>可能都不同，这取决于最后一次更新的数据。将投票发送给集群中的所有机器；</a:t>
-            </a:r>
-          </a:p>
-          <a:p>
-            <a:r>
-              <a:rPr lang="zh-CN" altLang="en-US" dirty="0"/>
-              <a:t>* 接收外部投票</a:t>
-            </a:r>
-          </a:p>
-          <a:p>
-            <a:pPr lvl="1"/>
-            <a:r>
-              <a:rPr lang="en-US" altLang="zh-CN" dirty="0"/>
-              <a:t>&gt;</a:t>
-            </a:r>
-            <a:r>
-              <a:rPr lang="zh-CN" altLang="en-US" dirty="0"/>
-              <a:t> 服务器会尝试从其它服务器获取投票，并记入自己的投票箱内。如果无法获取任何外部投票，则会确认自己是否与集群中其它服务器保持着有效连接。如果是，则再次发送自己的投票；如果否，则马上与之建立连接。</a:t>
-            </a:r>
-          </a:p>
-          <a:p>
+              <a:t>logicClock</a:t>
+            </a:r>
+            <a:r>
+              <a:rPr lang="zh-CN" altLang="en-US" dirty="0"/>
+              <a:t>更新为收到的</a:t>
+            </a:r>
+            <a:r>
+              <a:rPr lang="en-US" altLang="zh-CN" dirty="0" err="1"/>
+              <a:t>logicClock</a:t>
+            </a:r>
+            <a:r>
+              <a:rPr lang="zh-CN" altLang="en-US" dirty="0"/>
+              <a:t>，然后再对比自己之前的投票与收到的投票以确定是否需要变更自己的投票，最终再次将自己的投票广播出去。</a:t>
+            </a:r>
+          </a:p>
+          <a:p>
+            <a:pPr lvl="2"/>
+            <a:r>
+              <a:rPr lang="zh-CN" altLang="en-US" dirty="0"/>
+              <a:t>* 外部投票的</a:t>
+            </a:r>
+            <a:r>
+              <a:rPr lang="en-US" altLang="zh-CN" dirty="0" err="1"/>
+              <a:t>logicClock</a:t>
+            </a:r>
+            <a:r>
+              <a:rPr lang="zh-CN" altLang="en-US" dirty="0"/>
+              <a:t>小于自己的</a:t>
+            </a:r>
+            <a:r>
+              <a:rPr lang="en-US" altLang="zh-CN" dirty="0" err="1"/>
+              <a:t>logicClock</a:t>
+            </a:r>
+            <a:r>
+              <a:rPr lang="zh-CN" altLang="en-US" dirty="0"/>
+              <a:t>。当前服务器直接忽略该投票，继续处理下一个投票。</a:t>
+            </a:r>
+          </a:p>
+          <a:p>
+            <a:pPr lvl="2"/>
+            <a:r>
+              <a:rPr lang="zh-CN" altLang="en-US" dirty="0"/>
+              <a:t>* 外部投票的</a:t>
+            </a:r>
+            <a:r>
+              <a:rPr lang="en-US" altLang="zh-CN" dirty="0" err="1"/>
+              <a:t>logickClock</a:t>
+            </a:r>
+            <a:r>
+              <a:rPr lang="zh-CN" altLang="en-US" dirty="0"/>
+              <a:t>与自己的相等。当时进行选票</a:t>
+            </a:r>
+            <a:r>
+              <a:rPr lang="en-US" altLang="zh-CN" dirty="0"/>
+              <a:t>PK</a:t>
+            </a:r>
+            <a:r>
+              <a:rPr lang="zh-CN" altLang="en-US" dirty="0"/>
+              <a:t>。</a:t>
+            </a:r>
+          </a:p>
+          <a:p>
+            <a:pPr marL="0" indent="0">
+              <a:buNone/>
+            </a:pPr>
             <a:endParaRPr lang="zh-CN" altLang="en-US" dirty="0"/>
           </a:p>
         </p:txBody>
@@ -18106,7 +18077,7 @@
     </p:spTree>
     <p:extLst>
       <p:ext uri="{BB962C8B-B14F-4D97-AF65-F5344CB8AC3E}">
-        <p14:creationId xmlns:p14="http://schemas.microsoft.com/office/powerpoint/2010/main" val="3891494424"/>
+        <p14:creationId xmlns:p14="http://schemas.microsoft.com/office/powerpoint/2010/main" val="3497453680"/>
       </p:ext>
     </p:extLst>
   </p:cSld>
@@ -18186,12 +18157,14 @@
         </p:nvSpPr>
         <p:spPr/>
         <p:txBody>
-          <a:bodyPr/>
-          <a:lstStyle/>
-          <a:p>
-            <a:r>
-              <a:rPr lang="zh-CN" altLang="en-US" dirty="0"/>
-              <a:t>* 判断选举轮次</a:t>
+          <a:bodyPr>
+            <a:normAutofit/>
+          </a:bodyPr>
+          <a:lstStyle/>
+          <a:p>
+            <a:r>
+              <a:rPr lang="zh-CN" altLang="en-US" dirty="0"/>
+              <a:t>* 处理投票</a:t>
             </a:r>
           </a:p>
           <a:p>
@@ -18202,100 +18175,88 @@
             </a:r>
             <a:r>
               <a:rPr lang="zh-CN" altLang="en-US" dirty="0"/>
-              <a:t> 收到外部投票后，首先会根据投票信息中所包含的</a:t>
+              <a:t> 对自己的投票和接收到的投票进行</a:t>
+            </a:r>
+            <a:r>
+              <a:rPr lang="en-US" altLang="zh-CN" dirty="0"/>
+              <a:t>PK</a:t>
+            </a:r>
+            <a:r>
+              <a:rPr lang="zh-CN" altLang="en-US" dirty="0"/>
+              <a:t>：</a:t>
+            </a:r>
+          </a:p>
+          <a:p>
+            <a:pPr lvl="2"/>
+            <a:r>
+              <a:rPr lang="en-US" altLang="zh-CN" dirty="0"/>
+              <a:t>1. </a:t>
+            </a:r>
+            <a:r>
+              <a:rPr lang="zh-CN" altLang="en-US" dirty="0"/>
+              <a:t>先检查</a:t>
             </a:r>
             <a:r>
               <a:rPr lang="en-US" altLang="zh-CN" dirty="0" err="1"/>
-              <a:t>logicClock</a:t>
-            </a:r>
-            <a:r>
-              <a:rPr lang="zh-CN" altLang="en-US" dirty="0"/>
-              <a:t>来进行不同处理</a:t>
-            </a:r>
-            <a:r>
-              <a:rPr lang="en-US" altLang="zh-CN" dirty="0"/>
-              <a:t>.</a:t>
+              <a:t>zxid</a:t>
+            </a:r>
+            <a:r>
+              <a:rPr lang="zh-CN" altLang="en-US" dirty="0"/>
+              <a:t>，较大的优先为</a:t>
+            </a:r>
+            <a:r>
+              <a:rPr lang="en-US" altLang="zh-CN" dirty="0"/>
+              <a:t>leader</a:t>
+            </a:r>
+            <a:r>
+              <a:rPr lang="zh-CN" altLang="en-US" dirty="0"/>
+              <a:t>；</a:t>
             </a:r>
           </a:p>
           <a:p>
             <a:pPr lvl="2"/>
             <a:r>
               <a:rPr lang="en-US" altLang="zh-CN" dirty="0"/>
-              <a:t>* </a:t>
-            </a:r>
-            <a:r>
-              <a:rPr lang="zh-CN" altLang="en-US" dirty="0"/>
-              <a:t>外部投票的</a:t>
+              <a:t>2. </a:t>
+            </a:r>
+            <a:r>
+              <a:rPr lang="zh-CN" altLang="en-US" dirty="0"/>
+              <a:t>如果</a:t>
             </a:r>
             <a:r>
               <a:rPr lang="en-US" altLang="zh-CN" dirty="0" err="1"/>
-              <a:t>logicClock</a:t>
-            </a:r>
-            <a:r>
-              <a:rPr lang="zh-CN" altLang="en-US" dirty="0"/>
-              <a:t>大于自己的</a:t>
+              <a:t>zxid</a:t>
+            </a:r>
+            <a:r>
+              <a:rPr lang="zh-CN" altLang="en-US" dirty="0"/>
+              <a:t>一样，</a:t>
             </a:r>
             <a:r>
               <a:rPr lang="en-US" altLang="zh-CN" dirty="0" err="1"/>
-              <a:t>logicClock</a:t>
-            </a:r>
-            <a:r>
-              <a:rPr lang="zh-CN" altLang="en-US" dirty="0"/>
-              <a:t>。说明该服务器的选举轮次落后于其它服务器的选举轮次，立即清空自己的投票箱并将自己的</a:t>
-            </a:r>
-            <a:r>
-              <a:rPr lang="en-US" altLang="zh-CN" dirty="0" err="1"/>
-              <a:t>logicClock</a:t>
-            </a:r>
-            <a:r>
-              <a:rPr lang="zh-CN" altLang="en-US" dirty="0"/>
-              <a:t>更新为收到的</a:t>
-            </a:r>
-            <a:r>
-              <a:rPr lang="en-US" altLang="zh-CN" dirty="0" err="1"/>
-              <a:t>logicClock</a:t>
-            </a:r>
-            <a:r>
-              <a:rPr lang="zh-CN" altLang="en-US" dirty="0"/>
-              <a:t>，然后再对比自己之前的投票与收到的投票以确定是否需要变更自己的投票，最终再次将自己的投票广播出去。</a:t>
+              <a:t>sid</a:t>
+            </a:r>
+            <a:r>
+              <a:rPr lang="zh-CN" altLang="en-US" dirty="0"/>
+              <a:t>较大的为</a:t>
+            </a:r>
+            <a:r>
+              <a:rPr lang="en-US" altLang="zh-CN" dirty="0"/>
+              <a:t>leader</a:t>
+            </a:r>
+            <a:r>
+              <a:rPr lang="zh-CN" altLang="en-US" dirty="0"/>
+              <a:t>；</a:t>
             </a:r>
           </a:p>
           <a:p>
             <a:pPr lvl="2"/>
             <a:r>
-              <a:rPr lang="zh-CN" altLang="en-US" dirty="0"/>
-              <a:t>* 外部投票的</a:t>
-            </a:r>
-            <a:r>
-              <a:rPr lang="en-US" altLang="zh-CN" dirty="0" err="1"/>
-              <a:t>logicClock</a:t>
-            </a:r>
-            <a:r>
-              <a:rPr lang="zh-CN" altLang="en-US" dirty="0"/>
-              <a:t>小于自己的</a:t>
-            </a:r>
-            <a:r>
-              <a:rPr lang="en-US" altLang="zh-CN" dirty="0" err="1"/>
-              <a:t>logicClock</a:t>
-            </a:r>
-            <a:r>
-              <a:rPr lang="zh-CN" altLang="en-US" dirty="0"/>
-              <a:t>。当前服务器直接忽略该投票，继续处理下一个投票。</a:t>
-            </a:r>
-          </a:p>
-          <a:p>
-            <a:pPr lvl="2"/>
-            <a:r>
-              <a:rPr lang="zh-CN" altLang="en-US" dirty="0"/>
-              <a:t>* 外部投票的</a:t>
-            </a:r>
-            <a:r>
-              <a:rPr lang="en-US" altLang="zh-CN" dirty="0" err="1"/>
-              <a:t>logickClock</a:t>
-            </a:r>
-            <a:r>
-              <a:rPr lang="zh-CN" altLang="en-US" dirty="0"/>
-              <a:t>与自己的相等。当时进行选票</a:t>
+              <a:rPr lang="en-US" altLang="zh-CN" dirty="0"/>
+              <a:t>3. </a:t>
+            </a:r>
+            <a:r>
+              <a:rPr lang="zh-CN" altLang="en-US" dirty="0"/>
+              <a:t>根据</a:t>
             </a:r>
             <a:r>
               <a:rPr lang="en-US" altLang="zh-CN" dirty="0"/>
@@ -18303,13 +18264,92 @@
             </a:r>
             <a:r>
               <a:rPr lang="zh-CN" altLang="en-US" dirty="0"/>
-              <a:t>。</a:t>
-            </a:r>
-          </a:p>
-          <a:p>
-            <a:pPr marL="0" indent="0">
-              <a:buNone/>
-            </a:pPr>
+              <a:t>结果更新自己的投票，在次发送自己的投票；</a:t>
+            </a:r>
+          </a:p>
+          <a:p>
+            <a:r>
+              <a:rPr lang="zh-CN" altLang="en-US" dirty="0"/>
+              <a:t>* 统计投票</a:t>
+            </a:r>
+          </a:p>
+          <a:p>
+            <a:pPr lvl="1"/>
+            <a:r>
+              <a:rPr lang="en-US" altLang="zh-CN" dirty="0"/>
+              <a:t>&gt;</a:t>
+            </a:r>
+            <a:r>
+              <a:rPr lang="zh-CN" altLang="en-US" dirty="0"/>
+              <a:t> 每次投票后，服务器统计投票信息，如果有过半机器接收到相同的投票，那么</a:t>
+            </a:r>
+            <a:r>
+              <a:rPr lang="en-US" altLang="zh-CN" dirty="0"/>
+              <a:t>leader</a:t>
+            </a:r>
+            <a:r>
+              <a:rPr lang="zh-CN" altLang="en-US" dirty="0"/>
+              <a:t>产生，如果否，那么进行下一轮投票；</a:t>
+            </a:r>
+          </a:p>
+          <a:p>
+            <a:r>
+              <a:rPr lang="zh-CN" altLang="en-US" dirty="0"/>
+              <a:t>* 改变</a:t>
+            </a:r>
+            <a:r>
+              <a:rPr lang="en-US" altLang="zh-CN" dirty="0"/>
+              <a:t>server</a:t>
+            </a:r>
+            <a:r>
+              <a:rPr lang="zh-CN" altLang="en-US" dirty="0"/>
+              <a:t>状态</a:t>
+            </a:r>
+          </a:p>
+          <a:p>
+            <a:pPr lvl="1"/>
+            <a:r>
+              <a:rPr lang="en-US" altLang="zh-CN" dirty="0"/>
+              <a:t>&gt;</a:t>
+            </a:r>
+            <a:r>
+              <a:rPr lang="zh-CN" altLang="en-US" dirty="0"/>
+              <a:t> 一旦确定了</a:t>
+            </a:r>
+            <a:r>
+              <a:rPr lang="en-US" altLang="zh-CN" dirty="0"/>
+              <a:t>Leader</a:t>
+            </a:r>
+            <a:r>
+              <a:rPr lang="zh-CN" altLang="en-US" dirty="0"/>
+              <a:t>，</a:t>
+            </a:r>
+            <a:r>
+              <a:rPr lang="en-US" altLang="zh-CN" dirty="0"/>
+              <a:t>server</a:t>
+            </a:r>
+            <a:r>
+              <a:rPr lang="zh-CN" altLang="en-US" dirty="0"/>
+              <a:t>会更新自己的状态为</a:t>
+            </a:r>
+            <a:r>
+              <a:rPr lang="en-US" altLang="zh-CN" dirty="0"/>
+              <a:t>Following</a:t>
+            </a:r>
+            <a:r>
+              <a:rPr lang="zh-CN" altLang="en-US" dirty="0"/>
+              <a:t>或者是</a:t>
+            </a:r>
+            <a:r>
+              <a:rPr lang="en-US" altLang="zh-CN" dirty="0"/>
+              <a:t>Leading</a:t>
+            </a:r>
+            <a:r>
+              <a:rPr lang="zh-CN" altLang="en-US" dirty="0"/>
+              <a:t>。选举结束。</a:t>
+            </a:r>
+          </a:p>
+          <a:p>
             <a:endParaRPr lang="zh-CN" altLang="en-US" dirty="0"/>
           </a:p>
         </p:txBody>
@@ -18317,7 +18357,7 @@
     </p:spTree>
     <p:extLst>
       <p:ext uri="{BB962C8B-B14F-4D97-AF65-F5344CB8AC3E}">
-        <p14:creationId xmlns:p14="http://schemas.microsoft.com/office/powerpoint/2010/main" val="3497453680"/>
+        <p14:creationId xmlns:p14="http://schemas.microsoft.com/office/powerpoint/2010/main" val="2428088584"/>
       </p:ext>
     </p:extLst>
   </p:cSld>
@@ -18480,7 +18520,15 @@
           <a:p>
             <a:r>
               <a:rPr lang="zh-CN" altLang="en-US" dirty="0"/>
-              <a:t>选主步骤</a:t>
+              <a:t>几种</a:t>
+            </a:r>
+            <a:r>
+              <a:rPr lang="en-US" altLang="zh-CN" dirty="0"/>
+              <a:t>leader</a:t>
+            </a:r>
+            <a:r>
+              <a:rPr lang="zh-CN" altLang="en-US" dirty="0"/>
+              <a:t>选举场景</a:t>
             </a:r>
           </a:p>
         </p:txBody>
@@ -18503,164 +18551,32 @@
         </p:nvSpPr>
         <p:spPr/>
         <p:txBody>
-          <a:bodyPr>
-            <a:normAutofit/>
-          </a:bodyPr>
-          <a:lstStyle/>
-          <a:p>
-            <a:r>
-              <a:rPr lang="zh-CN" altLang="en-US" dirty="0"/>
-              <a:t>* 处理投票</a:t>
-            </a:r>
-          </a:p>
-          <a:p>
-            <a:pPr lvl="1"/>
-            <a:r>
-              <a:rPr lang="en-US" altLang="zh-CN" dirty="0"/>
-              <a:t>&gt;</a:t>
-            </a:r>
-            <a:r>
-              <a:rPr lang="zh-CN" altLang="en-US" dirty="0"/>
-              <a:t> 对自己的投票和接收到的投票进行</a:t>
-            </a:r>
-            <a:r>
-              <a:rPr lang="en-US" altLang="zh-CN" dirty="0"/>
-              <a:t>PK</a:t>
-            </a:r>
-            <a:r>
-              <a:rPr lang="zh-CN" altLang="en-US" dirty="0"/>
-              <a:t>：</a:t>
-            </a:r>
-          </a:p>
-          <a:p>
-            <a:pPr lvl="2"/>
-            <a:r>
-              <a:rPr lang="en-US" altLang="zh-CN" dirty="0"/>
-              <a:t>1. </a:t>
-            </a:r>
-            <a:r>
-              <a:rPr lang="zh-CN" altLang="en-US" dirty="0"/>
-              <a:t>先检查</a:t>
-            </a:r>
-            <a:r>
-              <a:rPr lang="en-US" altLang="zh-CN" dirty="0" err="1"/>
-              <a:t>zxid</a:t>
-            </a:r>
-            <a:r>
-              <a:rPr lang="zh-CN" altLang="en-US" dirty="0"/>
-              <a:t>，较大的优先为</a:t>
-            </a:r>
-            <a:r>
-              <a:rPr lang="en-US" altLang="zh-CN" dirty="0"/>
-              <a:t>leader</a:t>
-            </a:r>
-            <a:r>
-              <a:rPr lang="zh-CN" altLang="en-US" dirty="0"/>
-              <a:t>；</a:t>
-            </a:r>
-          </a:p>
-          <a:p>
-            <a:pPr lvl="2"/>
-            <a:r>
-              <a:rPr lang="en-US" altLang="zh-CN" dirty="0"/>
-              <a:t>2. </a:t>
-            </a:r>
-            <a:r>
-              <a:rPr lang="zh-CN" altLang="en-US" dirty="0"/>
-              <a:t>如果</a:t>
-            </a:r>
-            <a:r>
-              <a:rPr lang="en-US" altLang="zh-CN" dirty="0" err="1"/>
-              <a:t>zxid</a:t>
-            </a:r>
-            <a:r>
-              <a:rPr lang="zh-CN" altLang="en-US" dirty="0"/>
-              <a:t>一样，</a:t>
-            </a:r>
-            <a:r>
-              <a:rPr lang="en-US" altLang="zh-CN" dirty="0" err="1"/>
-              <a:t>sid</a:t>
-            </a:r>
-            <a:r>
-              <a:rPr lang="zh-CN" altLang="en-US" dirty="0"/>
-              <a:t>较大的为</a:t>
-            </a:r>
-            <a:r>
-              <a:rPr lang="en-US" altLang="zh-CN" dirty="0"/>
-              <a:t>leader</a:t>
-            </a:r>
-            <a:r>
-              <a:rPr lang="zh-CN" altLang="en-US" dirty="0"/>
-              <a:t>；</a:t>
-            </a:r>
-          </a:p>
-          <a:p>
-            <a:pPr lvl="2"/>
-            <a:r>
-              <a:rPr lang="en-US" altLang="zh-CN" dirty="0"/>
-              <a:t>3. </a:t>
-            </a:r>
-            <a:r>
-              <a:rPr lang="zh-CN" altLang="en-US" dirty="0"/>
-              <a:t>根据</a:t>
-            </a:r>
-            <a:r>
-              <a:rPr lang="en-US" altLang="zh-CN" dirty="0"/>
-              <a:t>PK</a:t>
-            </a:r>
-            <a:r>
-              <a:rPr lang="zh-CN" altLang="en-US" dirty="0"/>
-              <a:t>结果更新自己的投票，在次发送自己的投票；</a:t>
-            </a:r>
-          </a:p>
-          <a:p>
-            <a:r>
-              <a:rPr lang="zh-CN" altLang="en-US" dirty="0"/>
-              <a:t>* 统计投票</a:t>
-            </a:r>
-          </a:p>
-          <a:p>
-            <a:pPr lvl="1"/>
-            <a:r>
-              <a:rPr lang="en-US" altLang="zh-CN" dirty="0"/>
-              <a:t>&gt;</a:t>
-            </a:r>
-            <a:r>
-              <a:rPr lang="zh-CN" altLang="en-US" dirty="0"/>
-              <a:t> 每次投票后，服务器统计投票信息，如果有过半机器接收到相同的投票，那么</a:t>
-            </a:r>
-            <a:r>
-              <a:rPr lang="en-US" altLang="zh-CN" dirty="0"/>
-              <a:t>leader</a:t>
-            </a:r>
-            <a:r>
-              <a:rPr lang="zh-CN" altLang="en-US" dirty="0"/>
-              <a:t>产生，如果否，那么进行下一轮投票；</a:t>
-            </a:r>
-          </a:p>
-          <a:p>
-            <a:r>
-              <a:rPr lang="zh-CN" altLang="en-US" dirty="0"/>
-              <a:t>* 改变</a:t>
-            </a:r>
-            <a:r>
-              <a:rPr lang="en-US" altLang="zh-CN" dirty="0"/>
-              <a:t>server</a:t>
-            </a:r>
-            <a:r>
-              <a:rPr lang="zh-CN" altLang="en-US" dirty="0"/>
-              <a:t>状态</a:t>
-            </a:r>
-          </a:p>
-          <a:p>
-            <a:pPr lvl="1"/>
-            <a:r>
-              <a:rPr lang="en-US" altLang="zh-CN" dirty="0"/>
-              <a:t>&gt;</a:t>
-            </a:r>
-            <a:r>
-              <a:rPr lang="zh-CN" altLang="en-US" dirty="0"/>
-              <a:t> 一旦确定了</a:t>
+          <a:bodyPr/>
+          <a:lstStyle/>
+          <a:p>
+            <a:r>
+              <a:rPr lang="zh-CN" altLang="en-US" dirty="0"/>
+              <a:t>* 集群启动选举</a:t>
+            </a:r>
+          </a:p>
+          <a:p>
+            <a:r>
+              <a:rPr lang="zh-CN" altLang="en-US" dirty="0"/>
+              <a:t>* </a:t>
+            </a:r>
+            <a:r>
+              <a:rPr lang="en-US" altLang="zh-CN" dirty="0"/>
+              <a:t>Follower</a:t>
+            </a:r>
+            <a:r>
+              <a:rPr lang="zh-CN" altLang="en-US" dirty="0"/>
+              <a:t>重启选举</a:t>
+            </a:r>
+          </a:p>
+          <a:p>
+            <a:r>
+              <a:rPr lang="zh-CN" altLang="en-US" dirty="0"/>
+              <a:t>* </a:t>
             </a:r>
             <a:r>
               <a:rPr lang="en-US" altLang="zh-CN" dirty="0"/>
@@ -18668,31 +18584,7 @@
             </a:r>
             <a:r>
               <a:rPr lang="zh-CN" altLang="en-US" dirty="0"/>
-              <a:t>，</a:t>
-            </a:r>
-            <a:r>
-              <a:rPr lang="en-US" altLang="zh-CN" dirty="0"/>
-              <a:t>server</a:t>
-            </a:r>
-            <a:r>
-              <a:rPr lang="zh-CN" altLang="en-US" dirty="0"/>
-              <a:t>会更新自己的状态为</a:t>
-            </a:r>
-            <a:r>
-              <a:rPr lang="en-US" altLang="zh-CN" dirty="0"/>
-              <a:t>Following</a:t>
-            </a:r>
-            <a:r>
-              <a:rPr lang="zh-CN" altLang="en-US" dirty="0"/>
-              <a:t>或者是</a:t>
-            </a:r>
-            <a:r>
-              <a:rPr lang="en-US" altLang="zh-CN" dirty="0"/>
-              <a:t>Leading</a:t>
-            </a:r>
-            <a:r>
-              <a:rPr lang="zh-CN" altLang="en-US" dirty="0"/>
-              <a:t>。选举结束。</a:t>
+              <a:t>重启选举</a:t>
             </a:r>
           </a:p>
           <a:p>
@@ -18703,7 +18595,7 @@
     </p:spTree>
     <p:extLst>
       <p:ext uri="{BB962C8B-B14F-4D97-AF65-F5344CB8AC3E}">
-        <p14:creationId xmlns:p14="http://schemas.microsoft.com/office/powerpoint/2010/main" val="2428088584"/>
+        <p14:creationId xmlns:p14="http://schemas.microsoft.com/office/powerpoint/2010/main" val="506071052"/>
       </p:ext>
     </p:extLst>
   </p:cSld>
@@ -18742,7 +18634,7 @@
           <p:cNvPr id="2" name="标题 1">
             <a:extLst>
               <a:ext uri="{FF2B5EF4-FFF2-40B4-BE49-F238E27FC236}">
-                <a16:creationId xmlns:a16="http://schemas.microsoft.com/office/drawing/2014/main" id="{9C4B65AC-D529-4722-A55F-E8C1DDA5AEF2}"/>
+                <a16:creationId xmlns:a16="http://schemas.microsoft.com/office/drawing/2014/main" id="{3FD46781-5ADE-42F6-81D0-F5F6F5579BE0}"/>
               </a:ext>
             </a:extLst>
           </p:cNvPr>
@@ -18760,82 +18652,50 @@
           <a:p>
             <a:r>
               <a:rPr lang="zh-CN" altLang="en-US" dirty="0"/>
-              <a:t>几种</a:t>
-            </a:r>
-            <a:r>
-              <a:rPr lang="en-US" altLang="zh-CN" dirty="0"/>
-              <a:t>leader</a:t>
-            </a:r>
-            <a:r>
-              <a:rPr lang="zh-CN" altLang="en-US" dirty="0"/>
-              <a:t>选举场景</a:t>
-            </a:r>
-          </a:p>
-        </p:txBody>
-      </p:sp>
-      <p:sp>
-        <p:nvSpPr>
-          <p:cNvPr id="3" name="内容占位符 2">
-            <a:extLst>
-              <a:ext uri="{FF2B5EF4-FFF2-40B4-BE49-F238E27FC236}">
-                <a16:creationId xmlns:a16="http://schemas.microsoft.com/office/drawing/2014/main" id="{966FB371-4E45-411A-9CF9-F2012806B856}"/>
-              </a:ext>
-            </a:extLst>
-          </p:cNvPr>
-          <p:cNvSpPr>
-            <a:spLocks noGrp="1"/>
-          </p:cNvSpPr>
+              <a:t>集群启动选举</a:t>
+            </a:r>
+          </a:p>
+        </p:txBody>
+      </p:sp>
+      <p:pic>
+        <p:nvPicPr>
+          <p:cNvPr id="5" name="内容占位符 4">
+            <a:extLst>
+              <a:ext uri="{FF2B5EF4-FFF2-40B4-BE49-F238E27FC236}">
+                <a16:creationId xmlns:a16="http://schemas.microsoft.com/office/drawing/2014/main" id="{6A609DDC-DD02-461C-AB7B-E85D8E577038}"/>
+              </a:ext>
+            </a:extLst>
+          </p:cNvPr>
+          <p:cNvPicPr>
+            <a:picLocks noGrp="1" noChangeAspect="1"/>
+          </p:cNvPicPr>
           <p:nvPr>
             <p:ph idx="1"/>
           </p:nvPr>
-        </p:nvSpPr>
-        <p:spPr/>
-        <p:txBody>
-          <a:bodyPr/>
-          <a:lstStyle/>
-          <a:p>
-            <a:r>
-              <a:rPr lang="zh-CN" altLang="en-US" dirty="0"/>
-              <a:t>* 集群启动选举</a:t>
-            </a:r>
-          </a:p>
-          <a:p>
-            <a:r>
-              <a:rPr lang="zh-CN" altLang="en-US" dirty="0"/>
-              <a:t>* </a:t>
-            </a:r>
-            <a:r>
-              <a:rPr lang="en-US" altLang="zh-CN" dirty="0"/>
-              <a:t>Follower</a:t>
-            </a:r>
-            <a:r>
-              <a:rPr lang="zh-CN" altLang="en-US" dirty="0"/>
-              <a:t>重启选举</a:t>
-            </a:r>
-          </a:p>
-          <a:p>
-            <a:r>
-              <a:rPr lang="zh-CN" altLang="en-US" dirty="0"/>
-              <a:t>* </a:t>
-            </a:r>
-            <a:r>
-              <a:rPr lang="en-US" altLang="zh-CN" dirty="0"/>
-              <a:t>Leader</a:t>
-            </a:r>
-            <a:r>
-              <a:rPr lang="zh-CN" altLang="en-US" dirty="0"/>
-              <a:t>重启选举</a:t>
-            </a:r>
-          </a:p>
-          <a:p>
-            <a:endParaRPr lang="zh-CN" altLang="en-US" dirty="0"/>
-          </a:p>
-        </p:txBody>
-      </p:sp>
+        </p:nvPicPr>
+        <p:blipFill>
+          <a:blip r:embed="rId2">
+            <a:extLst>
+              <a:ext uri="{28A0092B-C50C-407E-A947-70E740481C1C}">
+                <a14:useLocalDpi xmlns:a14="http://schemas.microsoft.com/office/drawing/2010/main" val="0"/>
+              </a:ext>
+            </a:extLst>
+          </a:blip>
+          <a:stretch>
+            <a:fillRect/>
+          </a:stretch>
+        </p:blipFill>
+        <p:spPr>
+          <a:xfrm>
+            <a:off x="3335474" y="1825625"/>
+            <a:ext cx="5521052" cy="4351338"/>
+          </a:xfrm>
+        </p:spPr>
+      </p:pic>
     </p:spTree>
     <p:extLst>
       <p:ext uri="{BB962C8B-B14F-4D97-AF65-F5344CB8AC3E}">
-        <p14:creationId xmlns:p14="http://schemas.microsoft.com/office/powerpoint/2010/main" val="506071052"/>
+        <p14:creationId xmlns:p14="http://schemas.microsoft.com/office/powerpoint/2010/main" val="897789417"/>
       </p:ext>
     </p:extLst>
   </p:cSld>
@@ -18902,7 +18762,7 @@
           <p:cNvPr id="5" name="内容占位符 4">
             <a:extLst>
               <a:ext uri="{FF2B5EF4-FFF2-40B4-BE49-F238E27FC236}">
-                <a16:creationId xmlns:a16="http://schemas.microsoft.com/office/drawing/2014/main" id="{6A609DDC-DD02-461C-AB7B-E85D8E577038}"/>
+                <a16:creationId xmlns:a16="http://schemas.microsoft.com/office/drawing/2014/main" id="{4F1D5E56-1F86-4FA3-A748-44E680FAE94B}"/>
               </a:ext>
             </a:extLst>
           </p:cNvPr>
@@ -18935,7 +18795,7 @@
     </p:spTree>
     <p:extLst>
       <p:ext uri="{BB962C8B-B14F-4D97-AF65-F5344CB8AC3E}">
-        <p14:creationId xmlns:p14="http://schemas.microsoft.com/office/powerpoint/2010/main" val="897789417"/>
+        <p14:creationId xmlns:p14="http://schemas.microsoft.com/office/powerpoint/2010/main" val="1544189476"/>
       </p:ext>
     </p:extLst>
   </p:cSld>
@@ -18991,8 +18851,12 @@
           <a:lstStyle/>
           <a:p>
             <a:r>
-              <a:rPr lang="zh-CN" altLang="en-US" dirty="0"/>
-              <a:t>集群启动选举</a:t>
+              <a:rPr lang="en-US" altLang="zh-CN" dirty="0"/>
+              <a:t>Follower</a:t>
+            </a:r>
+            <a:r>
+              <a:rPr lang="zh-CN" altLang="en-US" dirty="0"/>
+              <a:t>重启</a:t>
             </a:r>
           </a:p>
         </p:txBody>
@@ -19002,7 +18866,7 @@
           <p:cNvPr id="5" name="内容占位符 4">
             <a:extLst>
               <a:ext uri="{FF2B5EF4-FFF2-40B4-BE49-F238E27FC236}">
-                <a16:creationId xmlns:a16="http://schemas.microsoft.com/office/drawing/2014/main" id="{4F1D5E56-1F86-4FA3-A748-44E680FAE94B}"/>
+                <a16:creationId xmlns:a16="http://schemas.microsoft.com/office/drawing/2014/main" id="{5E332251-99EB-4E54-8ADE-77E517ABD4D1}"/>
               </a:ext>
             </a:extLst>
           </p:cNvPr>
@@ -19035,7 +18899,7 @@
     </p:spTree>
     <p:extLst>
       <p:ext uri="{BB962C8B-B14F-4D97-AF65-F5344CB8AC3E}">
-        <p14:creationId xmlns:p14="http://schemas.microsoft.com/office/powerpoint/2010/main" val="1544189476"/>
+        <p14:creationId xmlns:p14="http://schemas.microsoft.com/office/powerpoint/2010/main" val="893947223"/>
       </p:ext>
     </p:extLst>
   </p:cSld>
@@ -19074,7 +18938,7 @@
           <p:cNvPr id="2" name="标题 1">
             <a:extLst>
               <a:ext uri="{FF2B5EF4-FFF2-40B4-BE49-F238E27FC236}">
-                <a16:creationId xmlns:a16="http://schemas.microsoft.com/office/drawing/2014/main" id="{3FD46781-5ADE-42F6-81D0-F5F6F5579BE0}"/>
+                <a16:creationId xmlns:a16="http://schemas.microsoft.com/office/drawing/2014/main" id="{6E515F20-5960-4CEB-8B7D-2B000A9BD4EB}"/>
               </a:ext>
             </a:extLst>
           </p:cNvPr>
@@ -19096,7 +18960,7 @@
             </a:r>
             <a:r>
               <a:rPr lang="zh-CN" altLang="en-US" dirty="0"/>
-              <a:t>重启</a:t>
+              <a:t>重启选举</a:t>
             </a:r>
           </a:p>
         </p:txBody>
@@ -19106,7 +18970,7 @@
           <p:cNvPr id="5" name="内容占位符 4">
             <a:extLst>
               <a:ext uri="{FF2B5EF4-FFF2-40B4-BE49-F238E27FC236}">
-                <a16:creationId xmlns:a16="http://schemas.microsoft.com/office/drawing/2014/main" id="{5E332251-99EB-4E54-8ADE-77E517ABD4D1}"/>
+                <a16:creationId xmlns:a16="http://schemas.microsoft.com/office/drawing/2014/main" id="{8DB56087-3F4D-41B5-894D-209F0900A723}"/>
               </a:ext>
             </a:extLst>
           </p:cNvPr>
@@ -19139,7 +19003,7 @@
     </p:spTree>
     <p:extLst>
       <p:ext uri="{BB962C8B-B14F-4D97-AF65-F5344CB8AC3E}">
-        <p14:creationId xmlns:p14="http://schemas.microsoft.com/office/powerpoint/2010/main" val="893947223"/>
+        <p14:creationId xmlns:p14="http://schemas.microsoft.com/office/powerpoint/2010/main" val="2475737841"/>
       </p:ext>
     </p:extLst>
   </p:cSld>
@@ -19207,10 +19071,10 @@
       </p:sp>
       <p:pic>
         <p:nvPicPr>
-          <p:cNvPr id="5" name="内容占位符 4">
-            <a:extLst>
-              <a:ext uri="{FF2B5EF4-FFF2-40B4-BE49-F238E27FC236}">
-                <a16:creationId xmlns:a16="http://schemas.microsoft.com/office/drawing/2014/main" id="{8DB56087-3F4D-41B5-894D-209F0900A723}"/>
+          <p:cNvPr id="9" name="内容占位符 8">
+            <a:extLst>
+              <a:ext uri="{FF2B5EF4-FFF2-40B4-BE49-F238E27FC236}">
+                <a16:creationId xmlns:a16="http://schemas.microsoft.com/office/drawing/2014/main" id="{54F8C281-3911-4B82-8177-B21B5C3794AD}"/>
               </a:ext>
             </a:extLst>
           </p:cNvPr>
@@ -19243,7 +19107,7 @@
     </p:spTree>
     <p:extLst>
       <p:ext uri="{BB962C8B-B14F-4D97-AF65-F5344CB8AC3E}">
-        <p14:creationId xmlns:p14="http://schemas.microsoft.com/office/powerpoint/2010/main" val="2475737841"/>
+        <p14:creationId xmlns:p14="http://schemas.microsoft.com/office/powerpoint/2010/main" val="2949078200"/>
       </p:ext>
     </p:extLst>
   </p:cSld>
@@ -19282,7 +19146,7 @@
           <p:cNvPr id="2" name="标题 1">
             <a:extLst>
               <a:ext uri="{FF2B5EF4-FFF2-40B4-BE49-F238E27FC236}">
-                <a16:creationId xmlns:a16="http://schemas.microsoft.com/office/drawing/2014/main" id="{6E515F20-5960-4CEB-8B7D-2B000A9BD4EB}"/>
+                <a16:creationId xmlns:a16="http://schemas.microsoft.com/office/drawing/2014/main" id="{DD9AF0FA-728F-4819-ACE3-80AC7DB5E9AC}"/>
               </a:ext>
             </a:extLst>
           </p:cNvPr>
@@ -19300,7 +19164,7 @@
           <a:p>
             <a:r>
               <a:rPr lang="en-US" altLang="zh-CN" dirty="0"/>
-              <a:t>Follower</a:t>
+              <a:t>Leader</a:t>
             </a:r>
             <a:r>
               <a:rPr lang="zh-CN" altLang="en-US" dirty="0"/>
@@ -19311,10 +19175,10 @@
       </p:sp>
       <p:pic>
         <p:nvPicPr>
-          <p:cNvPr id="9" name="内容占位符 8">
-            <a:extLst>
-              <a:ext uri="{FF2B5EF4-FFF2-40B4-BE49-F238E27FC236}">
-                <a16:creationId xmlns:a16="http://schemas.microsoft.com/office/drawing/2014/main" id="{54F8C281-3911-4B82-8177-B21B5C3794AD}"/>
+          <p:cNvPr id="5" name="内容占位符 4">
+            <a:extLst>
+              <a:ext uri="{FF2B5EF4-FFF2-40B4-BE49-F238E27FC236}">
+                <a16:creationId xmlns:a16="http://schemas.microsoft.com/office/drawing/2014/main" id="{7B41BDA6-ABAB-4EC6-A235-6E0E58ACF42B}"/>
               </a:ext>
             </a:extLst>
           </p:cNvPr>
@@ -19347,7 +19211,7 @@
     </p:spTree>
     <p:extLst>
       <p:ext uri="{BB962C8B-B14F-4D97-AF65-F5344CB8AC3E}">
-        <p14:creationId xmlns:p14="http://schemas.microsoft.com/office/powerpoint/2010/main" val="2949078200"/>
+        <p14:creationId xmlns:p14="http://schemas.microsoft.com/office/powerpoint/2010/main" val="732560138"/>
       </p:ext>
     </p:extLst>
   </p:cSld>
@@ -19418,7 +19282,7 @@
           <p:cNvPr id="5" name="内容占位符 4">
             <a:extLst>
               <a:ext uri="{FF2B5EF4-FFF2-40B4-BE49-F238E27FC236}">
-                <a16:creationId xmlns:a16="http://schemas.microsoft.com/office/drawing/2014/main" id="{7B41BDA6-ABAB-4EC6-A235-6E0E58ACF42B}"/>
+                <a16:creationId xmlns:a16="http://schemas.microsoft.com/office/drawing/2014/main" id="{61915596-6C33-4878-9993-462AE4F59D47}"/>
               </a:ext>
             </a:extLst>
           </p:cNvPr>
@@ -19451,7 +19315,7 @@
     </p:spTree>
     <p:extLst>
       <p:ext uri="{BB962C8B-B14F-4D97-AF65-F5344CB8AC3E}">
-        <p14:creationId xmlns:p14="http://schemas.microsoft.com/office/powerpoint/2010/main" val="732560138"/>
+        <p14:creationId xmlns:p14="http://schemas.microsoft.com/office/powerpoint/2010/main" val="2378724957"/>
       </p:ext>
     </p:extLst>
   </p:cSld>
@@ -19522,7 +19386,7 @@
           <p:cNvPr id="5" name="内容占位符 4">
             <a:extLst>
               <a:ext uri="{FF2B5EF4-FFF2-40B4-BE49-F238E27FC236}">
-                <a16:creationId xmlns:a16="http://schemas.microsoft.com/office/drawing/2014/main" id="{61915596-6C33-4878-9993-462AE4F59D47}"/>
+                <a16:creationId xmlns:a16="http://schemas.microsoft.com/office/drawing/2014/main" id="{56B2D611-7042-4E91-AA00-DED9BE6ACE93}"/>
               </a:ext>
             </a:extLst>
           </p:cNvPr>
@@ -19555,7 +19419,7 @@
     </p:spTree>
     <p:extLst>
       <p:ext uri="{BB962C8B-B14F-4D97-AF65-F5344CB8AC3E}">
-        <p14:creationId xmlns:p14="http://schemas.microsoft.com/office/powerpoint/2010/main" val="2378724957"/>
+        <p14:creationId xmlns:p14="http://schemas.microsoft.com/office/powerpoint/2010/main" val="1808906184"/>
       </p:ext>
     </p:extLst>
   </p:cSld>
@@ -19626,7 +19490,7 @@
           <p:cNvPr id="5" name="内容占位符 4">
             <a:extLst>
               <a:ext uri="{FF2B5EF4-FFF2-40B4-BE49-F238E27FC236}">
-                <a16:creationId xmlns:a16="http://schemas.microsoft.com/office/drawing/2014/main" id="{56B2D611-7042-4E91-AA00-DED9BE6ACE93}"/>
+                <a16:creationId xmlns:a16="http://schemas.microsoft.com/office/drawing/2014/main" id="{392C629D-DFAE-4BFD-B6D3-77AEA4536724}"/>
               </a:ext>
             </a:extLst>
           </p:cNvPr>
@@ -19659,7 +19523,7 @@
     </p:spTree>
     <p:extLst>
       <p:ext uri="{BB962C8B-B14F-4D97-AF65-F5344CB8AC3E}">
-        <p14:creationId xmlns:p14="http://schemas.microsoft.com/office/powerpoint/2010/main" val="1808906184"/>
+        <p14:creationId xmlns:p14="http://schemas.microsoft.com/office/powerpoint/2010/main" val="1160868305"/>
       </p:ext>
     </p:extLst>
   </p:cSld>
@@ -19870,7 +19734,7 @@
           <p:cNvPr id="5" name="内容占位符 4">
             <a:extLst>
               <a:ext uri="{FF2B5EF4-FFF2-40B4-BE49-F238E27FC236}">
-                <a16:creationId xmlns:a16="http://schemas.microsoft.com/office/drawing/2014/main" id="{392C629D-DFAE-4BFD-B6D3-77AEA4536724}"/>
+                <a16:creationId xmlns:a16="http://schemas.microsoft.com/office/drawing/2014/main" id="{F5BA7E61-55D6-45DF-B831-3EE8E19F0956}"/>
               </a:ext>
             </a:extLst>
           </p:cNvPr>
@@ -19903,7 +19767,7 @@
     </p:spTree>
     <p:extLst>
       <p:ext uri="{BB962C8B-B14F-4D97-AF65-F5344CB8AC3E}">
-        <p14:creationId xmlns:p14="http://schemas.microsoft.com/office/powerpoint/2010/main" val="1160868305"/>
+        <p14:creationId xmlns:p14="http://schemas.microsoft.com/office/powerpoint/2010/main" val="898846771"/>
       </p:ext>
     </p:extLst>
   </p:cSld>
@@ -19942,7 +19806,7 @@
           <p:cNvPr id="2" name="标题 1">
             <a:extLst>
               <a:ext uri="{FF2B5EF4-FFF2-40B4-BE49-F238E27FC236}">
-                <a16:creationId xmlns:a16="http://schemas.microsoft.com/office/drawing/2014/main" id="{DD9AF0FA-728F-4819-ACE3-80AC7DB5E9AC}"/>
+                <a16:creationId xmlns:a16="http://schemas.microsoft.com/office/drawing/2014/main" id="{3BD78751-BCCC-4597-87AC-EBFCF89F1778}"/>
               </a:ext>
             </a:extLst>
           </p:cNvPr>
@@ -19959,55 +19823,148 @@
           <a:lstStyle/>
           <a:p>
             <a:r>
+              <a:rPr lang="zh-CN" altLang="en-US" dirty="0"/>
+              <a:t>数据同步</a:t>
+            </a:r>
+          </a:p>
+        </p:txBody>
+      </p:sp>
+      <p:sp>
+        <p:nvSpPr>
+          <p:cNvPr id="3" name="内容占位符 2">
+            <a:extLst>
+              <a:ext uri="{FF2B5EF4-FFF2-40B4-BE49-F238E27FC236}">
+                <a16:creationId xmlns:a16="http://schemas.microsoft.com/office/drawing/2014/main" id="{ECC1FFE2-41FF-4D12-98CA-526BE81D8022}"/>
+              </a:ext>
+            </a:extLst>
+          </p:cNvPr>
+          <p:cNvSpPr>
+            <a:spLocks noGrp="1"/>
+          </p:cNvSpPr>
+          <p:nvPr>
+            <p:ph idx="1"/>
+          </p:nvPr>
+        </p:nvSpPr>
+        <p:spPr/>
+        <p:txBody>
+          <a:bodyPr/>
+          <a:lstStyle/>
+          <a:p>
+            <a:r>
+              <a:rPr lang="en-US" altLang="zh-CN" dirty="0"/>
+              <a:t>&gt;</a:t>
+            </a:r>
+            <a:r>
+              <a:rPr lang="zh-CN" altLang="en-US" dirty="0"/>
+              <a:t> 在完成</a:t>
+            </a:r>
+            <a:r>
+              <a:rPr lang="en-US" altLang="zh-CN" dirty="0"/>
+              <a:t>leader</a:t>
+            </a:r>
+            <a:r>
+              <a:rPr lang="zh-CN" altLang="en-US" dirty="0"/>
+              <a:t>选举阶段后，准</a:t>
+            </a:r>
+            <a:r>
               <a:rPr lang="en-US" altLang="zh-CN" dirty="0"/>
               <a:t>Leader</a:t>
             </a:r>
             <a:r>
               <a:rPr lang="zh-CN" altLang="en-US" dirty="0"/>
-              <a:t>重启选举</a:t>
-            </a:r>
-          </a:p>
-        </p:txBody>
-      </p:sp>
-      <p:pic>
-        <p:nvPicPr>
-          <p:cNvPr id="5" name="内容占位符 4">
-            <a:extLst>
-              <a:ext uri="{FF2B5EF4-FFF2-40B4-BE49-F238E27FC236}">
-                <a16:creationId xmlns:a16="http://schemas.microsoft.com/office/drawing/2014/main" id="{F5BA7E61-55D6-45DF-B831-3EE8E19F0956}"/>
-              </a:ext>
-            </a:extLst>
-          </p:cNvPr>
-          <p:cNvPicPr>
-            <a:picLocks noGrp="1" noChangeAspect="1"/>
-          </p:cNvPicPr>
-          <p:nvPr>
-            <p:ph idx="1"/>
-          </p:nvPr>
-        </p:nvPicPr>
-        <p:blipFill>
-          <a:blip r:embed="rId2">
-            <a:extLst>
-              <a:ext uri="{28A0092B-C50C-407E-A947-70E740481C1C}">
-                <a14:useLocalDpi xmlns:a14="http://schemas.microsoft.com/office/drawing/2010/main" val="0"/>
-              </a:ext>
-            </a:extLst>
-          </a:blip>
-          <a:stretch>
-            <a:fillRect/>
-          </a:stretch>
-        </p:blipFill>
-        <p:spPr>
-          <a:xfrm>
-            <a:off x="3335474" y="1825625"/>
-            <a:ext cx="5521052" cy="4351338"/>
-          </a:xfrm>
-        </p:spPr>
-      </p:pic>
+              <a:t>可以获取集群中最新的提议历史。准</a:t>
+            </a:r>
+            <a:r>
+              <a:rPr lang="en-US" altLang="zh-CN" dirty="0"/>
+              <a:t>Leader</a:t>
+            </a:r>
+            <a:r>
+              <a:rPr lang="zh-CN" altLang="en-US" dirty="0"/>
+              <a:t>在该阶段会把最新的提议历史同步到集群中的所有节点。当同步完成时</a:t>
+            </a:r>
+            <a:r>
+              <a:rPr lang="en-US" altLang="zh-CN" dirty="0"/>
+              <a:t>(</a:t>
+            </a:r>
+            <a:r>
+              <a:rPr lang="zh-CN" altLang="en-US" dirty="0"/>
+              <a:t>过半</a:t>
+            </a:r>
+            <a:r>
+              <a:rPr lang="en-US" altLang="zh-CN" dirty="0"/>
+              <a:t>)</a:t>
+            </a:r>
+            <a:r>
+              <a:rPr lang="zh-CN" altLang="en-US" dirty="0"/>
+              <a:t>，准</a:t>
+            </a:r>
+            <a:r>
+              <a:rPr lang="en-US" altLang="zh-CN" dirty="0"/>
+              <a:t>Leader</a:t>
+            </a:r>
+            <a:r>
+              <a:rPr lang="zh-CN" altLang="en-US" dirty="0"/>
+              <a:t>才会真正成为</a:t>
+            </a:r>
+            <a:r>
+              <a:rPr lang="en-US" altLang="zh-CN" dirty="0"/>
+              <a:t>Leader</a:t>
+            </a:r>
+            <a:r>
+              <a:rPr lang="zh-CN" altLang="en-US" dirty="0"/>
+              <a:t>，执行</a:t>
+            </a:r>
+            <a:r>
+              <a:rPr lang="en-US" altLang="zh-CN" dirty="0"/>
+              <a:t>Leader</a:t>
+            </a:r>
+            <a:r>
+              <a:rPr lang="zh-CN" altLang="en-US" dirty="0"/>
+              <a:t>的工作。</a:t>
+            </a:r>
+          </a:p>
+          <a:p>
+            <a:pPr marL="0" indent="0">
+              <a:buNone/>
+            </a:pPr>
+            <a:r>
+              <a:rPr lang="zh-CN" altLang="en-US" dirty="0"/>
+              <a:t/>
+            </a:r>
+            <a:br>
+              <a:rPr lang="zh-CN" altLang="en-US" dirty="0"/>
+            </a:br>
+            <a:r>
+              <a:rPr lang="zh-CN" altLang="en-US" dirty="0"/>
+              <a:t>* 恢复模式需要解决的两个重要问题</a:t>
+            </a:r>
+          </a:p>
+          <a:p>
+            <a:pPr lvl="1"/>
+            <a:r>
+              <a:rPr lang="zh-CN" altLang="en-US" dirty="0"/>
+              <a:t>* 已经被处理的消息不能丢</a:t>
+            </a:r>
+          </a:p>
+          <a:p>
+            <a:pPr lvl="1"/>
+            <a:r>
+              <a:rPr lang="zh-CN" altLang="en-US" dirty="0"/>
+              <a:t>* 被丢弃的消息不能再次出现</a:t>
+            </a:r>
+          </a:p>
+          <a:p>
+            <a:pPr marL="0" indent="0">
+              <a:buNone/>
+            </a:pPr>
+            <a:endParaRPr lang="zh-CN" altLang="en-US" dirty="0"/>
+          </a:p>
+        </p:txBody>
+      </p:sp>
     </p:spTree>
     <p:extLst>
       <p:ext uri="{BB962C8B-B14F-4D97-AF65-F5344CB8AC3E}">
-        <p14:creationId xmlns:p14="http://schemas.microsoft.com/office/powerpoint/2010/main" val="898846771"/>
+        <p14:creationId xmlns:p14="http://schemas.microsoft.com/office/powerpoint/2010/main" val="3723238442"/>
       </p:ext>
     </p:extLst>
   </p:cSld>
@@ -20046,7 +20003,7 @@
           <p:cNvPr id="2" name="标题 1">
             <a:extLst>
               <a:ext uri="{FF2B5EF4-FFF2-40B4-BE49-F238E27FC236}">
-                <a16:creationId xmlns:a16="http://schemas.microsoft.com/office/drawing/2014/main" id="{3BD78751-BCCC-4597-87AC-EBFCF89F1778}"/>
+                <a16:creationId xmlns:a16="http://schemas.microsoft.com/office/drawing/2014/main" id="{E25A1959-52B9-4C7D-8B06-EF721689BBB0}"/>
               </a:ext>
             </a:extLst>
           </p:cNvPr>
@@ -20064,7 +20021,7 @@
           <a:p>
             <a:r>
               <a:rPr lang="zh-CN" altLang="en-US" dirty="0"/>
-              <a:t>数据同步</a:t>
+              <a:t>原子广播</a:t>
             </a:r>
           </a:p>
         </p:txBody>
@@ -20074,7 +20031,7 @@
           <p:cNvPr id="3" name="内容占位符 2">
             <a:extLst>
               <a:ext uri="{FF2B5EF4-FFF2-40B4-BE49-F238E27FC236}">
-                <a16:creationId xmlns:a16="http://schemas.microsoft.com/office/drawing/2014/main" id="{ECC1FFE2-41FF-4D12-98CA-526BE81D8022}"/>
+                <a16:creationId xmlns:a16="http://schemas.microsoft.com/office/drawing/2014/main" id="{C931D7B4-8173-4916-91FB-2FD8FCCE1707}"/>
               </a:ext>
             </a:extLst>
           </p:cNvPr>
@@ -20091,112 +20048,20 @@
           <a:lstStyle/>
           <a:p>
             <a:r>
-              <a:rPr lang="en-US" altLang="zh-CN" dirty="0"/>
-              <a:t>&gt;</a:t>
-            </a:r>
-            <a:r>
-              <a:rPr lang="zh-CN" altLang="en-US" dirty="0"/>
-              <a:t> 在完成</a:t>
-            </a:r>
-            <a:r>
-              <a:rPr lang="en-US" altLang="zh-CN" dirty="0"/>
-              <a:t>leader</a:t>
-            </a:r>
-            <a:r>
-              <a:rPr lang="zh-CN" altLang="en-US" dirty="0"/>
-              <a:t>选举阶段后，准</a:t>
-            </a:r>
-            <a:r>
-              <a:rPr lang="en-US" altLang="zh-CN" dirty="0"/>
-              <a:t>Leader</a:t>
-            </a:r>
-            <a:r>
-              <a:rPr lang="zh-CN" altLang="en-US" dirty="0"/>
-              <a:t>可以获取集群中最新的提议历史。准</a:t>
-            </a:r>
-            <a:r>
-              <a:rPr lang="en-US" altLang="zh-CN" dirty="0"/>
-              <a:t>Leader</a:t>
-            </a:r>
-            <a:r>
-              <a:rPr lang="zh-CN" altLang="en-US" dirty="0"/>
-              <a:t>在该阶段会把最新的提议历史同步到集群中的所有节点。当同步完成时</a:t>
-            </a:r>
-            <a:r>
-              <a:rPr lang="en-US" altLang="zh-CN" dirty="0"/>
-              <a:t>(</a:t>
-            </a:r>
-            <a:r>
-              <a:rPr lang="zh-CN" altLang="en-US" dirty="0"/>
-              <a:t>过半</a:t>
-            </a:r>
-            <a:r>
-              <a:rPr lang="en-US" altLang="zh-CN" dirty="0"/>
-              <a:t>)</a:t>
-            </a:r>
-            <a:r>
-              <a:rPr lang="zh-CN" altLang="en-US" dirty="0"/>
-              <a:t>，准</a:t>
-            </a:r>
-            <a:r>
-              <a:rPr lang="en-US" altLang="zh-CN" dirty="0"/>
-              <a:t>Leader</a:t>
-            </a:r>
-            <a:r>
-              <a:rPr lang="zh-CN" altLang="en-US" dirty="0"/>
-              <a:t>才会真正成为</a:t>
-            </a:r>
-            <a:r>
-              <a:rPr lang="en-US" altLang="zh-CN" dirty="0"/>
-              <a:t>Leader</a:t>
-            </a:r>
-            <a:r>
-              <a:rPr lang="zh-CN" altLang="en-US" dirty="0"/>
-              <a:t>，执行</a:t>
-            </a:r>
-            <a:r>
-              <a:rPr lang="en-US" altLang="zh-CN" dirty="0"/>
-              <a:t>Leader</a:t>
-            </a:r>
-            <a:r>
-              <a:rPr lang="zh-CN" altLang="en-US" dirty="0"/>
-              <a:t>的工作。</a:t>
-            </a:r>
-          </a:p>
-          <a:p>
-            <a:pPr marL="0" indent="0">
-              <a:buNone/>
-            </a:pPr>
-            <a:r>
-              <a:rPr lang="zh-CN" altLang="en-US" dirty="0"/>
-              <a:t/>
-            </a:r>
-            <a:br>
-              <a:rPr lang="zh-CN" altLang="en-US" dirty="0"/>
-            </a:br>
-            <a:r>
-              <a:rPr lang="zh-CN" altLang="en-US" dirty="0"/>
-              <a:t>* 恢复模式需要解决的两个重要问题</a:t>
-            </a:r>
+              <a:rPr lang="zh-CN" altLang="en-US" dirty="0"/>
+              <a:t>分布式一致</a:t>
+            </a:r>
+            <a:endParaRPr lang="en-US" altLang="zh-CN" dirty="0"/>
           </a:p>
           <a:p>
             <a:pPr lvl="1"/>
             <a:r>
               <a:rPr lang="zh-CN" altLang="en-US" dirty="0"/>
-              <a:t>* 已经被处理的消息不能丢</a:t>
+              <a:t>分布式中有这么一个疑难问题，客户端向一个分布式集群的服务端发出一系列更新数据的消息，由于分布式集群中的各个服务端节点是互为同步数据的，所以运行完客户端这系列消息指令后各服务端节点的数据应该是一致的，但由于网络或其他原因，各个服务端节点接收到消息的序列可能不一致，最后导致各节点的数据不一致。</a:t>
             </a:r>
           </a:p>
           <a:p>
             <a:pPr lvl="1"/>
-            <a:r>
-              <a:rPr lang="zh-CN" altLang="en-US" dirty="0"/>
-              <a:t>* 被丢弃的消息不能再次出现</a:t>
-            </a:r>
-          </a:p>
-          <a:p>
-            <a:pPr marL="0" indent="0">
-              <a:buNone/>
-            </a:pPr>
             <a:endParaRPr lang="zh-CN" altLang="en-US" dirty="0"/>
           </a:p>
         </p:txBody>
@@ -20204,7 +20069,7 @@
     </p:spTree>
     <p:extLst>
       <p:ext uri="{BB962C8B-B14F-4D97-AF65-F5344CB8AC3E}">
-        <p14:creationId xmlns:p14="http://schemas.microsoft.com/office/powerpoint/2010/main" val="3723238442"/>
+        <p14:creationId xmlns:p14="http://schemas.microsoft.com/office/powerpoint/2010/main" val="2667394672"/>
       </p:ext>
     </p:extLst>
   </p:cSld>
@@ -20243,7 +20108,7 @@
           <p:cNvPr id="2" name="标题 1">
             <a:extLst>
               <a:ext uri="{FF2B5EF4-FFF2-40B4-BE49-F238E27FC236}">
-                <a16:creationId xmlns:a16="http://schemas.microsoft.com/office/drawing/2014/main" id="{E25A1959-52B9-4C7D-8B06-EF721689BBB0}"/>
+                <a16:creationId xmlns:a16="http://schemas.microsoft.com/office/drawing/2014/main" id="{B2ACC03B-ED7F-413B-B395-A21147AA6D68}"/>
               </a:ext>
             </a:extLst>
           </p:cNvPr>
@@ -20261,7 +20126,7 @@
           <a:p>
             <a:r>
               <a:rPr lang="zh-CN" altLang="en-US" dirty="0"/>
-              <a:t>原子广播</a:t>
+              <a:t>分布式一致</a:t>
             </a:r>
           </a:p>
         </p:txBody>
@@ -20271,7 +20136,7 @@
           <p:cNvPr id="3" name="内容占位符 2">
             <a:extLst>
               <a:ext uri="{FF2B5EF4-FFF2-40B4-BE49-F238E27FC236}">
-                <a16:creationId xmlns:a16="http://schemas.microsoft.com/office/drawing/2014/main" id="{C931D7B4-8173-4916-91FB-2FD8FCCE1707}"/>
+                <a16:creationId xmlns:a16="http://schemas.microsoft.com/office/drawing/2014/main" id="{1C68E537-07F3-4B57-82A8-55D458B841AD}"/>
               </a:ext>
             </a:extLst>
           </p:cNvPr>
@@ -20288,28 +20153,22 @@
           <a:lstStyle/>
           <a:p>
             <a:r>
-              <a:rPr lang="zh-CN" altLang="en-US" dirty="0"/>
-              <a:t>分布式一致</a:t>
-            </a:r>
-            <a:endParaRPr lang="en-US" altLang="zh-CN" dirty="0"/>
-          </a:p>
-          <a:p>
-            <a:pPr lvl="1"/>
-            <a:r>
-              <a:rPr lang="zh-CN" altLang="en-US" dirty="0"/>
-              <a:t>分布式中有这么一个疑难问题，客户端向一个分布式集群的服务端发出一系列更新数据的消息，由于分布式集群中的各个服务端节点是互为同步数据的，所以运行完客户端这系列消息指令后各服务端节点的数据应该是一致的，但由于网络或其他原因，各个服务端节点接收到消息的序列可能不一致，最后导致各节点的数据不一致。</a:t>
-            </a:r>
-          </a:p>
-          <a:p>
-            <a:pPr lvl="1"/>
-            <a:endParaRPr lang="zh-CN" altLang="en-US" dirty="0"/>
+              <a:rPr lang="en-US" altLang="zh-CN" dirty="0"/>
+              <a:t>CAP</a:t>
+            </a:r>
+          </a:p>
+          <a:p>
+            <a:r>
+              <a:rPr lang="zh-CN" altLang="en-US" dirty="0"/>
+              <a:t>拜占庭问题</a:t>
+            </a:r>
           </a:p>
         </p:txBody>
       </p:sp>
     </p:spTree>
     <p:extLst>
       <p:ext uri="{BB962C8B-B14F-4D97-AF65-F5344CB8AC3E}">
-        <p14:creationId xmlns:p14="http://schemas.microsoft.com/office/powerpoint/2010/main" val="2667394672"/>
+        <p14:creationId xmlns:p14="http://schemas.microsoft.com/office/powerpoint/2010/main" val="4214626945"/>
       </p:ext>
     </p:extLst>
   </p:cSld>
@@ -20348,7 +20207,7 @@
           <p:cNvPr id="2" name="标题 1">
             <a:extLst>
               <a:ext uri="{FF2B5EF4-FFF2-40B4-BE49-F238E27FC236}">
-                <a16:creationId xmlns:a16="http://schemas.microsoft.com/office/drawing/2014/main" id="{B2ACC03B-ED7F-413B-B395-A21147AA6D68}"/>
+                <a16:creationId xmlns:a16="http://schemas.microsoft.com/office/drawing/2014/main" id="{436822BF-8D8A-4013-A36A-DFE3EBD03EF3}"/>
               </a:ext>
             </a:extLst>
           </p:cNvPr>
@@ -20365,50 +20224,55 @@
           <a:lstStyle/>
           <a:p>
             <a:r>
-              <a:rPr lang="zh-CN" altLang="en-US" dirty="0"/>
-              <a:t>分布式一致</a:t>
-            </a:r>
-          </a:p>
-        </p:txBody>
-      </p:sp>
-      <p:sp>
-        <p:nvSpPr>
-          <p:cNvPr id="3" name="内容占位符 2">
-            <a:extLst>
-              <a:ext uri="{FF2B5EF4-FFF2-40B4-BE49-F238E27FC236}">
-                <a16:creationId xmlns:a16="http://schemas.microsoft.com/office/drawing/2014/main" id="{1C68E537-07F3-4B57-82A8-55D458B841AD}"/>
-              </a:ext>
-            </a:extLst>
-          </p:cNvPr>
-          <p:cNvSpPr>
-            <a:spLocks noGrp="1"/>
-          </p:cNvSpPr>
+              <a:rPr lang="en-US" altLang="zh-CN" dirty="0"/>
+              <a:t>CAP</a:t>
+            </a:r>
+            <a:r>
+              <a:rPr lang="zh-CN" altLang="en-US" dirty="0"/>
+              <a:t>定律</a:t>
+            </a:r>
+          </a:p>
+        </p:txBody>
+      </p:sp>
+      <p:pic>
+        <p:nvPicPr>
+          <p:cNvPr id="5" name="内容占位符 4">
+            <a:extLst>
+              <a:ext uri="{FF2B5EF4-FFF2-40B4-BE49-F238E27FC236}">
+                <a16:creationId xmlns:a16="http://schemas.microsoft.com/office/drawing/2014/main" id="{0914A6ED-8604-4D7E-84FB-BB196D5E7B93}"/>
+              </a:ext>
+            </a:extLst>
+          </p:cNvPr>
+          <p:cNvPicPr>
+            <a:picLocks noGrp="1" noChangeAspect="1"/>
+          </p:cNvPicPr>
           <p:nvPr>
             <p:ph idx="1"/>
           </p:nvPr>
-        </p:nvSpPr>
-        <p:spPr/>
-        <p:txBody>
-          <a:bodyPr/>
-          <a:lstStyle/>
-          <a:p>
-            <a:r>
-              <a:rPr lang="en-US" altLang="zh-CN" dirty="0"/>
-              <a:t>CAP</a:t>
-            </a:r>
-          </a:p>
-          <a:p>
-            <a:r>
-              <a:rPr lang="zh-CN" altLang="en-US" dirty="0"/>
-              <a:t>拜占庭问题</a:t>
-            </a:r>
-          </a:p>
-        </p:txBody>
-      </p:sp>
+        </p:nvPicPr>
+        <p:blipFill>
+          <a:blip r:embed="rId2">
+            <a:extLst>
+              <a:ext uri="{28A0092B-C50C-407E-A947-70E740481C1C}">
+                <a14:useLocalDpi xmlns:a14="http://schemas.microsoft.com/office/drawing/2010/main" val="0"/>
+              </a:ext>
+            </a:extLst>
+          </a:blip>
+          <a:stretch>
+            <a:fillRect/>
+          </a:stretch>
+        </p:blipFill>
+        <p:spPr>
+          <a:xfrm>
+            <a:off x="3320146" y="1825625"/>
+            <a:ext cx="5551707" cy="4351338"/>
+          </a:xfrm>
+        </p:spPr>
+      </p:pic>
     </p:spTree>
     <p:extLst>
       <p:ext uri="{BB962C8B-B14F-4D97-AF65-F5344CB8AC3E}">
-        <p14:creationId xmlns:p14="http://schemas.microsoft.com/office/powerpoint/2010/main" val="4214626945"/>
+        <p14:creationId xmlns:p14="http://schemas.microsoft.com/office/powerpoint/2010/main" val="2475225798"/>
       </p:ext>
     </p:extLst>
   </p:cSld>
@@ -20447,7 +20311,7 @@
           <p:cNvPr id="2" name="标题 1">
             <a:extLst>
               <a:ext uri="{FF2B5EF4-FFF2-40B4-BE49-F238E27FC236}">
-                <a16:creationId xmlns:a16="http://schemas.microsoft.com/office/drawing/2014/main" id="{436822BF-8D8A-4013-A36A-DFE3EBD03EF3}"/>
+                <a16:creationId xmlns:a16="http://schemas.microsoft.com/office/drawing/2014/main" id="{544F7890-26F4-4244-9969-F91629C99B19}"/>
               </a:ext>
             </a:extLst>
           </p:cNvPr>
@@ -20474,45 +20338,179 @@
           </a:p>
         </p:txBody>
       </p:sp>
-      <p:pic>
-        <p:nvPicPr>
-          <p:cNvPr id="5" name="内容占位符 4">
-            <a:extLst>
-              <a:ext uri="{FF2B5EF4-FFF2-40B4-BE49-F238E27FC236}">
-                <a16:creationId xmlns:a16="http://schemas.microsoft.com/office/drawing/2014/main" id="{0914A6ED-8604-4D7E-84FB-BB196D5E7B93}"/>
-              </a:ext>
-            </a:extLst>
-          </p:cNvPr>
-          <p:cNvPicPr>
-            <a:picLocks noGrp="1" noChangeAspect="1"/>
-          </p:cNvPicPr>
+      <p:sp>
+        <p:nvSpPr>
+          <p:cNvPr id="3" name="内容占位符 2">
+            <a:extLst>
+              <a:ext uri="{FF2B5EF4-FFF2-40B4-BE49-F238E27FC236}">
+                <a16:creationId xmlns:a16="http://schemas.microsoft.com/office/drawing/2014/main" id="{C6114194-DDF3-4F10-915B-EE2CABC0E59D}"/>
+              </a:ext>
+            </a:extLst>
+          </p:cNvPr>
+          <p:cNvSpPr>
+            <a:spLocks noGrp="1"/>
+          </p:cNvSpPr>
           <p:nvPr>
             <p:ph idx="1"/>
           </p:nvPr>
-        </p:nvPicPr>
-        <p:blipFill>
-          <a:blip r:embed="rId2">
-            <a:extLst>
-              <a:ext uri="{28A0092B-C50C-407E-A947-70E740481C1C}">
-                <a14:useLocalDpi xmlns:a14="http://schemas.microsoft.com/office/drawing/2010/main" val="0"/>
-              </a:ext>
-            </a:extLst>
-          </a:blip>
-          <a:stretch>
-            <a:fillRect/>
-          </a:stretch>
-        </p:blipFill>
-        <p:spPr>
-          <a:xfrm>
-            <a:off x="3320146" y="1825625"/>
-            <a:ext cx="5551707" cy="4351338"/>
-          </a:xfrm>
-        </p:spPr>
-      </p:pic>
+        </p:nvSpPr>
+        <p:spPr/>
+        <p:txBody>
+          <a:bodyPr>
+            <a:normAutofit fontScale="92500" lnSpcReduction="20000"/>
+          </a:bodyPr>
+          <a:lstStyle/>
+          <a:p>
+            <a:r>
+              <a:rPr lang="en-US" altLang="zh-CN" dirty="0"/>
+              <a:t>&gt;</a:t>
+            </a:r>
+            <a:r>
+              <a:rPr lang="zh-CN" altLang="en-US" dirty="0"/>
+              <a:t> 分布式系统的最大难点，就是各个节点的状态如何同步。</a:t>
+            </a:r>
+            <a:r>
+              <a:rPr lang="en-US" altLang="zh-CN" dirty="0"/>
+              <a:t>CAP </a:t>
+            </a:r>
+            <a:r>
+              <a:rPr lang="zh-CN" altLang="en-US" dirty="0"/>
+              <a:t>定理是这方面的基本定理，也是理解分布式系统的起点。</a:t>
+            </a:r>
+            <a:endParaRPr lang="en-US" altLang="zh-CN" dirty="0"/>
+          </a:p>
+          <a:p>
+            <a:pPr marL="0" indent="0">
+              <a:buNone/>
+            </a:pPr>
+            <a:endParaRPr lang="zh-CN" altLang="en-US" dirty="0"/>
+          </a:p>
+          <a:p>
+            <a:r>
+              <a:rPr lang="zh-CN" altLang="en-US" dirty="0"/>
+              <a:t>* </a:t>
+            </a:r>
+            <a:r>
+              <a:rPr lang="en-US" altLang="zh-CN" dirty="0"/>
+              <a:t>Consistency (</a:t>
+            </a:r>
+            <a:r>
+              <a:rPr lang="zh-CN" altLang="en-US" dirty="0"/>
+              <a:t>一致性</a:t>
+            </a:r>
+            <a:r>
+              <a:rPr lang="en-US" altLang="zh-CN" dirty="0"/>
+              <a:t>)</a:t>
+            </a:r>
+          </a:p>
+          <a:p>
+            <a:pPr lvl="1"/>
+            <a:r>
+              <a:rPr lang="en-US" altLang="zh-CN" dirty="0"/>
+              <a:t>&gt;</a:t>
+            </a:r>
+            <a:r>
+              <a:rPr lang="zh-CN" altLang="en-US" dirty="0"/>
+              <a:t> 写操作之后的读操作，必须返回该值。</a:t>
+            </a:r>
+          </a:p>
+          <a:p>
+            <a:r>
+              <a:rPr lang="zh-CN" altLang="en-US" dirty="0"/>
+              <a:t>* </a:t>
+            </a:r>
+            <a:r>
+              <a:rPr lang="en-US" altLang="zh-CN" dirty="0"/>
+              <a:t>Availability (</a:t>
+            </a:r>
+            <a:r>
+              <a:rPr lang="zh-CN" altLang="en-US" dirty="0"/>
+              <a:t>可用性</a:t>
+            </a:r>
+            <a:r>
+              <a:rPr lang="en-US" altLang="zh-CN" dirty="0"/>
+              <a:t>)</a:t>
+            </a:r>
+          </a:p>
+          <a:p>
+            <a:pPr lvl="1"/>
+            <a:r>
+              <a:rPr lang="en-US" altLang="zh-CN" dirty="0"/>
+              <a:t>&gt;</a:t>
+            </a:r>
+            <a:r>
+              <a:rPr lang="zh-CN" altLang="en-US" dirty="0"/>
+              <a:t> 意思是只要收到用户的请求，服务器就必须给出回应。每次请求都能获取到非错的响应</a:t>
+            </a:r>
+            <a:r>
+              <a:rPr lang="en-US" altLang="zh-CN" dirty="0"/>
+              <a:t>——</a:t>
+            </a:r>
+            <a:r>
+              <a:rPr lang="zh-CN" altLang="en-US" dirty="0"/>
+              <a:t>但是不保证获取的数据为最新数据。</a:t>
+            </a:r>
+          </a:p>
+          <a:p>
+            <a:r>
+              <a:rPr lang="zh-CN" altLang="en-US" dirty="0"/>
+              <a:t>* </a:t>
+            </a:r>
+            <a:r>
+              <a:rPr lang="en-US" altLang="zh-CN" dirty="0"/>
+              <a:t>Partition tolerance (</a:t>
+            </a:r>
+            <a:r>
+              <a:rPr lang="zh-CN" altLang="en-US" dirty="0"/>
+              <a:t>分区容错</a:t>
+            </a:r>
+            <a:r>
+              <a:rPr lang="en-US" altLang="zh-CN" dirty="0"/>
+              <a:t>)</a:t>
+            </a:r>
+          </a:p>
+          <a:p>
+            <a:pPr lvl="1"/>
+            <a:r>
+              <a:rPr lang="en-US" altLang="zh-CN" dirty="0"/>
+              <a:t>&gt;</a:t>
+            </a:r>
+            <a:r>
+              <a:rPr lang="zh-CN" altLang="en-US" dirty="0"/>
+              <a:t> 区间通信可能失败。</a:t>
+            </a:r>
+          </a:p>
+          <a:p>
+            <a:pPr marL="0" indent="0">
+              <a:buNone/>
+            </a:pPr>
+            <a:endParaRPr lang="en-US" altLang="zh-CN" dirty="0"/>
+          </a:p>
+          <a:p>
+            <a:pPr marL="0" indent="0">
+              <a:buNone/>
+            </a:pPr>
+            <a:r>
+              <a:rPr lang="en-US" altLang="zh-CN" dirty="0"/>
+              <a:t>	</a:t>
+            </a:r>
+            <a:r>
+              <a:rPr lang="zh-CN" altLang="en-US" dirty="0"/>
+              <a:t>这三个基本需求，最多只能同时满足其中的两项，一致性和可用性不可能同时成立，因为可能通信失败（即出现分区容错）。</a:t>
+            </a:r>
+          </a:p>
+          <a:p>
+            <a:pPr marL="0" indent="0">
+              <a:buNone/>
+            </a:pPr>
+            <a:endParaRPr lang="zh-CN" altLang="en-US" dirty="0"/>
+          </a:p>
+        </p:txBody>
+      </p:sp>
     </p:spTree>
     <p:extLst>
       <p:ext uri="{BB962C8B-B14F-4D97-AF65-F5344CB8AC3E}">
-        <p14:creationId xmlns:p14="http://schemas.microsoft.com/office/powerpoint/2010/main" val="2475225798"/>
+        <p14:creationId xmlns:p14="http://schemas.microsoft.com/office/powerpoint/2010/main" val="2060202547"/>
       </p:ext>
     </p:extLst>
   </p:cSld>
@@ -20551,7 +20549,7 @@
           <p:cNvPr id="2" name="标题 1">
             <a:extLst>
               <a:ext uri="{FF2B5EF4-FFF2-40B4-BE49-F238E27FC236}">
-                <a16:creationId xmlns:a16="http://schemas.microsoft.com/office/drawing/2014/main" id="{544F7890-26F4-4244-9969-F91629C99B19}"/>
+                <a16:creationId xmlns:a16="http://schemas.microsoft.com/office/drawing/2014/main" id="{CAE6B87B-FAED-4F42-80B4-155CF2FD63E6}"/>
               </a:ext>
             </a:extLst>
           </p:cNvPr>
@@ -20568,12 +20566,8 @@
           <a:lstStyle/>
           <a:p>
             <a:r>
-              <a:rPr lang="en-US" altLang="zh-CN" dirty="0"/>
-              <a:t>CAP</a:t>
-            </a:r>
-            <a:r>
-              <a:rPr lang="zh-CN" altLang="en-US" dirty="0"/>
-              <a:t>定律</a:t>
+              <a:rPr lang="zh-CN" altLang="en-US" dirty="0"/>
+              <a:t>拜占庭问题</a:t>
             </a:r>
           </a:p>
         </p:txBody>
@@ -20583,7 +20577,7 @@
           <p:cNvPr id="3" name="内容占位符 2">
             <a:extLst>
               <a:ext uri="{FF2B5EF4-FFF2-40B4-BE49-F238E27FC236}">
-                <a16:creationId xmlns:a16="http://schemas.microsoft.com/office/drawing/2014/main" id="{C6114194-DDF3-4F10-915B-EE2CABC0E59D}"/>
+                <a16:creationId xmlns:a16="http://schemas.microsoft.com/office/drawing/2014/main" id="{7510B908-EF8D-42E4-8FF9-39E0DA2119D2}"/>
               </a:ext>
             </a:extLst>
           </p:cNvPr>
@@ -20596,28 +20590,220 @@
         </p:nvSpPr>
         <p:spPr/>
         <p:txBody>
-          <a:bodyPr>
-            <a:normAutofit fontScale="92500" lnSpcReduction="20000"/>
-          </a:bodyPr>
-          <a:lstStyle/>
-          <a:p>
-            <a:r>
-              <a:rPr lang="en-US" altLang="zh-CN" dirty="0"/>
-              <a:t>&gt;</a:t>
-            </a:r>
-            <a:r>
-              <a:rPr lang="zh-CN" altLang="en-US" dirty="0"/>
-              <a:t> 分布式系统的最大难点，就是各个节点的状态如何同步。</a:t>
-            </a:r>
-            <a:r>
-              <a:rPr lang="en-US" altLang="zh-CN" dirty="0"/>
-              <a:t>CAP </a:t>
-            </a:r>
-            <a:r>
-              <a:rPr lang="zh-CN" altLang="en-US" dirty="0"/>
-              <a:t>定理是这方面的基本定理，也是理解分布式系统的起点。</a:t>
-            </a:r>
-            <a:endParaRPr lang="en-US" altLang="zh-CN" dirty="0"/>
+          <a:bodyPr/>
+          <a:lstStyle/>
+          <a:p>
+            <a:pPr marL="0" indent="0">
+              <a:buNone/>
+            </a:pPr>
+            <a:r>
+              <a:rPr lang="en-US" altLang="zh-CN" dirty="0"/>
+              <a:t>	11</a:t>
+            </a:r>
+            <a:r>
+              <a:rPr lang="zh-CN" altLang="en-US" dirty="0"/>
+              <a:t>位拜占庭将军去打仗</a:t>
+            </a:r>
+            <a:r>
+              <a:rPr lang="en-US" altLang="zh-CN" dirty="0"/>
+              <a:t>, </a:t>
+            </a:r>
+            <a:r>
+              <a:rPr lang="zh-CN" altLang="en-US" dirty="0"/>
+              <a:t>他们各自有权力观测敌情并作出判断</a:t>
+            </a:r>
+            <a:r>
+              <a:rPr lang="en-US" altLang="zh-CN" dirty="0"/>
+              <a:t>, </a:t>
+            </a:r>
+            <a:r>
+              <a:rPr lang="zh-CN" altLang="en-US" dirty="0"/>
+              <a:t>进攻或撤退</a:t>
+            </a:r>
+            <a:r>
+              <a:rPr lang="en-US" altLang="zh-CN" dirty="0"/>
+              <a:t>, </a:t>
+            </a:r>
+            <a:r>
+              <a:rPr lang="zh-CN" altLang="en-US" dirty="0"/>
+              <a:t>那么怎么让他们只用传令兵达成一致呢</a:t>
+            </a:r>
+            <a:r>
+              <a:rPr lang="en-US" altLang="zh-CN" dirty="0"/>
+              <a:t>?</a:t>
+            </a:r>
+            <a:r>
+              <a:rPr lang="zh-CN" altLang="en-US" dirty="0"/>
+              <a:t>一种很符合直觉的方法就是投票</a:t>
+            </a:r>
+            <a:r>
+              <a:rPr lang="en-US" altLang="zh-CN" dirty="0"/>
+              <a:t>,</a:t>
+            </a:r>
+            <a:r>
+              <a:rPr lang="zh-CN" altLang="en-US" dirty="0"/>
+              <a:t>每位将军作出决定后都将结果</a:t>
+            </a:r>
+            <a:r>
+              <a:rPr lang="en-US" altLang="zh-CN" dirty="0"/>
+              <a:t>"</a:t>
+            </a:r>
+            <a:r>
+              <a:rPr lang="zh-CN" altLang="en-US" dirty="0"/>
+              <a:t>广播</a:t>
+            </a:r>
+            <a:r>
+              <a:rPr lang="en-US" altLang="zh-CN" dirty="0"/>
+              <a:t>"</a:t>
+            </a:r>
+            <a:r>
+              <a:rPr lang="zh-CN" altLang="en-US" dirty="0"/>
+              <a:t>给其余所有将军</a:t>
+            </a:r>
+            <a:r>
+              <a:rPr lang="en-US" altLang="zh-CN" dirty="0"/>
+              <a:t>, </a:t>
+            </a:r>
+            <a:r>
+              <a:rPr lang="zh-CN" altLang="en-US" dirty="0"/>
+              <a:t>这样所有将军都能获得同样的</a:t>
+            </a:r>
+            <a:r>
+              <a:rPr lang="en-US" altLang="zh-CN" dirty="0"/>
+              <a:t>11</a:t>
+            </a:r>
+            <a:r>
+              <a:rPr lang="zh-CN" altLang="en-US" dirty="0"/>
+              <a:t>份</a:t>
+            </a:r>
+            <a:r>
+              <a:rPr lang="en-US" altLang="zh-CN" dirty="0"/>
+              <a:t>(</a:t>
+            </a:r>
+            <a:r>
+              <a:rPr lang="zh-CN" altLang="en-US" dirty="0"/>
+              <a:t>包括自己</a:t>
+            </a:r>
+            <a:r>
+              <a:rPr lang="en-US" altLang="zh-CN" dirty="0"/>
+              <a:t>)</a:t>
+            </a:r>
+            <a:r>
+              <a:rPr lang="zh-CN" altLang="en-US" dirty="0"/>
+              <a:t>结果</a:t>
+            </a:r>
+            <a:r>
+              <a:rPr lang="en-US" altLang="zh-CN" dirty="0"/>
+              <a:t>, </a:t>
+            </a:r>
+            <a:r>
+              <a:rPr lang="zh-CN" altLang="en-US" dirty="0"/>
+              <a:t>取多数</a:t>
+            </a:r>
+            <a:r>
+              <a:rPr lang="en-US" altLang="zh-CN" dirty="0"/>
+              <a:t>, </a:t>
+            </a:r>
+            <a:r>
+              <a:rPr lang="zh-CN" altLang="en-US" dirty="0"/>
+              <a:t>即可得到全军都同意的行为</a:t>
+            </a:r>
+            <a:r>
+              <a:rPr lang="en-US" altLang="zh-CN" dirty="0"/>
+              <a:t>.</a:t>
+            </a:r>
+            <a:r>
+              <a:rPr lang="zh-CN" altLang="en-US" dirty="0"/>
+              <a:t>但如果这</a:t>
+            </a:r>
+            <a:r>
+              <a:rPr lang="en-US" altLang="zh-CN" dirty="0"/>
+              <a:t>11</a:t>
+            </a:r>
+            <a:r>
+              <a:rPr lang="zh-CN" altLang="en-US" dirty="0"/>
+              <a:t>位将军中有间谍呢</a:t>
+            </a:r>
+            <a:r>
+              <a:rPr lang="en-US" altLang="zh-CN" dirty="0"/>
+              <a:t>? </a:t>
+            </a:r>
+            <a:r>
+              <a:rPr lang="zh-CN" altLang="en-US" dirty="0"/>
+              <a:t>假设有</a:t>
+            </a:r>
+            <a:r>
+              <a:rPr lang="en-US" altLang="zh-CN" dirty="0"/>
+              <a:t>9</a:t>
+            </a:r>
+            <a:r>
+              <a:rPr lang="zh-CN" altLang="en-US" dirty="0"/>
+              <a:t>位忠诚的将军</a:t>
+            </a:r>
+            <a:r>
+              <a:rPr lang="en-US" altLang="zh-CN" dirty="0"/>
+              <a:t>, 5</a:t>
+            </a:r>
+            <a:r>
+              <a:rPr lang="zh-CN" altLang="en-US" dirty="0"/>
+              <a:t>位判断进攻</a:t>
+            </a:r>
+            <a:r>
+              <a:rPr lang="en-US" altLang="zh-CN" dirty="0"/>
+              <a:t>, 4</a:t>
+            </a:r>
+            <a:r>
+              <a:rPr lang="zh-CN" altLang="en-US" dirty="0"/>
+              <a:t>位判断撤退</a:t>
+            </a:r>
+            <a:r>
+              <a:rPr lang="en-US" altLang="zh-CN" dirty="0"/>
+              <a:t>, </a:t>
+            </a:r>
+            <a:r>
+              <a:rPr lang="zh-CN" altLang="en-US" dirty="0"/>
+              <a:t>还有</a:t>
+            </a:r>
+            <a:r>
+              <a:rPr lang="en-US" altLang="zh-CN" dirty="0"/>
+              <a:t>2</a:t>
+            </a:r>
+            <a:r>
+              <a:rPr lang="zh-CN" altLang="en-US" dirty="0"/>
+              <a:t>个间谍恶意判断撤退</a:t>
+            </a:r>
+            <a:r>
+              <a:rPr lang="en-US" altLang="zh-CN" dirty="0"/>
+              <a:t>, </a:t>
+            </a:r>
+            <a:r>
+              <a:rPr lang="zh-CN" altLang="en-US" dirty="0"/>
+              <a:t>虽然结果是错误的撤退</a:t>
+            </a:r>
+            <a:r>
+              <a:rPr lang="en-US" altLang="zh-CN" dirty="0"/>
+              <a:t>, </a:t>
+            </a:r>
+            <a:r>
+              <a:rPr lang="zh-CN" altLang="en-US" dirty="0"/>
+              <a:t>但这种情况完全是允许的</a:t>
+            </a:r>
+            <a:r>
+              <a:rPr lang="en-US" altLang="zh-CN" dirty="0"/>
+              <a:t>. </a:t>
+            </a:r>
+            <a:r>
+              <a:rPr lang="zh-CN" altLang="en-US" dirty="0"/>
+              <a:t>因为这</a:t>
+            </a:r>
+            <a:r>
+              <a:rPr lang="en-US" altLang="zh-CN" dirty="0"/>
+              <a:t>11</a:t>
+            </a:r>
+            <a:r>
+              <a:rPr lang="zh-CN" altLang="en-US" dirty="0"/>
+              <a:t>位将军依然保持着状态一致性。</a:t>
+            </a:r>
           </a:p>
           <a:p>
             <a:pPr marL="0" indent="0">
@@ -20625,132 +20811,12 @@
             </a:pPr>
             <a:endParaRPr lang="zh-CN" altLang="en-US" dirty="0"/>
           </a:p>
-          <a:p>
-            <a:r>
-              <a:rPr lang="zh-CN" altLang="en-US" dirty="0"/>
-              <a:t>* </a:t>
-            </a:r>
-            <a:r>
-              <a:rPr lang="en-US" altLang="zh-CN" dirty="0"/>
-              <a:t>Consistency (</a:t>
-            </a:r>
-            <a:r>
-              <a:rPr lang="zh-CN" altLang="en-US" dirty="0"/>
-              <a:t>一致性</a:t>
-            </a:r>
-            <a:r>
-              <a:rPr lang="en-US" altLang="zh-CN" dirty="0"/>
-              <a:t>)</a:t>
-            </a:r>
-          </a:p>
-          <a:p>
-            <a:pPr lvl="1"/>
-            <a:r>
-              <a:rPr lang="en-US" altLang="zh-CN" dirty="0"/>
-              <a:t>&gt;</a:t>
-            </a:r>
-            <a:r>
-              <a:rPr lang="zh-CN" altLang="en-US" dirty="0"/>
-              <a:t> 写操作之后的读操作，必须返回该值。</a:t>
-            </a:r>
-          </a:p>
-          <a:p>
-            <a:r>
-              <a:rPr lang="zh-CN" altLang="en-US" dirty="0"/>
-              <a:t>* </a:t>
-            </a:r>
-            <a:r>
-              <a:rPr lang="en-US" altLang="zh-CN" dirty="0"/>
-              <a:t>Availability (</a:t>
-            </a:r>
-            <a:r>
-              <a:rPr lang="zh-CN" altLang="en-US" dirty="0"/>
-              <a:t>可用性</a:t>
-            </a:r>
-            <a:r>
-              <a:rPr lang="en-US" altLang="zh-CN" dirty="0"/>
-              <a:t>)</a:t>
-            </a:r>
-          </a:p>
-          <a:p>
-            <a:pPr lvl="1"/>
-            <a:r>
-              <a:rPr lang="en-US" altLang="zh-CN" dirty="0"/>
-              <a:t>&gt;</a:t>
-            </a:r>
-            <a:r>
-              <a:rPr lang="zh-CN" altLang="en-US" dirty="0"/>
-              <a:t> 意思是只要收到用户的请求，服务器就必须给出回应。每次请求都能获取到非错的响应</a:t>
-            </a:r>
-            <a:r>
-              <a:rPr lang="en-US" altLang="zh-CN" dirty="0"/>
-              <a:t>——</a:t>
-            </a:r>
-            <a:r>
-              <a:rPr lang="zh-CN" altLang="en-US" dirty="0"/>
-              <a:t>但是不保证获取的数据为最新数据。</a:t>
-            </a:r>
-          </a:p>
-          <a:p>
-            <a:r>
-              <a:rPr lang="zh-CN" altLang="en-US" dirty="0"/>
-              <a:t>* </a:t>
-            </a:r>
-            <a:r>
-              <a:rPr lang="en-US" altLang="zh-CN" dirty="0"/>
-              <a:t>Partition tolerance (</a:t>
-            </a:r>
-            <a:r>
-              <a:rPr lang="zh-CN" altLang="en-US" dirty="0"/>
-              <a:t>分区容错</a:t>
-            </a:r>
-            <a:r>
-              <a:rPr lang="en-US" altLang="zh-CN" dirty="0"/>
-              <a:t>)</a:t>
-            </a:r>
-          </a:p>
-          <a:p>
-            <a:pPr lvl="1"/>
-            <a:r>
-              <a:rPr lang="en-US" altLang="zh-CN" dirty="0"/>
-              <a:t>&gt;</a:t>
-            </a:r>
-            <a:r>
-              <a:rPr lang="zh-CN" altLang="en-US" dirty="0"/>
-              <a:t> 区间通信可能失败。</a:t>
-            </a:r>
-          </a:p>
-          <a:p>
-            <a:pPr marL="0" indent="0">
-              <a:buNone/>
-            </a:pPr>
-            <a:endParaRPr lang="en-US" altLang="zh-CN" dirty="0"/>
-          </a:p>
-          <a:p>
-            <a:pPr marL="0" indent="0">
-              <a:buNone/>
-            </a:pPr>
-            <a:r>
-              <a:rPr lang="en-US" altLang="zh-CN" dirty="0"/>
-              <a:t>	</a:t>
-            </a:r>
-            <a:r>
-              <a:rPr lang="zh-CN" altLang="en-US" dirty="0"/>
-              <a:t>这三个基本需求，最多只能同时满足其中的两项，一致性和可用性不可能同时成立，因为可能通信失败（即出现分区容错）。</a:t>
-            </a:r>
-          </a:p>
-          <a:p>
-            <a:pPr marL="0" indent="0">
-              <a:buNone/>
-            </a:pPr>
-            <a:endParaRPr lang="zh-CN" altLang="en-US" dirty="0"/>
-          </a:p>
         </p:txBody>
       </p:sp>
     </p:spTree>
     <p:extLst>
       <p:ext uri="{BB962C8B-B14F-4D97-AF65-F5344CB8AC3E}">
-        <p14:creationId xmlns:p14="http://schemas.microsoft.com/office/powerpoint/2010/main" val="2060202547"/>
+        <p14:creationId xmlns:p14="http://schemas.microsoft.com/office/powerpoint/2010/main" val="1517999125"/>
       </p:ext>
     </p:extLst>
   </p:cSld>
@@ -20789,7 +20855,7 @@
           <p:cNvPr id="2" name="标题 1">
             <a:extLst>
               <a:ext uri="{FF2B5EF4-FFF2-40B4-BE49-F238E27FC236}">
-                <a16:creationId xmlns:a16="http://schemas.microsoft.com/office/drawing/2014/main" id="{CAE6B87B-FAED-4F42-80B4-155CF2FD63E6}"/>
+                <a16:creationId xmlns:a16="http://schemas.microsoft.com/office/drawing/2014/main" id="{96573EDF-7612-4D93-97CF-4E01B7510584}"/>
               </a:ext>
             </a:extLst>
           </p:cNvPr>
@@ -20807,8 +20873,21 @@
           <a:p>
             <a:r>
               <a:rPr lang="zh-CN" altLang="en-US" dirty="0"/>
-              <a:t>拜占庭问题</a:t>
-            </a:r>
+              <a:t>一致性解决方案</a:t>
+            </a:r>
+            <a:r>
+              <a:rPr lang="en-US" altLang="zh-CN" dirty="0"/>
+              <a:t>-2PC</a:t>
+            </a:r>
+            <a:r>
+              <a:rPr lang="zh-CN" altLang="en-US" dirty="0"/>
+              <a:t>和</a:t>
+            </a:r>
+            <a:r>
+              <a:rPr lang="en-US" altLang="zh-CN" dirty="0"/>
+              <a:t>3PC</a:t>
+            </a:r>
+            <a:endParaRPr lang="zh-CN" altLang="en-US" dirty="0"/>
           </a:p>
         </p:txBody>
       </p:sp>
@@ -20817,7 +20896,7 @@
           <p:cNvPr id="3" name="内容占位符 2">
             <a:extLst>
               <a:ext uri="{FF2B5EF4-FFF2-40B4-BE49-F238E27FC236}">
-                <a16:creationId xmlns:a16="http://schemas.microsoft.com/office/drawing/2014/main" id="{7510B908-EF8D-42E4-8FF9-39E0DA2119D2}"/>
+                <a16:creationId xmlns:a16="http://schemas.microsoft.com/office/drawing/2014/main" id="{4B3CA4F4-450F-4902-A19E-28AA1CC71005}"/>
               </a:ext>
             </a:extLst>
           </p:cNvPr>
@@ -20830,91 +20909,29 @@
         </p:nvSpPr>
         <p:spPr/>
         <p:txBody>
-          <a:bodyPr/>
-          <a:lstStyle/>
-          <a:p>
-            <a:pPr marL="0" indent="0">
-              <a:buNone/>
-            </a:pPr>
-            <a:r>
-              <a:rPr lang="en-US" altLang="zh-CN" dirty="0"/>
-              <a:t>	11</a:t>
-            </a:r>
-            <a:r>
-              <a:rPr lang="zh-CN" altLang="en-US" dirty="0"/>
-              <a:t>位拜占庭将军去打仗</a:t>
-            </a:r>
-            <a:r>
-              <a:rPr lang="en-US" altLang="zh-CN" dirty="0"/>
-              <a:t>, </a:t>
-            </a:r>
-            <a:r>
-              <a:rPr lang="zh-CN" altLang="en-US" dirty="0"/>
-              <a:t>他们各自有权力观测敌情并作出判断</a:t>
-            </a:r>
-            <a:r>
-              <a:rPr lang="en-US" altLang="zh-CN" dirty="0"/>
-              <a:t>, </a:t>
-            </a:r>
-            <a:r>
-              <a:rPr lang="zh-CN" altLang="en-US" dirty="0"/>
-              <a:t>进攻或撤退</a:t>
-            </a:r>
-            <a:r>
-              <a:rPr lang="en-US" altLang="zh-CN" dirty="0"/>
-              <a:t>, </a:t>
-            </a:r>
-            <a:r>
-              <a:rPr lang="zh-CN" altLang="en-US" dirty="0"/>
-              <a:t>那么怎么让他们只用传令兵达成一致呢</a:t>
-            </a:r>
-            <a:r>
-              <a:rPr lang="en-US" altLang="zh-CN" dirty="0"/>
-              <a:t>?</a:t>
-            </a:r>
-            <a:r>
-              <a:rPr lang="zh-CN" altLang="en-US" dirty="0"/>
-              <a:t>一种很符合直觉的方法就是投票</a:t>
-            </a:r>
-            <a:r>
-              <a:rPr lang="en-US" altLang="zh-CN" dirty="0"/>
-              <a:t>,</a:t>
-            </a:r>
-            <a:r>
-              <a:rPr lang="zh-CN" altLang="en-US" dirty="0"/>
-              <a:t>每位将军作出决定后都将结果</a:t>
-            </a:r>
-            <a:r>
-              <a:rPr lang="en-US" altLang="zh-CN" dirty="0"/>
-              <a:t>"</a:t>
-            </a:r>
-            <a:r>
-              <a:rPr lang="zh-CN" altLang="en-US" dirty="0"/>
-              <a:t>广播</a:t>
-            </a:r>
-            <a:r>
-              <a:rPr lang="en-US" altLang="zh-CN" dirty="0"/>
-              <a:t>"</a:t>
-            </a:r>
-            <a:r>
-              <a:rPr lang="zh-CN" altLang="en-US" dirty="0"/>
-              <a:t>给其余所有将军</a:t>
-            </a:r>
-            <a:r>
-              <a:rPr lang="en-US" altLang="zh-CN" dirty="0"/>
-              <a:t>, </a:t>
-            </a:r>
-            <a:r>
-              <a:rPr lang="zh-CN" altLang="en-US" dirty="0"/>
-              <a:t>这样所有将军都能获得同样的</a:t>
-            </a:r>
-            <a:r>
-              <a:rPr lang="en-US" altLang="zh-CN" dirty="0"/>
-              <a:t>11</a:t>
-            </a:r>
-            <a:r>
-              <a:rPr lang="zh-CN" altLang="en-US" dirty="0"/>
-              <a:t>份</a:t>
+          <a:bodyPr>
+            <a:normAutofit fontScale="85000" lnSpcReduction="20000"/>
+          </a:bodyPr>
+          <a:lstStyle/>
+          <a:p>
+            <a:r>
+              <a:rPr lang="zh-CN" altLang="en-US" dirty="0"/>
+              <a:t>* </a:t>
+            </a:r>
+            <a:r>
+              <a:rPr lang="en-US" altLang="zh-CN" dirty="0"/>
+              <a:t>2PC</a:t>
+            </a:r>
+          </a:p>
+          <a:p>
+            <a:pPr lvl="1"/>
+            <a:r>
+              <a:rPr lang="en-US" altLang="zh-CN" dirty="0"/>
+              <a:t>&gt;</a:t>
+            </a:r>
+            <a:r>
+              <a:rPr lang="zh-CN" altLang="en-US" dirty="0"/>
+              <a:t> 第一阶段：准备阶段</a:t>
             </a:r>
             <a:r>
               <a:rPr lang="en-US" altLang="zh-CN" dirty="0"/>
@@ -20922,7 +20939,7 @@
             </a:r>
             <a:r>
               <a:rPr lang="zh-CN" altLang="en-US" dirty="0"/>
-              <a:t>包括自己</a:t>
+              <a:t>投票阶段</a:t>
             </a:r>
             <a:r>
               <a:rPr lang="en-US" altLang="zh-CN" dirty="0"/>
@@ -20930,119 +20947,133 @@
             </a:r>
             <a:r>
               <a:rPr lang="zh-CN" altLang="en-US" dirty="0"/>
-              <a:t>结果</a:t>
-            </a:r>
-            <a:r>
-              <a:rPr lang="en-US" altLang="zh-CN" dirty="0"/>
-              <a:t>, </a:t>
-            </a:r>
-            <a:r>
-              <a:rPr lang="zh-CN" altLang="en-US" dirty="0"/>
-              <a:t>取多数</a:t>
-            </a:r>
-            <a:r>
-              <a:rPr lang="en-US" altLang="zh-CN" dirty="0"/>
-              <a:t>, </a:t>
-            </a:r>
-            <a:r>
-              <a:rPr lang="zh-CN" altLang="en-US" dirty="0"/>
-              <a:t>即可得到全军都同意的行为</a:t>
-            </a:r>
-            <a:r>
-              <a:rPr lang="en-US" altLang="zh-CN" dirty="0"/>
-              <a:t>.</a:t>
-            </a:r>
-            <a:r>
-              <a:rPr lang="zh-CN" altLang="en-US" dirty="0"/>
-              <a:t>但如果这</a:t>
-            </a:r>
-            <a:r>
-              <a:rPr lang="en-US" altLang="zh-CN" dirty="0"/>
-              <a:t>11</a:t>
-            </a:r>
-            <a:r>
-              <a:rPr lang="zh-CN" altLang="en-US" dirty="0"/>
-              <a:t>位将军中有间谍呢</a:t>
-            </a:r>
-            <a:r>
-              <a:rPr lang="en-US" altLang="zh-CN" dirty="0"/>
-              <a:t>? </a:t>
-            </a:r>
-            <a:r>
-              <a:rPr lang="zh-CN" altLang="en-US" dirty="0"/>
-              <a:t>假设有</a:t>
-            </a:r>
-            <a:r>
-              <a:rPr lang="en-US" altLang="zh-CN" dirty="0"/>
-              <a:t>9</a:t>
-            </a:r>
-            <a:r>
-              <a:rPr lang="zh-CN" altLang="en-US" dirty="0"/>
-              <a:t>位忠诚的将军</a:t>
-            </a:r>
-            <a:r>
-              <a:rPr lang="en-US" altLang="zh-CN" dirty="0"/>
-              <a:t>, 5</a:t>
-            </a:r>
-            <a:r>
-              <a:rPr lang="zh-CN" altLang="en-US" dirty="0"/>
-              <a:t>位判断进攻</a:t>
-            </a:r>
-            <a:r>
-              <a:rPr lang="en-US" altLang="zh-CN" dirty="0"/>
-              <a:t>, 4</a:t>
-            </a:r>
-            <a:r>
-              <a:rPr lang="zh-CN" altLang="en-US" dirty="0"/>
-              <a:t>位判断撤退</a:t>
-            </a:r>
-            <a:r>
-              <a:rPr lang="en-US" altLang="zh-CN" dirty="0"/>
-              <a:t>, </a:t>
-            </a:r>
-            <a:r>
-              <a:rPr lang="zh-CN" altLang="en-US" dirty="0"/>
-              <a:t>还有</a:t>
-            </a:r>
-            <a:r>
-              <a:rPr lang="en-US" altLang="zh-CN" dirty="0"/>
-              <a:t>2</a:t>
-            </a:r>
-            <a:r>
-              <a:rPr lang="zh-CN" altLang="en-US" dirty="0"/>
-              <a:t>个间谍恶意判断撤退</a:t>
-            </a:r>
-            <a:r>
-              <a:rPr lang="en-US" altLang="zh-CN" dirty="0"/>
-              <a:t>, </a:t>
-            </a:r>
-            <a:r>
-              <a:rPr lang="zh-CN" altLang="en-US" dirty="0"/>
-              <a:t>虽然结果是错误的撤退</a:t>
-            </a:r>
-            <a:r>
-              <a:rPr lang="en-US" altLang="zh-CN" dirty="0"/>
-              <a:t>, </a:t>
-            </a:r>
-            <a:r>
-              <a:rPr lang="zh-CN" altLang="en-US" dirty="0"/>
-              <a:t>但这种情况完全是允许的</a:t>
-            </a:r>
-            <a:r>
-              <a:rPr lang="en-US" altLang="zh-CN" dirty="0"/>
-              <a:t>. </a:t>
-            </a:r>
-            <a:r>
-              <a:rPr lang="zh-CN" altLang="en-US" dirty="0"/>
-              <a:t>因为这</a:t>
-            </a:r>
-            <a:r>
-              <a:rPr lang="en-US" altLang="zh-CN" dirty="0"/>
-              <a:t>11</a:t>
-            </a:r>
-            <a:r>
-              <a:rPr lang="zh-CN" altLang="en-US" dirty="0"/>
-              <a:t>位将军依然保持着状态一致性。</a:t>
+              <a:t>和第二阶段：提交阶段（执行阶段）。</a:t>
+            </a:r>
+          </a:p>
+          <a:p>
+            <a:r>
+              <a:rPr lang="zh-CN" altLang="en-US" dirty="0"/>
+              <a:t>* </a:t>
+            </a:r>
+            <a:r>
+              <a:rPr lang="en-US" altLang="zh-CN" dirty="0"/>
+              <a:t>3PC</a:t>
+            </a:r>
+          </a:p>
+          <a:p>
+            <a:pPr lvl="1"/>
+            <a:r>
+              <a:rPr lang="en-US" altLang="zh-CN" dirty="0"/>
+              <a:t>&gt;</a:t>
+            </a:r>
+            <a:r>
+              <a:rPr lang="zh-CN" altLang="en-US" dirty="0"/>
+              <a:t> 在第一阶段和第二阶段中插入一个准备阶段。保证了在最后提交阶段之前各参与节点的状态是一致的。引入超时机制，同时在协调者和参与者中都引入超时机制。</a:t>
+            </a:r>
+          </a:p>
+          <a:p>
+            <a:r>
+              <a:rPr lang="zh-CN" altLang="en-US" dirty="0"/>
+              <a:t/>
+            </a:r>
+            <a:br>
+              <a:rPr lang="zh-CN" altLang="en-US" dirty="0"/>
+            </a:br>
+            <a:r>
+              <a:rPr lang="zh-CN" altLang="en-US" dirty="0"/>
+              <a:t>* 区别</a:t>
+            </a:r>
+          </a:p>
+          <a:p>
+            <a:pPr lvl="1"/>
+            <a:r>
+              <a:rPr lang="en-US" altLang="zh-CN" dirty="0"/>
+              <a:t>&gt;</a:t>
+            </a:r>
+            <a:r>
+              <a:rPr lang="zh-CN" altLang="en-US" dirty="0"/>
+              <a:t> 相对于</a:t>
+            </a:r>
+            <a:r>
+              <a:rPr lang="en-US" altLang="zh-CN" dirty="0"/>
+              <a:t>2PC</a:t>
+            </a:r>
+            <a:r>
+              <a:rPr lang="zh-CN" altLang="en-US" dirty="0"/>
+              <a:t>，</a:t>
+            </a:r>
+            <a:r>
+              <a:rPr lang="en-US" altLang="zh-CN" dirty="0"/>
+              <a:t>3PC</a:t>
+            </a:r>
+            <a:r>
+              <a:rPr lang="zh-CN" altLang="en-US" dirty="0"/>
+              <a:t>主要解决的单点故障问题，并减少阻塞，因为一旦参与者无法及时收到来自协调者的信息之后，他会默认执行</a:t>
+            </a:r>
+            <a:r>
+              <a:rPr lang="en-US" altLang="zh-CN" dirty="0"/>
+              <a:t>commit</a:t>
+            </a:r>
+            <a:r>
+              <a:rPr lang="zh-CN" altLang="en-US" dirty="0"/>
+              <a:t>。而不会一直持有事务资源并处于阻塞状态。但是这种机制也会导致数据一致性问题，因为，由于网络原因，协调者发送的</a:t>
+            </a:r>
+            <a:r>
+              <a:rPr lang="en-US" altLang="zh-CN" dirty="0"/>
+              <a:t>abort</a:t>
+            </a:r>
+            <a:r>
+              <a:rPr lang="zh-CN" altLang="en-US" dirty="0"/>
+              <a:t>响应没有及时被参与者接收到，那么参与者在等待超时之后执行了</a:t>
+            </a:r>
+            <a:r>
+              <a:rPr lang="en-US" altLang="zh-CN" dirty="0"/>
+              <a:t>commit</a:t>
+            </a:r>
+            <a:r>
+              <a:rPr lang="zh-CN" altLang="en-US" dirty="0"/>
+              <a:t>操作。这样就和其他接到</a:t>
+            </a:r>
+            <a:r>
+              <a:rPr lang="en-US" altLang="zh-CN" dirty="0"/>
+              <a:t>abort</a:t>
+            </a:r>
+            <a:r>
+              <a:rPr lang="zh-CN" altLang="en-US" dirty="0"/>
+              <a:t>命令并执行回滚的参与者之间存在数据不一致的情况。</a:t>
+            </a:r>
+          </a:p>
+          <a:p>
+            <a:r>
+              <a:rPr lang="zh-CN" altLang="en-US" dirty="0"/>
+              <a:t>* 总结</a:t>
+            </a:r>
+          </a:p>
+          <a:p>
+            <a:pPr lvl="1"/>
+            <a:r>
+              <a:rPr lang="en-US" altLang="zh-CN" dirty="0"/>
+              <a:t>&gt;</a:t>
+            </a:r>
+            <a:r>
+              <a:rPr lang="zh-CN" altLang="en-US" dirty="0"/>
+              <a:t> 无论是二阶段提交还是三阶段提交都无法彻底解决分布式的一致性问题。那么世上只有一种一致性算法，那就是</a:t>
+            </a:r>
+            <a:r>
+              <a:rPr lang="en-US" altLang="zh-CN" dirty="0" err="1"/>
+              <a:t>Paxos</a:t>
+            </a:r>
+            <a:r>
+              <a:rPr lang="zh-CN" altLang="en-US" dirty="0"/>
+              <a:t>，所有其他一致性算法都是</a:t>
+            </a:r>
+            <a:r>
+              <a:rPr lang="en-US" altLang="zh-CN" dirty="0" err="1"/>
+              <a:t>Paxos</a:t>
+            </a:r>
+            <a:r>
+              <a:rPr lang="zh-CN" altLang="en-US" dirty="0"/>
+              <a:t>算法的不完整版。</a:t>
             </a:r>
           </a:p>
           <a:p>
@@ -21056,7 +21087,7 @@
     </p:spTree>
     <p:extLst>
       <p:ext uri="{BB962C8B-B14F-4D97-AF65-F5344CB8AC3E}">
-        <p14:creationId xmlns:p14="http://schemas.microsoft.com/office/powerpoint/2010/main" val="1517999125"/>
+        <p14:creationId xmlns:p14="http://schemas.microsoft.com/office/powerpoint/2010/main" val="4072484931"/>
       </p:ext>
     </p:extLst>
   </p:cSld>
@@ -21095,7 +21126,7 @@
           <p:cNvPr id="2" name="标题 1">
             <a:extLst>
               <a:ext uri="{FF2B5EF4-FFF2-40B4-BE49-F238E27FC236}">
-                <a16:creationId xmlns:a16="http://schemas.microsoft.com/office/drawing/2014/main" id="{96573EDF-7612-4D93-97CF-4E01B7510584}"/>
+                <a16:creationId xmlns:a16="http://schemas.microsoft.com/office/drawing/2014/main" id="{62E5C563-05FF-4428-AE5B-C13C543BC9FC}"/>
               </a:ext>
             </a:extLst>
           </p:cNvPr>
@@ -21111,223 +21142,53 @@
           <a:bodyPr/>
           <a:lstStyle/>
           <a:p>
-            <a:r>
-              <a:rPr lang="zh-CN" altLang="en-US" dirty="0"/>
-              <a:t>一致性解决方案</a:t>
-            </a:r>
-            <a:r>
-              <a:rPr lang="en-US" altLang="zh-CN" dirty="0"/>
-              <a:t>-2PC</a:t>
-            </a:r>
-            <a:r>
-              <a:rPr lang="zh-CN" altLang="en-US" dirty="0"/>
-              <a:t>和</a:t>
-            </a:r>
-            <a:r>
-              <a:rPr lang="en-US" altLang="zh-CN" dirty="0"/>
-              <a:t>3PC</a:t>
-            </a:r>
-            <a:endParaRPr lang="zh-CN" altLang="en-US" dirty="0"/>
-          </a:p>
-        </p:txBody>
-      </p:sp>
-      <p:sp>
-        <p:nvSpPr>
-          <p:cNvPr id="3" name="内容占位符 2">
-            <a:extLst>
-              <a:ext uri="{FF2B5EF4-FFF2-40B4-BE49-F238E27FC236}">
-                <a16:creationId xmlns:a16="http://schemas.microsoft.com/office/drawing/2014/main" id="{4B3CA4F4-450F-4902-A19E-28AA1CC71005}"/>
-              </a:ext>
-            </a:extLst>
-          </p:cNvPr>
-          <p:cNvSpPr>
-            <a:spLocks noGrp="1"/>
-          </p:cNvSpPr>
-          <p:nvPr>
-            <p:ph idx="1"/>
-          </p:nvPr>
-        </p:nvSpPr>
-        <p:spPr/>
-        <p:txBody>
-          <a:bodyPr>
-            <a:normAutofit fontScale="85000" lnSpcReduction="20000"/>
-          </a:bodyPr>
-          <a:lstStyle/>
-          <a:p>
-            <a:r>
-              <a:rPr lang="zh-CN" altLang="en-US" dirty="0"/>
-              <a:t>* </a:t>
-            </a:r>
-            <a:r>
-              <a:rPr lang="en-US" altLang="zh-CN" dirty="0"/>
-              <a:t>2PC</a:t>
-            </a:r>
-          </a:p>
-          <a:p>
-            <a:pPr lvl="1"/>
-            <a:r>
-              <a:rPr lang="en-US" altLang="zh-CN" dirty="0"/>
-              <a:t>&gt;</a:t>
-            </a:r>
-            <a:r>
-              <a:rPr lang="zh-CN" altLang="en-US" dirty="0"/>
-              <a:t> 第一阶段：准备阶段</a:t>
-            </a:r>
-            <a:r>
-              <a:rPr lang="en-US" altLang="zh-CN" dirty="0"/>
-              <a:t>(</a:t>
-            </a:r>
-            <a:r>
-              <a:rPr lang="zh-CN" altLang="en-US" dirty="0"/>
-              <a:t>投票阶段</a:t>
-            </a:r>
-            <a:r>
-              <a:rPr lang="en-US" altLang="zh-CN" dirty="0"/>
-              <a:t>)</a:t>
-            </a:r>
-            <a:r>
-              <a:rPr lang="zh-CN" altLang="en-US" dirty="0"/>
-              <a:t>和第二阶段：提交阶段（执行阶段）。</a:t>
-            </a:r>
-          </a:p>
-          <a:p>
-            <a:r>
-              <a:rPr lang="zh-CN" altLang="en-US" dirty="0"/>
-              <a:t>* </a:t>
-            </a:r>
-            <a:r>
-              <a:rPr lang="en-US" altLang="zh-CN" dirty="0"/>
-              <a:t>3PC</a:t>
-            </a:r>
-          </a:p>
-          <a:p>
-            <a:pPr lvl="1"/>
-            <a:r>
-              <a:rPr lang="en-US" altLang="zh-CN" dirty="0"/>
-              <a:t>&gt;</a:t>
-            </a:r>
-            <a:r>
-              <a:rPr lang="zh-CN" altLang="en-US" dirty="0"/>
-              <a:t> 在第一阶段和第二阶段中插入一个准备阶段。保证了在最后提交阶段之前各参与节点的状态是一致的。引入超时机制，同时在协调者和参与者中都引入超时机制。</a:t>
-            </a:r>
-          </a:p>
-          <a:p>
-            <a:r>
-              <a:rPr lang="zh-CN" altLang="en-US" dirty="0"/>
-              <a:t/>
-            </a:r>
-            <a:br>
-              <a:rPr lang="zh-CN" altLang="en-US" dirty="0"/>
-            </a:br>
-            <a:r>
-              <a:rPr lang="zh-CN" altLang="en-US" dirty="0"/>
-              <a:t>* 区别</a:t>
-            </a:r>
-          </a:p>
-          <a:p>
-            <a:pPr lvl="1"/>
-            <a:r>
-              <a:rPr lang="en-US" altLang="zh-CN" dirty="0"/>
-              <a:t>&gt;</a:t>
-            </a:r>
-            <a:r>
-              <a:rPr lang="zh-CN" altLang="en-US" dirty="0"/>
-              <a:t> 相对于</a:t>
-            </a:r>
-            <a:r>
-              <a:rPr lang="en-US" altLang="zh-CN" dirty="0"/>
-              <a:t>2PC</a:t>
-            </a:r>
-            <a:r>
-              <a:rPr lang="zh-CN" altLang="en-US" dirty="0"/>
-              <a:t>，</a:t>
-            </a:r>
-            <a:r>
-              <a:rPr lang="en-US" altLang="zh-CN" dirty="0"/>
-              <a:t>3PC</a:t>
-            </a:r>
-            <a:r>
-              <a:rPr lang="zh-CN" altLang="en-US" dirty="0"/>
-              <a:t>主要解决的单点故障问题，并减少阻塞，因为一旦参与者无法及时收到来自协调者的信息之后，他会默认执行</a:t>
-            </a:r>
-            <a:r>
-              <a:rPr lang="en-US" altLang="zh-CN" dirty="0"/>
-              <a:t>commit</a:t>
-            </a:r>
-            <a:r>
-              <a:rPr lang="zh-CN" altLang="en-US" dirty="0"/>
-              <a:t>。而不会一直持有事务资源并处于阻塞状态。但是这种机制也会导致数据一致性问题，因为，由于网络原因，协调者发送的</a:t>
-            </a:r>
-            <a:r>
-              <a:rPr lang="en-US" altLang="zh-CN" dirty="0"/>
-              <a:t>abort</a:t>
-            </a:r>
-            <a:r>
-              <a:rPr lang="zh-CN" altLang="en-US" dirty="0"/>
-              <a:t>响应没有及时被参与者接收到，那么参与者在等待超时之后执行了</a:t>
-            </a:r>
-            <a:r>
-              <a:rPr lang="en-US" altLang="zh-CN" dirty="0"/>
-              <a:t>commit</a:t>
-            </a:r>
-            <a:r>
-              <a:rPr lang="zh-CN" altLang="en-US" dirty="0"/>
-              <a:t>操作。这样就和其他接到</a:t>
-            </a:r>
-            <a:r>
-              <a:rPr lang="en-US" altLang="zh-CN" dirty="0"/>
-              <a:t>abort</a:t>
-            </a:r>
-            <a:r>
-              <a:rPr lang="zh-CN" altLang="en-US" dirty="0"/>
-              <a:t>命令并执行回滚的参与者之间存在数据不一致的情况。</a:t>
-            </a:r>
-          </a:p>
-          <a:p>
-            <a:r>
-              <a:rPr lang="zh-CN" altLang="en-US" dirty="0"/>
-              <a:t>* 总结</a:t>
-            </a:r>
-          </a:p>
-          <a:p>
-            <a:pPr lvl="1"/>
-            <a:r>
-              <a:rPr lang="en-US" altLang="zh-CN" dirty="0"/>
-              <a:t>&gt;</a:t>
-            </a:r>
-            <a:r>
-              <a:rPr lang="zh-CN" altLang="en-US" dirty="0"/>
-              <a:t> 无论是二阶段提交还是三阶段提交都无法彻底解决分布式的一致性问题。那么世上只有一种一致性算法，那就是</a:t>
-            </a:r>
             <a:r>
               <a:rPr lang="en-US" altLang="zh-CN" dirty="0" err="1"/>
               <a:t>Paxos</a:t>
             </a:r>
-            <a:r>
-              <a:rPr lang="zh-CN" altLang="en-US" dirty="0"/>
-              <a:t>，所有其他一致性算法都是</a:t>
-            </a:r>
-            <a:r>
-              <a:rPr lang="en-US" altLang="zh-CN" dirty="0" err="1"/>
-              <a:t>Paxos</a:t>
-            </a:r>
-            <a:r>
-              <a:rPr lang="zh-CN" altLang="en-US" dirty="0"/>
-              <a:t>算法的不完整版。</a:t>
-            </a:r>
-          </a:p>
-          <a:p>
-            <a:pPr marL="0" indent="0">
-              <a:buNone/>
-            </a:pPr>
             <a:endParaRPr lang="zh-CN" altLang="en-US" dirty="0"/>
           </a:p>
         </p:txBody>
       </p:sp>
+      <p:pic>
+        <p:nvPicPr>
+          <p:cNvPr id="5" name="内容占位符 4">
+            <a:extLst>
+              <a:ext uri="{FF2B5EF4-FFF2-40B4-BE49-F238E27FC236}">
+                <a16:creationId xmlns:a16="http://schemas.microsoft.com/office/drawing/2014/main" id="{995A8783-967E-453D-A299-A52CFF560B6B}"/>
+              </a:ext>
+            </a:extLst>
+          </p:cNvPr>
+          <p:cNvPicPr>
+            <a:picLocks noGrp="1" noChangeAspect="1"/>
+          </p:cNvPicPr>
+          <p:nvPr>
+            <p:ph idx="1"/>
+          </p:nvPr>
+        </p:nvPicPr>
+        <p:blipFill>
+          <a:blip r:embed="rId2">
+            <a:extLst>
+              <a:ext uri="{28A0092B-C50C-407E-A947-70E740481C1C}">
+                <a14:useLocalDpi xmlns:a14="http://schemas.microsoft.com/office/drawing/2010/main" val="0"/>
+              </a:ext>
+            </a:extLst>
+          </a:blip>
+          <a:stretch>
+            <a:fillRect/>
+          </a:stretch>
+        </p:blipFill>
+        <p:spPr>
+          <a:xfrm>
+            <a:off x="4143375" y="2777331"/>
+            <a:ext cx="3905250" cy="2447925"/>
+          </a:xfrm>
+        </p:spPr>
+      </p:pic>
     </p:spTree>
     <p:extLst>
       <p:ext uri="{BB962C8B-B14F-4D97-AF65-F5344CB8AC3E}">
-        <p14:creationId xmlns:p14="http://schemas.microsoft.com/office/powerpoint/2010/main" val="4072484931"/>
+        <p14:creationId xmlns:p14="http://schemas.microsoft.com/office/powerpoint/2010/main" val="2713074242"/>
       </p:ext>
     </p:extLst>
   </p:cSld>
@@ -21366,7 +21227,7 @@
           <p:cNvPr id="2" name="标题 1">
             <a:extLst>
               <a:ext uri="{FF2B5EF4-FFF2-40B4-BE49-F238E27FC236}">
-                <a16:creationId xmlns:a16="http://schemas.microsoft.com/office/drawing/2014/main" id="{62E5C563-05FF-4428-AE5B-C13C543BC9FC}"/>
+                <a16:creationId xmlns:a16="http://schemas.microsoft.com/office/drawing/2014/main" id="{1184245D-8494-4709-9DB4-47B387F00DE4}"/>
               </a:ext>
             </a:extLst>
           </p:cNvPr>
@@ -21383,52 +21244,105 @@
           <a:lstStyle/>
           <a:p>
             <a:r>
+              <a:rPr lang="en-US" altLang="zh-CN" dirty="0"/>
+              <a:t>ZAB</a:t>
+            </a:r>
+            <a:r>
+              <a:rPr lang="zh-CN" altLang="en-US" dirty="0"/>
+              <a:t>原子广播（数据一致原理）</a:t>
+            </a:r>
+          </a:p>
+        </p:txBody>
+      </p:sp>
+      <p:sp>
+        <p:nvSpPr>
+          <p:cNvPr id="3" name="内容占位符 2">
+            <a:extLst>
+              <a:ext uri="{FF2B5EF4-FFF2-40B4-BE49-F238E27FC236}">
+                <a16:creationId xmlns:a16="http://schemas.microsoft.com/office/drawing/2014/main" id="{27726219-C478-456D-85F0-CD8E9FE1B4F9}"/>
+              </a:ext>
+            </a:extLst>
+          </p:cNvPr>
+          <p:cNvSpPr>
+            <a:spLocks noGrp="1"/>
+          </p:cNvSpPr>
+          <p:nvPr>
+            <p:ph idx="1"/>
+          </p:nvPr>
+        </p:nvSpPr>
+        <p:spPr/>
+        <p:txBody>
+          <a:bodyPr/>
+          <a:lstStyle/>
+          <a:p>
+            <a:pPr marL="0" indent="0">
+              <a:buNone/>
+            </a:pPr>
+            <a:r>
+              <a:rPr lang="en-US" altLang="zh-CN" dirty="0"/>
+              <a:t>	</a:t>
+            </a:r>
+            <a:r>
               <a:rPr lang="en-US" altLang="zh-CN" dirty="0" err="1"/>
-              <a:t>Paxos</a:t>
-            </a:r>
+              <a:t>paxos</a:t>
+            </a:r>
+            <a:r>
+              <a:rPr lang="zh-CN" altLang="en-US" dirty="0"/>
+              <a:t>理论到实际是个艰难的过程。比如怎样在分布式环境下维持一个全局唯一递增的序列，如果是靠数据库的自增主键，那么整个系统的稳定和性能的瓶颈全都集中于这个单点。</a:t>
+            </a:r>
+            <a:r>
+              <a:rPr lang="en-US" altLang="zh-CN" dirty="0" err="1"/>
+              <a:t>paxos</a:t>
+            </a:r>
+            <a:r>
+              <a:rPr lang="zh-CN" altLang="en-US" dirty="0"/>
+              <a:t>算法也没有限制</a:t>
+            </a:r>
+            <a:r>
+              <a:rPr lang="en-US" altLang="zh-CN" dirty="0"/>
+              <a:t>Proposer</a:t>
+            </a:r>
+            <a:r>
+              <a:rPr lang="zh-CN" altLang="en-US" dirty="0"/>
+              <a:t>的个数，</a:t>
+            </a:r>
+            <a:r>
+              <a:rPr lang="en-US" altLang="zh-CN" dirty="0"/>
+              <a:t>Proposer</a:t>
+            </a:r>
+            <a:r>
+              <a:rPr lang="zh-CN" altLang="en-US" dirty="0"/>
+              <a:t>个数越多，那么达成一致所造成的碰撞将越多，甚至产生活锁，如果限制</a:t>
+            </a:r>
+            <a:r>
+              <a:rPr lang="en-US" altLang="zh-CN" dirty="0"/>
+              <a:t>Proposer</a:t>
+            </a:r>
+            <a:r>
+              <a:rPr lang="zh-CN" altLang="en-US" dirty="0"/>
+              <a:t>的个数为一个，那么就要考虑唯一的</a:t>
+            </a:r>
+            <a:r>
+              <a:rPr lang="en-US" altLang="zh-CN" dirty="0"/>
+              <a:t>Proposer</a:t>
+            </a:r>
+            <a:r>
+              <a:rPr lang="zh-CN" altLang="en-US" dirty="0"/>
+              <a:t>崩溃要怎么处理。</a:t>
+            </a:r>
+          </a:p>
+          <a:p>
+            <a:pPr marL="0" indent="0">
+              <a:buNone/>
+            </a:pPr>
             <a:endParaRPr lang="zh-CN" altLang="en-US" dirty="0"/>
           </a:p>
         </p:txBody>
       </p:sp>
-      <p:pic>
-        <p:nvPicPr>
-          <p:cNvPr id="5" name="内容占位符 4">
-            <a:extLst>
-              <a:ext uri="{FF2B5EF4-FFF2-40B4-BE49-F238E27FC236}">
-                <a16:creationId xmlns:a16="http://schemas.microsoft.com/office/drawing/2014/main" id="{995A8783-967E-453D-A299-A52CFF560B6B}"/>
-              </a:ext>
-            </a:extLst>
-          </p:cNvPr>
-          <p:cNvPicPr>
-            <a:picLocks noGrp="1" noChangeAspect="1"/>
-          </p:cNvPicPr>
-          <p:nvPr>
-            <p:ph idx="1"/>
-          </p:nvPr>
-        </p:nvPicPr>
-        <p:blipFill>
-          <a:blip r:embed="rId2">
-            <a:extLst>
-              <a:ext uri="{28A0092B-C50C-407E-A947-70E740481C1C}">
-                <a14:useLocalDpi xmlns:a14="http://schemas.microsoft.com/office/drawing/2010/main" val="0"/>
-              </a:ext>
-            </a:extLst>
-          </a:blip>
-          <a:stretch>
-            <a:fillRect/>
-          </a:stretch>
-        </p:blipFill>
-        <p:spPr>
-          <a:xfrm>
-            <a:off x="4143375" y="2777331"/>
-            <a:ext cx="3905250" cy="2447925"/>
-          </a:xfrm>
-        </p:spPr>
-      </p:pic>
     </p:spTree>
     <p:extLst>
       <p:ext uri="{BB962C8B-B14F-4D97-AF65-F5344CB8AC3E}">
-        <p14:creationId xmlns:p14="http://schemas.microsoft.com/office/powerpoint/2010/main" val="2713074242"/>
+        <p14:creationId xmlns:p14="http://schemas.microsoft.com/office/powerpoint/2010/main" val="1727803331"/>
       </p:ext>
     </p:extLst>
   </p:cSld>
